--- a/others/Files/presentation/PresentationSlideADproject.pptx
+++ b/others/Files/presentation/PresentationSlideADproject.pptx
@@ -292,6 +292,7 @@
           <a:p>
             <a:fld id="{101EDA51-A5C5-430F-BD12-83207315C1AE}" type="datetimeFigureOut">
               <a:rPr lang="en-US" smtClean="0"/>
+              <a:pPr/>
               <a:t>2/7/2012</a:t>
             </a:fld>
             <a:endParaRPr lang="en-US"/>
@@ -334,6 +335,7 @@
           <a:p>
             <a:fld id="{5E205ADD-33D6-4E1A-9BF7-DAA7291D332D}" type="slidenum">
               <a:rPr lang="en-US" smtClean="0"/>
+              <a:pPr/>
               <a:t>‹#›</a:t>
             </a:fld>
             <a:endParaRPr lang="en-US"/>
@@ -343,7 +345,7 @@
     </p:spTree>
     <p:extLst>
       <p:ext uri="{BB962C8B-B14F-4D97-AF65-F5344CB8AC3E}">
-        <p14:creationId xmlns:p14="http://schemas.microsoft.com/office/powerpoint/2010/main" val="2693362283"/>
+        <p14:creationId xmlns:p14="http://schemas.microsoft.com/office/powerpoint/2010/main" xmlns="" val="2693362283"/>
       </p:ext>
     </p:extLst>
   </p:cSld>
@@ -462,6 +464,7 @@
           <a:p>
             <a:fld id="{101EDA51-A5C5-430F-BD12-83207315C1AE}" type="datetimeFigureOut">
               <a:rPr lang="en-US" smtClean="0"/>
+              <a:pPr/>
               <a:t>2/7/2012</a:t>
             </a:fld>
             <a:endParaRPr lang="en-US"/>
@@ -504,6 +507,7 @@
           <a:p>
             <a:fld id="{5E205ADD-33D6-4E1A-9BF7-DAA7291D332D}" type="slidenum">
               <a:rPr lang="en-US" smtClean="0"/>
+              <a:pPr/>
               <a:t>‹#›</a:t>
             </a:fld>
             <a:endParaRPr lang="en-US"/>
@@ -513,7 +517,7 @@
     </p:spTree>
     <p:extLst>
       <p:ext uri="{BB962C8B-B14F-4D97-AF65-F5344CB8AC3E}">
-        <p14:creationId xmlns:p14="http://schemas.microsoft.com/office/powerpoint/2010/main" val="1689975496"/>
+        <p14:creationId xmlns:p14="http://schemas.microsoft.com/office/powerpoint/2010/main" xmlns="" val="1689975496"/>
       </p:ext>
     </p:extLst>
   </p:cSld>
@@ -642,6 +646,7 @@
           <a:p>
             <a:fld id="{101EDA51-A5C5-430F-BD12-83207315C1AE}" type="datetimeFigureOut">
               <a:rPr lang="en-US" smtClean="0"/>
+              <a:pPr/>
               <a:t>2/7/2012</a:t>
             </a:fld>
             <a:endParaRPr lang="en-US"/>
@@ -684,6 +689,7 @@
           <a:p>
             <a:fld id="{5E205ADD-33D6-4E1A-9BF7-DAA7291D332D}" type="slidenum">
               <a:rPr lang="en-US" smtClean="0"/>
+              <a:pPr/>
               <a:t>‹#›</a:t>
             </a:fld>
             <a:endParaRPr lang="en-US"/>
@@ -693,7 +699,7 @@
     </p:spTree>
     <p:extLst>
       <p:ext uri="{BB962C8B-B14F-4D97-AF65-F5344CB8AC3E}">
-        <p14:creationId xmlns:p14="http://schemas.microsoft.com/office/powerpoint/2010/main" val="1518472737"/>
+        <p14:creationId xmlns:p14="http://schemas.microsoft.com/office/powerpoint/2010/main" xmlns="" val="1518472737"/>
       </p:ext>
     </p:extLst>
   </p:cSld>
@@ -812,6 +818,7 @@
           <a:p>
             <a:fld id="{101EDA51-A5C5-430F-BD12-83207315C1AE}" type="datetimeFigureOut">
               <a:rPr lang="en-US" smtClean="0"/>
+              <a:pPr/>
               <a:t>2/7/2012</a:t>
             </a:fld>
             <a:endParaRPr lang="en-US"/>
@@ -854,6 +861,7 @@
           <a:p>
             <a:fld id="{5E205ADD-33D6-4E1A-9BF7-DAA7291D332D}" type="slidenum">
               <a:rPr lang="en-US" smtClean="0"/>
+              <a:pPr/>
               <a:t>‹#›</a:t>
             </a:fld>
             <a:endParaRPr lang="en-US"/>
@@ -863,7 +871,7 @@
     </p:spTree>
     <p:extLst>
       <p:ext uri="{BB962C8B-B14F-4D97-AF65-F5344CB8AC3E}">
-        <p14:creationId xmlns:p14="http://schemas.microsoft.com/office/powerpoint/2010/main" val="2392672000"/>
+        <p14:creationId xmlns:p14="http://schemas.microsoft.com/office/powerpoint/2010/main" xmlns="" val="2392672000"/>
       </p:ext>
     </p:extLst>
   </p:cSld>
@@ -1058,6 +1066,7 @@
           <a:p>
             <a:fld id="{101EDA51-A5C5-430F-BD12-83207315C1AE}" type="datetimeFigureOut">
               <a:rPr lang="en-US" smtClean="0"/>
+              <a:pPr/>
               <a:t>2/7/2012</a:t>
             </a:fld>
             <a:endParaRPr lang="en-US"/>
@@ -1100,6 +1109,7 @@
           <a:p>
             <a:fld id="{5E205ADD-33D6-4E1A-9BF7-DAA7291D332D}" type="slidenum">
               <a:rPr lang="en-US" smtClean="0"/>
+              <a:pPr/>
               <a:t>‹#›</a:t>
             </a:fld>
             <a:endParaRPr lang="en-US"/>
@@ -1109,7 +1119,7 @@
     </p:spTree>
     <p:extLst>
       <p:ext uri="{BB962C8B-B14F-4D97-AF65-F5344CB8AC3E}">
-        <p14:creationId xmlns:p14="http://schemas.microsoft.com/office/powerpoint/2010/main" val="4107660373"/>
+        <p14:creationId xmlns:p14="http://schemas.microsoft.com/office/powerpoint/2010/main" xmlns="" val="4107660373"/>
       </p:ext>
     </p:extLst>
   </p:cSld>
@@ -1346,6 +1356,7 @@
           <a:p>
             <a:fld id="{101EDA51-A5C5-430F-BD12-83207315C1AE}" type="datetimeFigureOut">
               <a:rPr lang="en-US" smtClean="0"/>
+              <a:pPr/>
               <a:t>2/7/2012</a:t>
             </a:fld>
             <a:endParaRPr lang="en-US"/>
@@ -1388,6 +1399,7 @@
           <a:p>
             <a:fld id="{5E205ADD-33D6-4E1A-9BF7-DAA7291D332D}" type="slidenum">
               <a:rPr lang="en-US" smtClean="0"/>
+              <a:pPr/>
               <a:t>‹#›</a:t>
             </a:fld>
             <a:endParaRPr lang="en-US"/>
@@ -1397,7 +1409,7 @@
     </p:spTree>
     <p:extLst>
       <p:ext uri="{BB962C8B-B14F-4D97-AF65-F5344CB8AC3E}">
-        <p14:creationId xmlns:p14="http://schemas.microsoft.com/office/powerpoint/2010/main" val="3970420465"/>
+        <p14:creationId xmlns:p14="http://schemas.microsoft.com/office/powerpoint/2010/main" xmlns="" val="3970420465"/>
       </p:ext>
     </p:extLst>
   </p:cSld>
@@ -1768,6 +1780,7 @@
           <a:p>
             <a:fld id="{101EDA51-A5C5-430F-BD12-83207315C1AE}" type="datetimeFigureOut">
               <a:rPr lang="en-US" smtClean="0"/>
+              <a:pPr/>
               <a:t>2/7/2012</a:t>
             </a:fld>
             <a:endParaRPr lang="en-US"/>
@@ -1810,6 +1823,7 @@
           <a:p>
             <a:fld id="{5E205ADD-33D6-4E1A-9BF7-DAA7291D332D}" type="slidenum">
               <a:rPr lang="en-US" smtClean="0"/>
+              <a:pPr/>
               <a:t>‹#›</a:t>
             </a:fld>
             <a:endParaRPr lang="en-US"/>
@@ -1819,7 +1833,7 @@
     </p:spTree>
     <p:extLst>
       <p:ext uri="{BB962C8B-B14F-4D97-AF65-F5344CB8AC3E}">
-        <p14:creationId xmlns:p14="http://schemas.microsoft.com/office/powerpoint/2010/main" val="1818837701"/>
+        <p14:creationId xmlns:p14="http://schemas.microsoft.com/office/powerpoint/2010/main" xmlns="" val="1818837701"/>
       </p:ext>
     </p:extLst>
   </p:cSld>
@@ -1886,6 +1900,7 @@
           <a:p>
             <a:fld id="{101EDA51-A5C5-430F-BD12-83207315C1AE}" type="datetimeFigureOut">
               <a:rPr lang="en-US" smtClean="0"/>
+              <a:pPr/>
               <a:t>2/7/2012</a:t>
             </a:fld>
             <a:endParaRPr lang="en-US"/>
@@ -1928,6 +1943,7 @@
           <a:p>
             <a:fld id="{5E205ADD-33D6-4E1A-9BF7-DAA7291D332D}" type="slidenum">
               <a:rPr lang="en-US" smtClean="0"/>
+              <a:pPr/>
               <a:t>‹#›</a:t>
             </a:fld>
             <a:endParaRPr lang="en-US"/>
@@ -1937,7 +1953,7 @@
     </p:spTree>
     <p:extLst>
       <p:ext uri="{BB962C8B-B14F-4D97-AF65-F5344CB8AC3E}">
-        <p14:creationId xmlns:p14="http://schemas.microsoft.com/office/powerpoint/2010/main" val="900242572"/>
+        <p14:creationId xmlns:p14="http://schemas.microsoft.com/office/powerpoint/2010/main" xmlns="" val="900242572"/>
       </p:ext>
     </p:extLst>
   </p:cSld>
@@ -1981,6 +1997,7 @@
           <a:p>
             <a:fld id="{101EDA51-A5C5-430F-BD12-83207315C1AE}" type="datetimeFigureOut">
               <a:rPr lang="en-US" smtClean="0"/>
+              <a:pPr/>
               <a:t>2/7/2012</a:t>
             </a:fld>
             <a:endParaRPr lang="en-US"/>
@@ -2023,6 +2040,7 @@
           <a:p>
             <a:fld id="{5E205ADD-33D6-4E1A-9BF7-DAA7291D332D}" type="slidenum">
               <a:rPr lang="en-US" smtClean="0"/>
+              <a:pPr/>
               <a:t>‹#›</a:t>
             </a:fld>
             <a:endParaRPr lang="en-US"/>
@@ -2032,7 +2050,7 @@
     </p:spTree>
     <p:extLst>
       <p:ext uri="{BB962C8B-B14F-4D97-AF65-F5344CB8AC3E}">
-        <p14:creationId xmlns:p14="http://schemas.microsoft.com/office/powerpoint/2010/main" val="470963513"/>
+        <p14:creationId xmlns:p14="http://schemas.microsoft.com/office/powerpoint/2010/main" xmlns="" val="470963513"/>
       </p:ext>
     </p:extLst>
   </p:cSld>
@@ -2258,6 +2276,7 @@
           <a:p>
             <a:fld id="{101EDA51-A5C5-430F-BD12-83207315C1AE}" type="datetimeFigureOut">
               <a:rPr lang="en-US" smtClean="0"/>
+              <a:pPr/>
               <a:t>2/7/2012</a:t>
             </a:fld>
             <a:endParaRPr lang="en-US"/>
@@ -2300,6 +2319,7 @@
           <a:p>
             <a:fld id="{5E205ADD-33D6-4E1A-9BF7-DAA7291D332D}" type="slidenum">
               <a:rPr lang="en-US" smtClean="0"/>
+              <a:pPr/>
               <a:t>‹#›</a:t>
             </a:fld>
             <a:endParaRPr lang="en-US"/>
@@ -2309,7 +2329,7 @@
     </p:spTree>
     <p:extLst>
       <p:ext uri="{BB962C8B-B14F-4D97-AF65-F5344CB8AC3E}">
-        <p14:creationId xmlns:p14="http://schemas.microsoft.com/office/powerpoint/2010/main" val="1652324388"/>
+        <p14:creationId xmlns:p14="http://schemas.microsoft.com/office/powerpoint/2010/main" xmlns="" val="1652324388"/>
       </p:ext>
     </p:extLst>
   </p:cSld>
@@ -2511,6 +2531,7 @@
           <a:p>
             <a:fld id="{101EDA51-A5C5-430F-BD12-83207315C1AE}" type="datetimeFigureOut">
               <a:rPr lang="en-US" smtClean="0"/>
+              <a:pPr/>
               <a:t>2/7/2012</a:t>
             </a:fld>
             <a:endParaRPr lang="en-US"/>
@@ -2553,6 +2574,7 @@
           <a:p>
             <a:fld id="{5E205ADD-33D6-4E1A-9BF7-DAA7291D332D}" type="slidenum">
               <a:rPr lang="en-US" smtClean="0"/>
+              <a:pPr/>
               <a:t>‹#›</a:t>
             </a:fld>
             <a:endParaRPr lang="en-US"/>
@@ -2562,7 +2584,7 @@
     </p:spTree>
     <p:extLst>
       <p:ext uri="{BB962C8B-B14F-4D97-AF65-F5344CB8AC3E}">
-        <p14:creationId xmlns:p14="http://schemas.microsoft.com/office/powerpoint/2010/main" val="2683831355"/>
+        <p14:creationId xmlns:p14="http://schemas.microsoft.com/office/powerpoint/2010/main" xmlns="" val="2683831355"/>
       </p:ext>
     </p:extLst>
   </p:cSld>
@@ -2724,6 +2746,7 @@
           <a:p>
             <a:fld id="{101EDA51-A5C5-430F-BD12-83207315C1AE}" type="datetimeFigureOut">
               <a:rPr lang="en-US" smtClean="0"/>
+              <a:pPr/>
               <a:t>2/7/2012</a:t>
             </a:fld>
             <a:endParaRPr lang="en-US"/>
@@ -2802,6 +2825,7 @@
           <a:p>
             <a:fld id="{5E205ADD-33D6-4E1A-9BF7-DAA7291D332D}" type="slidenum">
               <a:rPr lang="en-US" smtClean="0"/>
+              <a:pPr/>
               <a:t>‹#›</a:t>
             </a:fld>
             <a:endParaRPr lang="en-US"/>
@@ -2811,7 +2835,7 @@
     </p:spTree>
     <p:extLst>
       <p:ext uri="{BB962C8B-B14F-4D97-AF65-F5344CB8AC3E}">
-        <p14:creationId xmlns:p14="http://schemas.microsoft.com/office/powerpoint/2010/main" val="3957267946"/>
+        <p14:creationId xmlns:p14="http://schemas.microsoft.com/office/powerpoint/2010/main" xmlns="" val="3957267946"/>
       </p:ext>
     </p:extLst>
   </p:cSld>
@@ -3344,10 +3368,10 @@
           <p:nvPr/>
         </p:nvPicPr>
         <p:blipFill>
-          <a:blip r:embed="rId2">
+          <a:blip r:embed="rId2" cstate="print">
             <a:extLst>
               <a:ext uri="{28A0092B-C50C-407E-A947-70E740481C1C}">
-                <a14:useLocalDpi xmlns:a14="http://schemas.microsoft.com/office/drawing/2010/main" val="0"/>
+                <a14:useLocalDpi xmlns:a14="http://schemas.microsoft.com/office/drawing/2010/main" xmlns="" val="0"/>
               </a:ext>
             </a:extLst>
           </a:blip>
@@ -3376,14 +3400,14 @@
           </a:effectLst>
           <a:extLst>
             <a:ext uri="{909E8E84-426E-40DD-AFC4-6F175D3DCCD1}">
-              <a14:hiddenFill xmlns:a14="http://schemas.microsoft.com/office/drawing/2010/main">
+              <a14:hiddenFill xmlns:a14="http://schemas.microsoft.com/office/drawing/2010/main" xmlns="">
                 <a:solidFill>
                   <a:schemeClr val="accent1"/>
                 </a:solidFill>
               </a14:hiddenFill>
             </a:ext>
             <a:ext uri="{91240B29-F687-4F45-9708-019B960494DF}">
-              <a14:hiddenLine xmlns:a14="http://schemas.microsoft.com/office/drawing/2010/main" w="9525">
+              <a14:hiddenLine xmlns:a14="http://schemas.microsoft.com/office/drawing/2010/main" xmlns="" w="9525">
                 <a:solidFill>
                   <a:schemeClr val="tx1"/>
                 </a:solidFill>
@@ -3418,14 +3442,14 @@
           <a:effectLst/>
           <a:extLst>
             <a:ext uri="{909E8E84-426E-40DD-AFC4-6F175D3DCCD1}">
-              <a14:hiddenFill xmlns:a14="http://schemas.microsoft.com/office/drawing/2010/main">
+              <a14:hiddenFill xmlns:a14="http://schemas.microsoft.com/office/drawing/2010/main" xmlns="">
                 <a:solidFill>
                   <a:schemeClr val="accent1"/>
                 </a:solidFill>
               </a14:hiddenFill>
             </a:ext>
             <a:ext uri="{91240B29-F687-4F45-9708-019B960494DF}">
-              <a14:hiddenLine xmlns:a14="http://schemas.microsoft.com/office/drawing/2010/main" w="9525">
+              <a14:hiddenLine xmlns:a14="http://schemas.microsoft.com/office/drawing/2010/main" xmlns="" w="9525">
                 <a:solidFill>
                   <a:schemeClr val="tx1"/>
                 </a:solidFill>
@@ -3435,7 +3459,7 @@
               </a14:hiddenLine>
             </a:ext>
             <a:ext uri="{AF507438-7753-43E0-B8FC-AC1667EBCBE1}">
-              <a14:hiddenEffects xmlns:a14="http://schemas.microsoft.com/office/drawing/2010/main">
+              <a14:hiddenEffects xmlns:a14="http://schemas.microsoft.com/office/drawing/2010/main" xmlns="">
                 <a:effectLst>
                   <a:outerShdw dist="35921" dir="2700000" algn="ctr" rotWithShape="0">
                     <a:schemeClr val="bg2"/>
@@ -3475,24 +3499,6 @@
               </a:rPr>
               <a:t>Team-9</a:t>
             </a:r>
-            <a:endParaRPr lang="en-US" sz="2400" b="1" dirty="0">
-              <a:ln w="12700">
-                <a:solidFill>
-                  <a:schemeClr val="tx2"/>
-                </a:solidFill>
-                <a:prstDash val="solid"/>
-              </a:ln>
-              <a:solidFill>
-                <a:schemeClr val="bg1"/>
-              </a:solidFill>
-              <a:effectLst>
-                <a:outerShdw blurRad="41275" dist="20320" dir="1800000" algn="tl" rotWithShape="0">
-                  <a:srgbClr val="000000">
-                    <a:alpha val="40000"/>
-                  </a:srgbClr>
-                </a:outerShdw>
-              </a:effectLst>
-            </a:endParaRPr>
           </a:p>
         </p:txBody>
       </p:sp>
@@ -3601,7 +3607,7 @@
           <a:effectLst/>
           <a:extLst>
             <a:ext uri="{AF507438-7753-43E0-B8FC-AC1667EBCBE1}">
-              <a14:hiddenEffects xmlns:a14="http://schemas.microsoft.com/office/drawing/2010/main">
+              <a14:hiddenEffects xmlns:a14="http://schemas.microsoft.com/office/drawing/2010/main" xmlns="">
                 <a:effectLst>
                   <a:outerShdw dist="35921" dir="2700000" algn="ctr" rotWithShape="0">
                     <a:schemeClr val="bg2"/>
@@ -3641,7 +3647,7 @@
           <a:effectLst/>
           <a:extLst>
             <a:ext uri="{AF507438-7753-43E0-B8FC-AC1667EBCBE1}">
-              <a14:hiddenEffects xmlns:a14="http://schemas.microsoft.com/office/drawing/2010/main">
+              <a14:hiddenEffects xmlns:a14="http://schemas.microsoft.com/office/drawing/2010/main" xmlns="">
                 <a:effectLst>
                   <a:outerShdw dist="35921" dir="2700000" algn="ctr" rotWithShape="0">
                     <a:schemeClr val="bg2"/>
@@ -3655,7 +3661,7 @@
     </p:spTree>
     <p:extLst>
       <p:ext uri="{BB962C8B-B14F-4D97-AF65-F5344CB8AC3E}">
-        <p14:creationId xmlns:p14="http://schemas.microsoft.com/office/powerpoint/2010/main" val="2555425040"/>
+        <p14:creationId xmlns:p14="http://schemas.microsoft.com/office/powerpoint/2010/main" xmlns="" val="2555425040"/>
       </p:ext>
     </p:extLst>
   </p:cSld>
@@ -3834,14 +3840,14 @@
           <a:effectLst/>
           <a:extLst>
             <a:ext uri="{909E8E84-426E-40DD-AFC4-6F175D3DCCD1}">
-              <a14:hiddenFill xmlns:a14="http://schemas.microsoft.com/office/drawing/2010/main">
+              <a14:hiddenFill xmlns:a14="http://schemas.microsoft.com/office/drawing/2010/main" xmlns="">
                 <a:solidFill>
                   <a:schemeClr val="accent1"/>
                 </a:solidFill>
               </a14:hiddenFill>
             </a:ext>
             <a:ext uri="{91240B29-F687-4F45-9708-019B960494DF}">
-              <a14:hiddenLine xmlns:a14="http://schemas.microsoft.com/office/drawing/2010/main" w="9525">
+              <a14:hiddenLine xmlns:a14="http://schemas.microsoft.com/office/drawing/2010/main" xmlns="" w="9525">
                 <a:solidFill>
                   <a:schemeClr val="tx1"/>
                 </a:solidFill>
@@ -3851,7 +3857,7 @@
               </a14:hiddenLine>
             </a:ext>
             <a:ext uri="{AF507438-7753-43E0-B8FC-AC1667EBCBE1}">
-              <a14:hiddenEffects xmlns:a14="http://schemas.microsoft.com/office/drawing/2010/main">
+              <a14:hiddenEffects xmlns:a14="http://schemas.microsoft.com/office/drawing/2010/main" xmlns="">
                 <a:effectLst>
                   <a:outerShdw dist="35921" dir="2700000" algn="ctr" rotWithShape="0">
                     <a:schemeClr val="bg2"/>
@@ -4017,7 +4023,7 @@
           <a:effectLst/>
           <a:extLst>
             <a:ext uri="{AF507438-7753-43E0-B8FC-AC1667EBCBE1}">
-              <a14:hiddenEffects xmlns:a14="http://schemas.microsoft.com/office/drawing/2010/main">
+              <a14:hiddenEffects xmlns:a14="http://schemas.microsoft.com/office/drawing/2010/main" xmlns="">
                 <a:effectLst>
                   <a:outerShdw dist="35921" dir="2700000" algn="ctr" rotWithShape="0">
                     <a:schemeClr val="bg2"/>
@@ -4057,7 +4063,7 @@
           <a:effectLst/>
           <a:extLst>
             <a:ext uri="{AF507438-7753-43E0-B8FC-AC1667EBCBE1}">
-              <a14:hiddenEffects xmlns:a14="http://schemas.microsoft.com/office/drawing/2010/main">
+              <a14:hiddenEffects xmlns:a14="http://schemas.microsoft.com/office/drawing/2010/main" xmlns="">
                 <a:effectLst>
                   <a:outerShdw dist="35921" dir="2700000" algn="ctr" rotWithShape="0">
                     <a:schemeClr val="bg2"/>
@@ -4077,7 +4083,7 @@
           <p:nvPr>
             <p:extLst>
               <p:ext uri="{D42A27DB-BD31-4B8C-83A1-F6EECF244321}">
-                <p14:modId xmlns:p14="http://schemas.microsoft.com/office/powerpoint/2010/main" val="3135199640"/>
+                <p14:modId xmlns:p14="http://schemas.microsoft.com/office/powerpoint/2010/main" xmlns="" val="3135199640"/>
               </p:ext>
             </p:extLst>
           </p:nvPr>
@@ -4321,7 +4327,15 @@
                     <a:p>
                       <a:r>
                         <a:rPr lang="en-US" dirty="0" smtClean="0"/>
-                        <a:t>Analysis, Design, Model, Testing,</a:t>
+                        <a:t>Analysis, Design, Model</a:t>
+                      </a:r>
+                      <a:r>
+                        <a:rPr lang="en-US" smtClean="0"/>
+                        <a:t>, Control, </a:t>
+                      </a:r>
+                      <a:r>
+                        <a:rPr lang="en-US" dirty="0" smtClean="0"/>
+                        <a:t>Testing,</a:t>
                       </a:r>
                       <a:endParaRPr lang="en-US" dirty="0"/>
                     </a:p>
@@ -4503,10 +4517,10 @@
           <p:nvPr/>
         </p:nvPicPr>
         <p:blipFill>
-          <a:blip r:embed="rId2">
+          <a:blip r:embed="rId2" cstate="print">
             <a:extLst>
               <a:ext uri="{28A0092B-C50C-407E-A947-70E740481C1C}">
-                <a14:useLocalDpi xmlns:a14="http://schemas.microsoft.com/office/drawing/2010/main" val="0"/>
+                <a14:useLocalDpi xmlns:a14="http://schemas.microsoft.com/office/drawing/2010/main" xmlns="" val="0"/>
               </a:ext>
             </a:extLst>
           </a:blip>
@@ -4535,14 +4549,14 @@
           </a:effectLst>
           <a:extLst>
             <a:ext uri="{909E8E84-426E-40DD-AFC4-6F175D3DCCD1}">
-              <a14:hiddenFill xmlns:a14="http://schemas.microsoft.com/office/drawing/2010/main">
+              <a14:hiddenFill xmlns:a14="http://schemas.microsoft.com/office/drawing/2010/main" xmlns="">
                 <a:solidFill>
                   <a:schemeClr val="accent1"/>
                 </a:solidFill>
               </a14:hiddenFill>
             </a:ext>
             <a:ext uri="{91240B29-F687-4F45-9708-019B960494DF}">
-              <a14:hiddenLine xmlns:a14="http://schemas.microsoft.com/office/drawing/2010/main" w="9525">
+              <a14:hiddenLine xmlns:a14="http://schemas.microsoft.com/office/drawing/2010/main" xmlns="" w="9525">
                 <a:solidFill>
                   <a:schemeClr val="tx1"/>
                 </a:solidFill>
@@ -4557,18 +4571,18 @@
     </p:spTree>
     <p:extLst>
       <p:ext uri="{BB962C8B-B14F-4D97-AF65-F5344CB8AC3E}">
-        <p14:creationId xmlns:p14="http://schemas.microsoft.com/office/powerpoint/2010/main" val="3660150290"/>
+        <p14:creationId xmlns:p14="http://schemas.microsoft.com/office/powerpoint/2010/main" xmlns="" val="3660150290"/>
       </p:ext>
     </p:extLst>
   </p:cSld>
   <p:clrMapOvr>
     <a:masterClrMapping/>
   </p:clrMapOvr>
-  <mc:AlternateContent xmlns:mc="http://schemas.openxmlformats.org/markup-compatibility/2006" xmlns:p14="http://schemas.microsoft.com/office/powerpoint/2010/main">
-    <mc:Choice Requires="p14">
+  <mc:AlternateContent xmlns:mc="http://schemas.openxmlformats.org/markup-compatibility/2006">
+    <mc:Choice xmlns:p14="http://schemas.microsoft.com/office/powerpoint/2010/main" xmlns="" Requires="p14">
       <p:transition p14:dur="0"/>
     </mc:Choice>
-    <mc:Fallback xmlns="">
+    <mc:Fallback>
       <p:transition/>
     </mc:Fallback>
   </mc:AlternateContent>
@@ -4675,12 +4689,17 @@
             <p:ph type="subTitle" idx="1"/>
           </p:nvPr>
         </p:nvSpPr>
-        <p:spPr/>
+        <p:spPr>
+          <a:xfrm>
+            <a:off x="1371600" y="1828800"/>
+            <a:ext cx="6400800" cy="3810000"/>
+          </a:xfrm>
+        </p:spPr>
         <p:txBody>
           <a:bodyPr/>
           <a:lstStyle/>
           <a:p>
-            <a:endParaRPr lang="en-US"/>
+            <a:endParaRPr lang="en-US" dirty="0"/>
           </a:p>
         </p:txBody>
       </p:sp>
@@ -4735,10 +4754,10 @@
           <p:nvPr/>
         </p:nvPicPr>
         <p:blipFill>
-          <a:blip r:embed="rId2">
+          <a:blip r:embed="rId2" cstate="print">
             <a:extLst>
               <a:ext uri="{28A0092B-C50C-407E-A947-70E740481C1C}">
-                <a14:useLocalDpi xmlns:a14="http://schemas.microsoft.com/office/drawing/2010/main" val="0"/>
+                <a14:useLocalDpi xmlns:a14="http://schemas.microsoft.com/office/drawing/2010/main" xmlns="" val="0"/>
               </a:ext>
             </a:extLst>
           </a:blip>
@@ -4767,14 +4786,14 @@
           </a:effectLst>
           <a:extLst>
             <a:ext uri="{909E8E84-426E-40DD-AFC4-6F175D3DCCD1}">
-              <a14:hiddenFill xmlns:a14="http://schemas.microsoft.com/office/drawing/2010/main">
+              <a14:hiddenFill xmlns:a14="http://schemas.microsoft.com/office/drawing/2010/main" xmlns="">
                 <a:solidFill>
                   <a:schemeClr val="accent1"/>
                 </a:solidFill>
               </a14:hiddenFill>
             </a:ext>
             <a:ext uri="{91240B29-F687-4F45-9708-019B960494DF}">
-              <a14:hiddenLine xmlns:a14="http://schemas.microsoft.com/office/drawing/2010/main" w="9525">
+              <a14:hiddenLine xmlns:a14="http://schemas.microsoft.com/office/drawing/2010/main" xmlns="" w="9525">
                 <a:solidFill>
                   <a:schemeClr val="tx1"/>
                 </a:solidFill>
@@ -4809,14 +4828,14 @@
           <a:effectLst/>
           <a:extLst>
             <a:ext uri="{909E8E84-426E-40DD-AFC4-6F175D3DCCD1}">
-              <a14:hiddenFill xmlns:a14="http://schemas.microsoft.com/office/drawing/2010/main">
+              <a14:hiddenFill xmlns:a14="http://schemas.microsoft.com/office/drawing/2010/main" xmlns="">
                 <a:solidFill>
                   <a:schemeClr val="accent1"/>
                 </a:solidFill>
               </a14:hiddenFill>
             </a:ext>
             <a:ext uri="{91240B29-F687-4F45-9708-019B960494DF}">
-              <a14:hiddenLine xmlns:a14="http://schemas.microsoft.com/office/drawing/2010/main" w="9525">
+              <a14:hiddenLine xmlns:a14="http://schemas.microsoft.com/office/drawing/2010/main" xmlns="" w="9525">
                 <a:solidFill>
                   <a:schemeClr val="tx1"/>
                 </a:solidFill>
@@ -4826,7 +4845,7 @@
               </a14:hiddenLine>
             </a:ext>
             <a:ext uri="{AF507438-7753-43E0-B8FC-AC1667EBCBE1}">
-              <a14:hiddenEffects xmlns:a14="http://schemas.microsoft.com/office/drawing/2010/main">
+              <a14:hiddenEffects xmlns:a14="http://schemas.microsoft.com/office/drawing/2010/main" xmlns="">
                 <a:effectLst>
                   <a:outerShdw dist="35921" dir="2700000" algn="ctr" rotWithShape="0">
                     <a:schemeClr val="bg2"/>
@@ -4866,24 +4885,6 @@
               </a:rPr>
               <a:t>Team-9</a:t>
             </a:r>
-            <a:endParaRPr lang="en-US" sz="2400" b="1" dirty="0">
-              <a:ln w="12700">
-                <a:solidFill>
-                  <a:schemeClr val="tx2"/>
-                </a:solidFill>
-                <a:prstDash val="solid"/>
-              </a:ln>
-              <a:solidFill>
-                <a:schemeClr val="bg1"/>
-              </a:solidFill>
-              <a:effectLst>
-                <a:outerShdw blurRad="41275" dist="20320" dir="1800000" algn="tl" rotWithShape="0">
-                  <a:srgbClr val="000000">
-                    <a:alpha val="40000"/>
-                  </a:srgbClr>
-                </a:outerShdw>
-              </a:effectLst>
-            </a:endParaRPr>
           </a:p>
         </p:txBody>
       </p:sp>
@@ -4992,7 +4993,7 @@
           <a:effectLst/>
           <a:extLst>
             <a:ext uri="{AF507438-7753-43E0-B8FC-AC1667EBCBE1}">
-              <a14:hiddenEffects xmlns:a14="http://schemas.microsoft.com/office/drawing/2010/main">
+              <a14:hiddenEffects xmlns:a14="http://schemas.microsoft.com/office/drawing/2010/main" xmlns="">
                 <a:effectLst>
                   <a:outerShdw dist="35921" dir="2700000" algn="ctr" rotWithShape="0">
                     <a:schemeClr val="bg2"/>
@@ -5032,7 +5033,7 @@
           <a:effectLst/>
           <a:extLst>
             <a:ext uri="{AF507438-7753-43E0-B8FC-AC1667EBCBE1}">
-              <a14:hiddenEffects xmlns:a14="http://schemas.microsoft.com/office/drawing/2010/main">
+              <a14:hiddenEffects xmlns:a14="http://schemas.microsoft.com/office/drawing/2010/main" xmlns="">
                 <a:effectLst>
                   <a:outerShdw dist="35921" dir="2700000" algn="ctr" rotWithShape="0">
                     <a:schemeClr val="bg2"/>
@@ -5046,7 +5047,7 @@
     </p:spTree>
     <p:extLst>
       <p:ext uri="{BB962C8B-B14F-4D97-AF65-F5344CB8AC3E}">
-        <p14:creationId xmlns:p14="http://schemas.microsoft.com/office/powerpoint/2010/main" val="472523714"/>
+        <p14:creationId xmlns:p14="http://schemas.microsoft.com/office/powerpoint/2010/main" xmlns="" val="472523714"/>
       </p:ext>
     </p:extLst>
   </p:cSld>
@@ -5139,7 +5140,12 @@
             <p:ph type="subTitle" idx="1"/>
           </p:nvPr>
         </p:nvSpPr>
-        <p:spPr/>
+        <p:spPr>
+          <a:xfrm>
+            <a:off x="1371600" y="1524000"/>
+            <a:ext cx="6400800" cy="4114800"/>
+          </a:xfrm>
+        </p:spPr>
         <p:txBody>
           <a:bodyPr/>
           <a:lstStyle/>
@@ -5199,10 +5205,10 @@
           <p:nvPr/>
         </p:nvPicPr>
         <p:blipFill>
-          <a:blip r:embed="rId2">
+          <a:blip r:embed="rId2" cstate="print">
             <a:extLst>
               <a:ext uri="{28A0092B-C50C-407E-A947-70E740481C1C}">
-                <a14:useLocalDpi xmlns:a14="http://schemas.microsoft.com/office/drawing/2010/main" val="0"/>
+                <a14:useLocalDpi xmlns:a14="http://schemas.microsoft.com/office/drawing/2010/main" xmlns="" val="0"/>
               </a:ext>
             </a:extLst>
           </a:blip>
@@ -5231,14 +5237,14 @@
           </a:effectLst>
           <a:extLst>
             <a:ext uri="{909E8E84-426E-40DD-AFC4-6F175D3DCCD1}">
-              <a14:hiddenFill xmlns:a14="http://schemas.microsoft.com/office/drawing/2010/main">
+              <a14:hiddenFill xmlns:a14="http://schemas.microsoft.com/office/drawing/2010/main" xmlns="">
                 <a:solidFill>
                   <a:schemeClr val="accent1"/>
                 </a:solidFill>
               </a14:hiddenFill>
             </a:ext>
             <a:ext uri="{91240B29-F687-4F45-9708-019B960494DF}">
-              <a14:hiddenLine xmlns:a14="http://schemas.microsoft.com/office/drawing/2010/main" w="9525">
+              <a14:hiddenLine xmlns:a14="http://schemas.microsoft.com/office/drawing/2010/main" xmlns="" w="9525">
                 <a:solidFill>
                   <a:schemeClr val="tx1"/>
                 </a:solidFill>
@@ -5273,14 +5279,14 @@
           <a:effectLst/>
           <a:extLst>
             <a:ext uri="{909E8E84-426E-40DD-AFC4-6F175D3DCCD1}">
-              <a14:hiddenFill xmlns:a14="http://schemas.microsoft.com/office/drawing/2010/main">
+              <a14:hiddenFill xmlns:a14="http://schemas.microsoft.com/office/drawing/2010/main" xmlns="">
                 <a:solidFill>
                   <a:schemeClr val="accent1"/>
                 </a:solidFill>
               </a14:hiddenFill>
             </a:ext>
             <a:ext uri="{91240B29-F687-4F45-9708-019B960494DF}">
-              <a14:hiddenLine xmlns:a14="http://schemas.microsoft.com/office/drawing/2010/main" w="9525">
+              <a14:hiddenLine xmlns:a14="http://schemas.microsoft.com/office/drawing/2010/main" xmlns="" w="9525">
                 <a:solidFill>
                   <a:schemeClr val="tx1"/>
                 </a:solidFill>
@@ -5290,7 +5296,7 @@
               </a14:hiddenLine>
             </a:ext>
             <a:ext uri="{AF507438-7753-43E0-B8FC-AC1667EBCBE1}">
-              <a14:hiddenEffects xmlns:a14="http://schemas.microsoft.com/office/drawing/2010/main">
+              <a14:hiddenEffects xmlns:a14="http://schemas.microsoft.com/office/drawing/2010/main" xmlns="">
                 <a:effectLst>
                   <a:outerShdw dist="35921" dir="2700000" algn="ctr" rotWithShape="0">
                     <a:schemeClr val="bg2"/>
@@ -5330,24 +5336,6 @@
               </a:rPr>
               <a:t>Team-9</a:t>
             </a:r>
-            <a:endParaRPr lang="en-US" sz="2400" b="1" dirty="0">
-              <a:ln w="12700">
-                <a:solidFill>
-                  <a:schemeClr val="tx2"/>
-                </a:solidFill>
-                <a:prstDash val="solid"/>
-              </a:ln>
-              <a:solidFill>
-                <a:schemeClr val="bg1"/>
-              </a:solidFill>
-              <a:effectLst>
-                <a:outerShdw blurRad="41275" dist="20320" dir="1800000" algn="tl" rotWithShape="0">
-                  <a:srgbClr val="000000">
-                    <a:alpha val="40000"/>
-                  </a:srgbClr>
-                </a:outerShdw>
-              </a:effectLst>
-            </a:endParaRPr>
           </a:p>
         </p:txBody>
       </p:sp>
@@ -5456,7 +5444,7 @@
           <a:effectLst/>
           <a:extLst>
             <a:ext uri="{AF507438-7753-43E0-B8FC-AC1667EBCBE1}">
-              <a14:hiddenEffects xmlns:a14="http://schemas.microsoft.com/office/drawing/2010/main">
+              <a14:hiddenEffects xmlns:a14="http://schemas.microsoft.com/office/drawing/2010/main" xmlns="">
                 <a:effectLst>
                   <a:outerShdw dist="35921" dir="2700000" algn="ctr" rotWithShape="0">
                     <a:schemeClr val="bg2"/>
@@ -5496,7 +5484,7 @@
           <a:effectLst/>
           <a:extLst>
             <a:ext uri="{AF507438-7753-43E0-B8FC-AC1667EBCBE1}">
-              <a14:hiddenEffects xmlns:a14="http://schemas.microsoft.com/office/drawing/2010/main">
+              <a14:hiddenEffects xmlns:a14="http://schemas.microsoft.com/office/drawing/2010/main" xmlns="">
                 <a:effectLst>
                   <a:outerShdw dist="35921" dir="2700000" algn="ctr" rotWithShape="0">
                     <a:schemeClr val="bg2"/>
@@ -5510,7 +5498,7 @@
     </p:spTree>
     <p:extLst>
       <p:ext uri="{BB962C8B-B14F-4D97-AF65-F5344CB8AC3E}">
-        <p14:creationId xmlns:p14="http://schemas.microsoft.com/office/powerpoint/2010/main" val="297113616"/>
+        <p14:creationId xmlns:p14="http://schemas.microsoft.com/office/powerpoint/2010/main" xmlns="" val="297113616"/>
       </p:ext>
     </p:extLst>
   </p:cSld>
@@ -5701,10 +5689,10 @@
           <p:nvPr/>
         </p:nvPicPr>
         <p:blipFill>
-          <a:blip r:embed="rId2">
+          <a:blip r:embed="rId2" cstate="print">
             <a:extLst>
               <a:ext uri="{28A0092B-C50C-407E-A947-70E740481C1C}">
-                <a14:useLocalDpi xmlns:a14="http://schemas.microsoft.com/office/drawing/2010/main" val="0"/>
+                <a14:useLocalDpi xmlns:a14="http://schemas.microsoft.com/office/drawing/2010/main" xmlns="" val="0"/>
               </a:ext>
             </a:extLst>
           </a:blip>
@@ -5733,14 +5721,14 @@
           </a:effectLst>
           <a:extLst>
             <a:ext uri="{909E8E84-426E-40DD-AFC4-6F175D3DCCD1}">
-              <a14:hiddenFill xmlns:a14="http://schemas.microsoft.com/office/drawing/2010/main">
+              <a14:hiddenFill xmlns:a14="http://schemas.microsoft.com/office/drawing/2010/main" xmlns="">
                 <a:solidFill>
                   <a:schemeClr val="accent1"/>
                 </a:solidFill>
               </a14:hiddenFill>
             </a:ext>
             <a:ext uri="{91240B29-F687-4F45-9708-019B960494DF}">
-              <a14:hiddenLine xmlns:a14="http://schemas.microsoft.com/office/drawing/2010/main" w="9525">
+              <a14:hiddenLine xmlns:a14="http://schemas.microsoft.com/office/drawing/2010/main" xmlns="" w="9525">
                 <a:solidFill>
                   <a:schemeClr val="tx1"/>
                 </a:solidFill>
@@ -5775,14 +5763,14 @@
           <a:effectLst/>
           <a:extLst>
             <a:ext uri="{909E8E84-426E-40DD-AFC4-6F175D3DCCD1}">
-              <a14:hiddenFill xmlns:a14="http://schemas.microsoft.com/office/drawing/2010/main">
+              <a14:hiddenFill xmlns:a14="http://schemas.microsoft.com/office/drawing/2010/main" xmlns="">
                 <a:solidFill>
                   <a:schemeClr val="accent1"/>
                 </a:solidFill>
               </a14:hiddenFill>
             </a:ext>
             <a:ext uri="{91240B29-F687-4F45-9708-019B960494DF}">
-              <a14:hiddenLine xmlns:a14="http://schemas.microsoft.com/office/drawing/2010/main" w="9525">
+              <a14:hiddenLine xmlns:a14="http://schemas.microsoft.com/office/drawing/2010/main" xmlns="" w="9525">
                 <a:solidFill>
                   <a:schemeClr val="tx1"/>
                 </a:solidFill>
@@ -5792,7 +5780,7 @@
               </a14:hiddenLine>
             </a:ext>
             <a:ext uri="{AF507438-7753-43E0-B8FC-AC1667EBCBE1}">
-              <a14:hiddenEffects xmlns:a14="http://schemas.microsoft.com/office/drawing/2010/main">
+              <a14:hiddenEffects xmlns:a14="http://schemas.microsoft.com/office/drawing/2010/main" xmlns="">
                 <a:effectLst>
                   <a:outerShdw dist="35921" dir="2700000" algn="ctr" rotWithShape="0">
                     <a:schemeClr val="bg2"/>
@@ -5832,24 +5820,6 @@
               </a:rPr>
               <a:t>Team-9</a:t>
             </a:r>
-            <a:endParaRPr lang="en-US" sz="2400" b="1" dirty="0">
-              <a:ln w="12700">
-                <a:solidFill>
-                  <a:schemeClr val="tx2"/>
-                </a:solidFill>
-                <a:prstDash val="solid"/>
-              </a:ln>
-              <a:solidFill>
-                <a:schemeClr val="bg1"/>
-              </a:solidFill>
-              <a:effectLst>
-                <a:outerShdw blurRad="41275" dist="20320" dir="1800000" algn="tl" rotWithShape="0">
-                  <a:srgbClr val="000000">
-                    <a:alpha val="40000"/>
-                  </a:srgbClr>
-                </a:outerShdw>
-              </a:effectLst>
-            </a:endParaRPr>
           </a:p>
         </p:txBody>
       </p:sp>
@@ -5958,7 +5928,7 @@
           <a:effectLst/>
           <a:extLst>
             <a:ext uri="{AF507438-7753-43E0-B8FC-AC1667EBCBE1}">
-              <a14:hiddenEffects xmlns:a14="http://schemas.microsoft.com/office/drawing/2010/main">
+              <a14:hiddenEffects xmlns:a14="http://schemas.microsoft.com/office/drawing/2010/main" xmlns="">
                 <a:effectLst>
                   <a:outerShdw dist="35921" dir="2700000" algn="ctr" rotWithShape="0">
                     <a:schemeClr val="bg2"/>
@@ -5998,7 +5968,7 @@
           <a:effectLst/>
           <a:extLst>
             <a:ext uri="{AF507438-7753-43E0-B8FC-AC1667EBCBE1}">
-              <a14:hiddenEffects xmlns:a14="http://schemas.microsoft.com/office/drawing/2010/main">
+              <a14:hiddenEffects xmlns:a14="http://schemas.microsoft.com/office/drawing/2010/main" xmlns="">
                 <a:effectLst>
                   <a:outerShdw dist="35921" dir="2700000" algn="ctr" rotWithShape="0">
                     <a:schemeClr val="bg2"/>
@@ -6012,7 +5982,7 @@
     </p:spTree>
     <p:extLst>
       <p:ext uri="{BB962C8B-B14F-4D97-AF65-F5344CB8AC3E}">
-        <p14:creationId xmlns:p14="http://schemas.microsoft.com/office/powerpoint/2010/main" val="3534460720"/>
+        <p14:creationId xmlns:p14="http://schemas.microsoft.com/office/powerpoint/2010/main" xmlns="" val="3534460720"/>
       </p:ext>
     </p:extLst>
   </p:cSld>

--- a/others/Files/presentation/PresentationSlideADproject.pptx
+++ b/others/Files/presentation/PresentationSlideADproject.pptx
@@ -293,7 +293,7 @@
             <a:fld id="{101EDA51-A5C5-430F-BD12-83207315C1AE}" type="datetimeFigureOut">
               <a:rPr lang="en-US" smtClean="0"/>
               <a:pPr/>
-              <a:t>2/7/2012</a:t>
+              <a:t>2/8/2012</a:t>
             </a:fld>
             <a:endParaRPr lang="en-US"/>
           </a:p>
@@ -345,7 +345,7 @@
     </p:spTree>
     <p:extLst>
       <p:ext uri="{BB962C8B-B14F-4D97-AF65-F5344CB8AC3E}">
-        <p14:creationId xmlns:p14="http://schemas.microsoft.com/office/powerpoint/2010/main" xmlns="" val="2693362283"/>
+        <p14:creationId xmlns="" xmlns:p14="http://schemas.microsoft.com/office/powerpoint/2010/main" val="2693362283"/>
       </p:ext>
     </p:extLst>
   </p:cSld>
@@ -465,7 +465,7 @@
             <a:fld id="{101EDA51-A5C5-430F-BD12-83207315C1AE}" type="datetimeFigureOut">
               <a:rPr lang="en-US" smtClean="0"/>
               <a:pPr/>
-              <a:t>2/7/2012</a:t>
+              <a:t>2/8/2012</a:t>
             </a:fld>
             <a:endParaRPr lang="en-US"/>
           </a:p>
@@ -517,7 +517,7 @@
     </p:spTree>
     <p:extLst>
       <p:ext uri="{BB962C8B-B14F-4D97-AF65-F5344CB8AC3E}">
-        <p14:creationId xmlns:p14="http://schemas.microsoft.com/office/powerpoint/2010/main" xmlns="" val="1689975496"/>
+        <p14:creationId xmlns="" xmlns:p14="http://schemas.microsoft.com/office/powerpoint/2010/main" val="1689975496"/>
       </p:ext>
     </p:extLst>
   </p:cSld>
@@ -647,7 +647,7 @@
             <a:fld id="{101EDA51-A5C5-430F-BD12-83207315C1AE}" type="datetimeFigureOut">
               <a:rPr lang="en-US" smtClean="0"/>
               <a:pPr/>
-              <a:t>2/7/2012</a:t>
+              <a:t>2/8/2012</a:t>
             </a:fld>
             <a:endParaRPr lang="en-US"/>
           </a:p>
@@ -699,7 +699,7 @@
     </p:spTree>
     <p:extLst>
       <p:ext uri="{BB962C8B-B14F-4D97-AF65-F5344CB8AC3E}">
-        <p14:creationId xmlns:p14="http://schemas.microsoft.com/office/powerpoint/2010/main" xmlns="" val="1518472737"/>
+        <p14:creationId xmlns="" xmlns:p14="http://schemas.microsoft.com/office/powerpoint/2010/main" val="1518472737"/>
       </p:ext>
     </p:extLst>
   </p:cSld>
@@ -819,7 +819,7 @@
             <a:fld id="{101EDA51-A5C5-430F-BD12-83207315C1AE}" type="datetimeFigureOut">
               <a:rPr lang="en-US" smtClean="0"/>
               <a:pPr/>
-              <a:t>2/7/2012</a:t>
+              <a:t>2/8/2012</a:t>
             </a:fld>
             <a:endParaRPr lang="en-US"/>
           </a:p>
@@ -871,7 +871,7 @@
     </p:spTree>
     <p:extLst>
       <p:ext uri="{BB962C8B-B14F-4D97-AF65-F5344CB8AC3E}">
-        <p14:creationId xmlns:p14="http://schemas.microsoft.com/office/powerpoint/2010/main" xmlns="" val="2392672000"/>
+        <p14:creationId xmlns="" xmlns:p14="http://schemas.microsoft.com/office/powerpoint/2010/main" val="2392672000"/>
       </p:ext>
     </p:extLst>
   </p:cSld>
@@ -1067,7 +1067,7 @@
             <a:fld id="{101EDA51-A5C5-430F-BD12-83207315C1AE}" type="datetimeFigureOut">
               <a:rPr lang="en-US" smtClean="0"/>
               <a:pPr/>
-              <a:t>2/7/2012</a:t>
+              <a:t>2/8/2012</a:t>
             </a:fld>
             <a:endParaRPr lang="en-US"/>
           </a:p>
@@ -1119,7 +1119,7 @@
     </p:spTree>
     <p:extLst>
       <p:ext uri="{BB962C8B-B14F-4D97-AF65-F5344CB8AC3E}">
-        <p14:creationId xmlns:p14="http://schemas.microsoft.com/office/powerpoint/2010/main" xmlns="" val="4107660373"/>
+        <p14:creationId xmlns="" xmlns:p14="http://schemas.microsoft.com/office/powerpoint/2010/main" val="4107660373"/>
       </p:ext>
     </p:extLst>
   </p:cSld>
@@ -1357,7 +1357,7 @@
             <a:fld id="{101EDA51-A5C5-430F-BD12-83207315C1AE}" type="datetimeFigureOut">
               <a:rPr lang="en-US" smtClean="0"/>
               <a:pPr/>
-              <a:t>2/7/2012</a:t>
+              <a:t>2/8/2012</a:t>
             </a:fld>
             <a:endParaRPr lang="en-US"/>
           </a:p>
@@ -1409,7 +1409,7 @@
     </p:spTree>
     <p:extLst>
       <p:ext uri="{BB962C8B-B14F-4D97-AF65-F5344CB8AC3E}">
-        <p14:creationId xmlns:p14="http://schemas.microsoft.com/office/powerpoint/2010/main" xmlns="" val="3970420465"/>
+        <p14:creationId xmlns="" xmlns:p14="http://schemas.microsoft.com/office/powerpoint/2010/main" val="3970420465"/>
       </p:ext>
     </p:extLst>
   </p:cSld>
@@ -1781,7 +1781,7 @@
             <a:fld id="{101EDA51-A5C5-430F-BD12-83207315C1AE}" type="datetimeFigureOut">
               <a:rPr lang="en-US" smtClean="0"/>
               <a:pPr/>
-              <a:t>2/7/2012</a:t>
+              <a:t>2/8/2012</a:t>
             </a:fld>
             <a:endParaRPr lang="en-US"/>
           </a:p>
@@ -1833,7 +1833,7 @@
     </p:spTree>
     <p:extLst>
       <p:ext uri="{BB962C8B-B14F-4D97-AF65-F5344CB8AC3E}">
-        <p14:creationId xmlns:p14="http://schemas.microsoft.com/office/powerpoint/2010/main" xmlns="" val="1818837701"/>
+        <p14:creationId xmlns="" xmlns:p14="http://schemas.microsoft.com/office/powerpoint/2010/main" val="1818837701"/>
       </p:ext>
     </p:extLst>
   </p:cSld>
@@ -1901,7 +1901,7 @@
             <a:fld id="{101EDA51-A5C5-430F-BD12-83207315C1AE}" type="datetimeFigureOut">
               <a:rPr lang="en-US" smtClean="0"/>
               <a:pPr/>
-              <a:t>2/7/2012</a:t>
+              <a:t>2/8/2012</a:t>
             </a:fld>
             <a:endParaRPr lang="en-US"/>
           </a:p>
@@ -1953,7 +1953,7 @@
     </p:spTree>
     <p:extLst>
       <p:ext uri="{BB962C8B-B14F-4D97-AF65-F5344CB8AC3E}">
-        <p14:creationId xmlns:p14="http://schemas.microsoft.com/office/powerpoint/2010/main" xmlns="" val="900242572"/>
+        <p14:creationId xmlns="" xmlns:p14="http://schemas.microsoft.com/office/powerpoint/2010/main" val="900242572"/>
       </p:ext>
     </p:extLst>
   </p:cSld>
@@ -1998,7 +1998,7 @@
             <a:fld id="{101EDA51-A5C5-430F-BD12-83207315C1AE}" type="datetimeFigureOut">
               <a:rPr lang="en-US" smtClean="0"/>
               <a:pPr/>
-              <a:t>2/7/2012</a:t>
+              <a:t>2/8/2012</a:t>
             </a:fld>
             <a:endParaRPr lang="en-US"/>
           </a:p>
@@ -2050,7 +2050,7 @@
     </p:spTree>
     <p:extLst>
       <p:ext uri="{BB962C8B-B14F-4D97-AF65-F5344CB8AC3E}">
-        <p14:creationId xmlns:p14="http://schemas.microsoft.com/office/powerpoint/2010/main" xmlns="" val="470963513"/>
+        <p14:creationId xmlns="" xmlns:p14="http://schemas.microsoft.com/office/powerpoint/2010/main" val="470963513"/>
       </p:ext>
     </p:extLst>
   </p:cSld>
@@ -2277,7 +2277,7 @@
             <a:fld id="{101EDA51-A5C5-430F-BD12-83207315C1AE}" type="datetimeFigureOut">
               <a:rPr lang="en-US" smtClean="0"/>
               <a:pPr/>
-              <a:t>2/7/2012</a:t>
+              <a:t>2/8/2012</a:t>
             </a:fld>
             <a:endParaRPr lang="en-US"/>
           </a:p>
@@ -2329,7 +2329,7 @@
     </p:spTree>
     <p:extLst>
       <p:ext uri="{BB962C8B-B14F-4D97-AF65-F5344CB8AC3E}">
-        <p14:creationId xmlns:p14="http://schemas.microsoft.com/office/powerpoint/2010/main" xmlns="" val="1652324388"/>
+        <p14:creationId xmlns="" xmlns:p14="http://schemas.microsoft.com/office/powerpoint/2010/main" val="1652324388"/>
       </p:ext>
     </p:extLst>
   </p:cSld>
@@ -2532,7 +2532,7 @@
             <a:fld id="{101EDA51-A5C5-430F-BD12-83207315C1AE}" type="datetimeFigureOut">
               <a:rPr lang="en-US" smtClean="0"/>
               <a:pPr/>
-              <a:t>2/7/2012</a:t>
+              <a:t>2/8/2012</a:t>
             </a:fld>
             <a:endParaRPr lang="en-US"/>
           </a:p>
@@ -2584,7 +2584,7 @@
     </p:spTree>
     <p:extLst>
       <p:ext uri="{BB962C8B-B14F-4D97-AF65-F5344CB8AC3E}">
-        <p14:creationId xmlns:p14="http://schemas.microsoft.com/office/powerpoint/2010/main" xmlns="" val="2683831355"/>
+        <p14:creationId xmlns="" xmlns:p14="http://schemas.microsoft.com/office/powerpoint/2010/main" val="2683831355"/>
       </p:ext>
     </p:extLst>
   </p:cSld>
@@ -2747,7 +2747,7 @@
             <a:fld id="{101EDA51-A5C5-430F-BD12-83207315C1AE}" type="datetimeFigureOut">
               <a:rPr lang="en-US" smtClean="0"/>
               <a:pPr/>
-              <a:t>2/7/2012</a:t>
+              <a:t>2/8/2012</a:t>
             </a:fld>
             <a:endParaRPr lang="en-US"/>
           </a:p>
@@ -2835,7 +2835,7 @@
     </p:spTree>
     <p:extLst>
       <p:ext uri="{BB962C8B-B14F-4D97-AF65-F5344CB8AC3E}">
-        <p14:creationId xmlns:p14="http://schemas.microsoft.com/office/powerpoint/2010/main" xmlns="" val="3957267946"/>
+        <p14:creationId xmlns="" xmlns:p14="http://schemas.microsoft.com/office/powerpoint/2010/main" val="3957267946"/>
       </p:ext>
     </p:extLst>
   </p:cSld>
@@ -3371,7 +3371,7 @@
           <a:blip r:embed="rId2" cstate="print">
             <a:extLst>
               <a:ext uri="{28A0092B-C50C-407E-A947-70E740481C1C}">
-                <a14:useLocalDpi xmlns:a14="http://schemas.microsoft.com/office/drawing/2010/main" xmlns="" val="0"/>
+                <a14:useLocalDpi xmlns="" xmlns:a14="http://schemas.microsoft.com/office/drawing/2010/main" val="0"/>
               </a:ext>
             </a:extLst>
           </a:blip>
@@ -3400,14 +3400,14 @@
           </a:effectLst>
           <a:extLst>
             <a:ext uri="{909E8E84-426E-40DD-AFC4-6F175D3DCCD1}">
-              <a14:hiddenFill xmlns:a14="http://schemas.microsoft.com/office/drawing/2010/main" xmlns="">
+              <a14:hiddenFill xmlns="" xmlns:a14="http://schemas.microsoft.com/office/drawing/2010/main">
                 <a:solidFill>
                   <a:schemeClr val="accent1"/>
                 </a:solidFill>
               </a14:hiddenFill>
             </a:ext>
             <a:ext uri="{91240B29-F687-4F45-9708-019B960494DF}">
-              <a14:hiddenLine xmlns:a14="http://schemas.microsoft.com/office/drawing/2010/main" xmlns="" w="9525">
+              <a14:hiddenLine xmlns="" xmlns:a14="http://schemas.microsoft.com/office/drawing/2010/main" w="9525">
                 <a:solidFill>
                   <a:schemeClr val="tx1"/>
                 </a:solidFill>
@@ -3442,14 +3442,14 @@
           <a:effectLst/>
           <a:extLst>
             <a:ext uri="{909E8E84-426E-40DD-AFC4-6F175D3DCCD1}">
-              <a14:hiddenFill xmlns:a14="http://schemas.microsoft.com/office/drawing/2010/main" xmlns="">
+              <a14:hiddenFill xmlns="" xmlns:a14="http://schemas.microsoft.com/office/drawing/2010/main">
                 <a:solidFill>
                   <a:schemeClr val="accent1"/>
                 </a:solidFill>
               </a14:hiddenFill>
             </a:ext>
             <a:ext uri="{91240B29-F687-4F45-9708-019B960494DF}">
-              <a14:hiddenLine xmlns:a14="http://schemas.microsoft.com/office/drawing/2010/main" xmlns="" w="9525">
+              <a14:hiddenLine xmlns="" xmlns:a14="http://schemas.microsoft.com/office/drawing/2010/main" w="9525">
                 <a:solidFill>
                   <a:schemeClr val="tx1"/>
                 </a:solidFill>
@@ -3459,7 +3459,7 @@
               </a14:hiddenLine>
             </a:ext>
             <a:ext uri="{AF507438-7753-43E0-B8FC-AC1667EBCBE1}">
-              <a14:hiddenEffects xmlns:a14="http://schemas.microsoft.com/office/drawing/2010/main" xmlns="">
+              <a14:hiddenEffects xmlns="" xmlns:a14="http://schemas.microsoft.com/office/drawing/2010/main">
                 <a:effectLst>
                   <a:outerShdw dist="35921" dir="2700000" algn="ctr" rotWithShape="0">
                     <a:schemeClr val="bg2"/>
@@ -3607,7 +3607,7 @@
           <a:effectLst/>
           <a:extLst>
             <a:ext uri="{AF507438-7753-43E0-B8FC-AC1667EBCBE1}">
-              <a14:hiddenEffects xmlns:a14="http://schemas.microsoft.com/office/drawing/2010/main" xmlns="">
+              <a14:hiddenEffects xmlns="" xmlns:a14="http://schemas.microsoft.com/office/drawing/2010/main">
                 <a:effectLst>
                   <a:outerShdw dist="35921" dir="2700000" algn="ctr" rotWithShape="0">
                     <a:schemeClr val="bg2"/>
@@ -3647,7 +3647,7 @@
           <a:effectLst/>
           <a:extLst>
             <a:ext uri="{AF507438-7753-43E0-B8FC-AC1667EBCBE1}">
-              <a14:hiddenEffects xmlns:a14="http://schemas.microsoft.com/office/drawing/2010/main" xmlns="">
+              <a14:hiddenEffects xmlns="" xmlns:a14="http://schemas.microsoft.com/office/drawing/2010/main">
                 <a:effectLst>
                   <a:outerShdw dist="35921" dir="2700000" algn="ctr" rotWithShape="0">
                     <a:schemeClr val="bg2"/>
@@ -3661,7 +3661,7 @@
     </p:spTree>
     <p:extLst>
       <p:ext uri="{BB962C8B-B14F-4D97-AF65-F5344CB8AC3E}">
-        <p14:creationId xmlns:p14="http://schemas.microsoft.com/office/powerpoint/2010/main" xmlns="" val="2555425040"/>
+        <p14:creationId xmlns="" xmlns:p14="http://schemas.microsoft.com/office/powerpoint/2010/main" val="2555425040"/>
       </p:ext>
     </p:extLst>
   </p:cSld>
@@ -3840,14 +3840,14 @@
           <a:effectLst/>
           <a:extLst>
             <a:ext uri="{909E8E84-426E-40DD-AFC4-6F175D3DCCD1}">
-              <a14:hiddenFill xmlns:a14="http://schemas.microsoft.com/office/drawing/2010/main" xmlns="">
+              <a14:hiddenFill xmlns="" xmlns:a14="http://schemas.microsoft.com/office/drawing/2010/main">
                 <a:solidFill>
                   <a:schemeClr val="accent1"/>
                 </a:solidFill>
               </a14:hiddenFill>
             </a:ext>
             <a:ext uri="{91240B29-F687-4F45-9708-019B960494DF}">
-              <a14:hiddenLine xmlns:a14="http://schemas.microsoft.com/office/drawing/2010/main" xmlns="" w="9525">
+              <a14:hiddenLine xmlns="" xmlns:a14="http://schemas.microsoft.com/office/drawing/2010/main" w="9525">
                 <a:solidFill>
                   <a:schemeClr val="tx1"/>
                 </a:solidFill>
@@ -3857,7 +3857,7 @@
               </a14:hiddenLine>
             </a:ext>
             <a:ext uri="{AF507438-7753-43E0-B8FC-AC1667EBCBE1}">
-              <a14:hiddenEffects xmlns:a14="http://schemas.microsoft.com/office/drawing/2010/main" xmlns="">
+              <a14:hiddenEffects xmlns="" xmlns:a14="http://schemas.microsoft.com/office/drawing/2010/main">
                 <a:effectLst>
                   <a:outerShdw dist="35921" dir="2700000" algn="ctr" rotWithShape="0">
                     <a:schemeClr val="bg2"/>
@@ -4023,7 +4023,7 @@
           <a:effectLst/>
           <a:extLst>
             <a:ext uri="{AF507438-7753-43E0-B8FC-AC1667EBCBE1}">
-              <a14:hiddenEffects xmlns:a14="http://schemas.microsoft.com/office/drawing/2010/main" xmlns="">
+              <a14:hiddenEffects xmlns="" xmlns:a14="http://schemas.microsoft.com/office/drawing/2010/main">
                 <a:effectLst>
                   <a:outerShdw dist="35921" dir="2700000" algn="ctr" rotWithShape="0">
                     <a:schemeClr val="bg2"/>
@@ -4063,7 +4063,7 @@
           <a:effectLst/>
           <a:extLst>
             <a:ext uri="{AF507438-7753-43E0-B8FC-AC1667EBCBE1}">
-              <a14:hiddenEffects xmlns:a14="http://schemas.microsoft.com/office/drawing/2010/main" xmlns="">
+              <a14:hiddenEffects xmlns="" xmlns:a14="http://schemas.microsoft.com/office/drawing/2010/main">
                 <a:effectLst>
                   <a:outerShdw dist="35921" dir="2700000" algn="ctr" rotWithShape="0">
                     <a:schemeClr val="bg2"/>
@@ -4083,7 +4083,7 @@
           <p:nvPr>
             <p:extLst>
               <p:ext uri="{D42A27DB-BD31-4B8C-83A1-F6EECF244321}">
-                <p14:modId xmlns:p14="http://schemas.microsoft.com/office/powerpoint/2010/main" xmlns="" val="3135199640"/>
+                <p14:modId xmlns="" xmlns:p14="http://schemas.microsoft.com/office/powerpoint/2010/main" val="3135199640"/>
               </p:ext>
             </p:extLst>
           </p:nvPr>
@@ -4327,15 +4327,7 @@
                     <a:p>
                       <a:r>
                         <a:rPr lang="en-US" dirty="0" smtClean="0"/>
-                        <a:t>Analysis, Design, Model</a:t>
-                      </a:r>
-                      <a:r>
-                        <a:rPr lang="en-US" smtClean="0"/>
-                        <a:t>, Control, </a:t>
-                      </a:r>
-                      <a:r>
-                        <a:rPr lang="en-US" dirty="0" smtClean="0"/>
-                        <a:t>Testing,</a:t>
+                        <a:t>Analysis, Design, Model, Control, Testing,</a:t>
                       </a:r>
                       <a:endParaRPr lang="en-US" dirty="0"/>
                     </a:p>
@@ -4382,7 +4374,7 @@
                     <a:bodyPr/>
                     <a:lstStyle/>
                     <a:p>
-                      <a:endParaRPr lang="en-US"/>
+                      <a:endParaRPr lang="en-US" dirty="0"/>
                     </a:p>
                   </a:txBody>
                   <a:tcPr/>
@@ -4426,6 +4418,29 @@
                   <a:txBody>
                     <a:bodyPr/>
                     <a:lstStyle/>
+                    <a:p>
+                      <a:pPr marL="0" marR="0" indent="0" algn="l" defTabSz="914400" rtl="0" eaLnBrk="1" fontAlgn="auto" latinLnBrk="0" hangingPunct="1">
+                        <a:lnSpc>
+                          <a:spcPct val="100000"/>
+                        </a:lnSpc>
+                        <a:spcBef>
+                          <a:spcPts val="0"/>
+                        </a:spcBef>
+                        <a:spcAft>
+                          <a:spcPts val="0"/>
+                        </a:spcAft>
+                        <a:buClrTx/>
+                        <a:buSzTx/>
+                        <a:buFontTx/>
+                        <a:buNone/>
+                        <a:tabLst/>
+                        <a:defRPr/>
+                      </a:pPr>
+                      <a:r>
+                        <a:rPr lang="en-US" dirty="0" smtClean="0"/>
+                        <a:t>Analysis, Design, Model , Control, Testing, Documentation, </a:t>
+                      </a:r>
+                    </a:p>
                     <a:p>
                       <a:endParaRPr lang="en-US" dirty="0"/>
                     </a:p>
@@ -4520,7 +4535,7 @@
           <a:blip r:embed="rId2" cstate="print">
             <a:extLst>
               <a:ext uri="{28A0092B-C50C-407E-A947-70E740481C1C}">
-                <a14:useLocalDpi xmlns:a14="http://schemas.microsoft.com/office/drawing/2010/main" xmlns="" val="0"/>
+                <a14:useLocalDpi xmlns="" xmlns:a14="http://schemas.microsoft.com/office/drawing/2010/main" val="0"/>
               </a:ext>
             </a:extLst>
           </a:blip>
@@ -4549,14 +4564,14 @@
           </a:effectLst>
           <a:extLst>
             <a:ext uri="{909E8E84-426E-40DD-AFC4-6F175D3DCCD1}">
-              <a14:hiddenFill xmlns:a14="http://schemas.microsoft.com/office/drawing/2010/main" xmlns="">
+              <a14:hiddenFill xmlns="" xmlns:a14="http://schemas.microsoft.com/office/drawing/2010/main">
                 <a:solidFill>
                   <a:schemeClr val="accent1"/>
                 </a:solidFill>
               </a14:hiddenFill>
             </a:ext>
             <a:ext uri="{91240B29-F687-4F45-9708-019B960494DF}">
-              <a14:hiddenLine xmlns:a14="http://schemas.microsoft.com/office/drawing/2010/main" xmlns="" w="9525">
+              <a14:hiddenLine xmlns="" xmlns:a14="http://schemas.microsoft.com/office/drawing/2010/main" w="9525">
                 <a:solidFill>
                   <a:schemeClr val="tx1"/>
                 </a:solidFill>
@@ -4571,7 +4586,7 @@
     </p:spTree>
     <p:extLst>
       <p:ext uri="{BB962C8B-B14F-4D97-AF65-F5344CB8AC3E}">
-        <p14:creationId xmlns:p14="http://schemas.microsoft.com/office/powerpoint/2010/main" xmlns="" val="3660150290"/>
+        <p14:creationId xmlns="" xmlns:p14="http://schemas.microsoft.com/office/powerpoint/2010/main" val="3660150290"/>
       </p:ext>
     </p:extLst>
   </p:cSld>
@@ -4579,7 +4594,7 @@
     <a:masterClrMapping/>
   </p:clrMapOvr>
   <mc:AlternateContent xmlns:mc="http://schemas.openxmlformats.org/markup-compatibility/2006">
-    <mc:Choice xmlns:p14="http://schemas.microsoft.com/office/powerpoint/2010/main" xmlns="" Requires="p14">
+    <mc:Choice xmlns="" xmlns:p14="http://schemas.microsoft.com/office/powerpoint/2010/main" Requires="p14">
       <p:transition p14:dur="0"/>
     </mc:Choice>
     <mc:Fallback>
@@ -4757,7 +4772,7 @@
           <a:blip r:embed="rId2" cstate="print">
             <a:extLst>
               <a:ext uri="{28A0092B-C50C-407E-A947-70E740481C1C}">
-                <a14:useLocalDpi xmlns:a14="http://schemas.microsoft.com/office/drawing/2010/main" xmlns="" val="0"/>
+                <a14:useLocalDpi xmlns="" xmlns:a14="http://schemas.microsoft.com/office/drawing/2010/main" val="0"/>
               </a:ext>
             </a:extLst>
           </a:blip>
@@ -4786,14 +4801,14 @@
           </a:effectLst>
           <a:extLst>
             <a:ext uri="{909E8E84-426E-40DD-AFC4-6F175D3DCCD1}">
-              <a14:hiddenFill xmlns:a14="http://schemas.microsoft.com/office/drawing/2010/main" xmlns="">
+              <a14:hiddenFill xmlns="" xmlns:a14="http://schemas.microsoft.com/office/drawing/2010/main">
                 <a:solidFill>
                   <a:schemeClr val="accent1"/>
                 </a:solidFill>
               </a14:hiddenFill>
             </a:ext>
             <a:ext uri="{91240B29-F687-4F45-9708-019B960494DF}">
-              <a14:hiddenLine xmlns:a14="http://schemas.microsoft.com/office/drawing/2010/main" xmlns="" w="9525">
+              <a14:hiddenLine xmlns="" xmlns:a14="http://schemas.microsoft.com/office/drawing/2010/main" w="9525">
                 <a:solidFill>
                   <a:schemeClr val="tx1"/>
                 </a:solidFill>
@@ -4828,14 +4843,14 @@
           <a:effectLst/>
           <a:extLst>
             <a:ext uri="{909E8E84-426E-40DD-AFC4-6F175D3DCCD1}">
-              <a14:hiddenFill xmlns:a14="http://schemas.microsoft.com/office/drawing/2010/main" xmlns="">
+              <a14:hiddenFill xmlns="" xmlns:a14="http://schemas.microsoft.com/office/drawing/2010/main">
                 <a:solidFill>
                   <a:schemeClr val="accent1"/>
                 </a:solidFill>
               </a14:hiddenFill>
             </a:ext>
             <a:ext uri="{91240B29-F687-4F45-9708-019B960494DF}">
-              <a14:hiddenLine xmlns:a14="http://schemas.microsoft.com/office/drawing/2010/main" xmlns="" w="9525">
+              <a14:hiddenLine xmlns="" xmlns:a14="http://schemas.microsoft.com/office/drawing/2010/main" w="9525">
                 <a:solidFill>
                   <a:schemeClr val="tx1"/>
                 </a:solidFill>
@@ -4845,7 +4860,7 @@
               </a14:hiddenLine>
             </a:ext>
             <a:ext uri="{AF507438-7753-43E0-B8FC-AC1667EBCBE1}">
-              <a14:hiddenEffects xmlns:a14="http://schemas.microsoft.com/office/drawing/2010/main" xmlns="">
+              <a14:hiddenEffects xmlns="" xmlns:a14="http://schemas.microsoft.com/office/drawing/2010/main">
                 <a:effectLst>
                   <a:outerShdw dist="35921" dir="2700000" algn="ctr" rotWithShape="0">
                     <a:schemeClr val="bg2"/>
@@ -4993,7 +5008,7 @@
           <a:effectLst/>
           <a:extLst>
             <a:ext uri="{AF507438-7753-43E0-B8FC-AC1667EBCBE1}">
-              <a14:hiddenEffects xmlns:a14="http://schemas.microsoft.com/office/drawing/2010/main" xmlns="">
+              <a14:hiddenEffects xmlns="" xmlns:a14="http://schemas.microsoft.com/office/drawing/2010/main">
                 <a:effectLst>
                   <a:outerShdw dist="35921" dir="2700000" algn="ctr" rotWithShape="0">
                     <a:schemeClr val="bg2"/>
@@ -5033,7 +5048,7 @@
           <a:effectLst/>
           <a:extLst>
             <a:ext uri="{AF507438-7753-43E0-B8FC-AC1667EBCBE1}">
-              <a14:hiddenEffects xmlns:a14="http://schemas.microsoft.com/office/drawing/2010/main" xmlns="">
+              <a14:hiddenEffects xmlns="" xmlns:a14="http://schemas.microsoft.com/office/drawing/2010/main">
                 <a:effectLst>
                   <a:outerShdw dist="35921" dir="2700000" algn="ctr" rotWithShape="0">
                     <a:schemeClr val="bg2"/>
@@ -5047,7 +5062,7 @@
     </p:spTree>
     <p:extLst>
       <p:ext uri="{BB962C8B-B14F-4D97-AF65-F5344CB8AC3E}">
-        <p14:creationId xmlns:p14="http://schemas.microsoft.com/office/powerpoint/2010/main" xmlns="" val="472523714"/>
+        <p14:creationId xmlns="" xmlns:p14="http://schemas.microsoft.com/office/powerpoint/2010/main" val="472523714"/>
       </p:ext>
     </p:extLst>
   </p:cSld>
@@ -5208,7 +5223,7 @@
           <a:blip r:embed="rId2" cstate="print">
             <a:extLst>
               <a:ext uri="{28A0092B-C50C-407E-A947-70E740481C1C}">
-                <a14:useLocalDpi xmlns:a14="http://schemas.microsoft.com/office/drawing/2010/main" xmlns="" val="0"/>
+                <a14:useLocalDpi xmlns="" xmlns:a14="http://schemas.microsoft.com/office/drawing/2010/main" val="0"/>
               </a:ext>
             </a:extLst>
           </a:blip>
@@ -5237,14 +5252,14 @@
           </a:effectLst>
           <a:extLst>
             <a:ext uri="{909E8E84-426E-40DD-AFC4-6F175D3DCCD1}">
-              <a14:hiddenFill xmlns:a14="http://schemas.microsoft.com/office/drawing/2010/main" xmlns="">
+              <a14:hiddenFill xmlns="" xmlns:a14="http://schemas.microsoft.com/office/drawing/2010/main">
                 <a:solidFill>
                   <a:schemeClr val="accent1"/>
                 </a:solidFill>
               </a14:hiddenFill>
             </a:ext>
             <a:ext uri="{91240B29-F687-4F45-9708-019B960494DF}">
-              <a14:hiddenLine xmlns:a14="http://schemas.microsoft.com/office/drawing/2010/main" xmlns="" w="9525">
+              <a14:hiddenLine xmlns="" xmlns:a14="http://schemas.microsoft.com/office/drawing/2010/main" w="9525">
                 <a:solidFill>
                   <a:schemeClr val="tx1"/>
                 </a:solidFill>
@@ -5279,14 +5294,14 @@
           <a:effectLst/>
           <a:extLst>
             <a:ext uri="{909E8E84-426E-40DD-AFC4-6F175D3DCCD1}">
-              <a14:hiddenFill xmlns:a14="http://schemas.microsoft.com/office/drawing/2010/main" xmlns="">
+              <a14:hiddenFill xmlns="" xmlns:a14="http://schemas.microsoft.com/office/drawing/2010/main">
                 <a:solidFill>
                   <a:schemeClr val="accent1"/>
                 </a:solidFill>
               </a14:hiddenFill>
             </a:ext>
             <a:ext uri="{91240B29-F687-4F45-9708-019B960494DF}">
-              <a14:hiddenLine xmlns:a14="http://schemas.microsoft.com/office/drawing/2010/main" xmlns="" w="9525">
+              <a14:hiddenLine xmlns="" xmlns:a14="http://schemas.microsoft.com/office/drawing/2010/main" w="9525">
                 <a:solidFill>
                   <a:schemeClr val="tx1"/>
                 </a:solidFill>
@@ -5296,7 +5311,7 @@
               </a14:hiddenLine>
             </a:ext>
             <a:ext uri="{AF507438-7753-43E0-B8FC-AC1667EBCBE1}">
-              <a14:hiddenEffects xmlns:a14="http://schemas.microsoft.com/office/drawing/2010/main" xmlns="">
+              <a14:hiddenEffects xmlns="" xmlns:a14="http://schemas.microsoft.com/office/drawing/2010/main">
                 <a:effectLst>
                   <a:outerShdw dist="35921" dir="2700000" algn="ctr" rotWithShape="0">
                     <a:schemeClr val="bg2"/>
@@ -5444,7 +5459,7 @@
           <a:effectLst/>
           <a:extLst>
             <a:ext uri="{AF507438-7753-43E0-B8FC-AC1667EBCBE1}">
-              <a14:hiddenEffects xmlns:a14="http://schemas.microsoft.com/office/drawing/2010/main" xmlns="">
+              <a14:hiddenEffects xmlns="" xmlns:a14="http://schemas.microsoft.com/office/drawing/2010/main">
                 <a:effectLst>
                   <a:outerShdw dist="35921" dir="2700000" algn="ctr" rotWithShape="0">
                     <a:schemeClr val="bg2"/>
@@ -5484,7 +5499,7 @@
           <a:effectLst/>
           <a:extLst>
             <a:ext uri="{AF507438-7753-43E0-B8FC-AC1667EBCBE1}">
-              <a14:hiddenEffects xmlns:a14="http://schemas.microsoft.com/office/drawing/2010/main" xmlns="">
+              <a14:hiddenEffects xmlns="" xmlns:a14="http://schemas.microsoft.com/office/drawing/2010/main">
                 <a:effectLst>
                   <a:outerShdw dist="35921" dir="2700000" algn="ctr" rotWithShape="0">
                     <a:schemeClr val="bg2"/>
@@ -5498,7 +5513,7 @@
     </p:spTree>
     <p:extLst>
       <p:ext uri="{BB962C8B-B14F-4D97-AF65-F5344CB8AC3E}">
-        <p14:creationId xmlns:p14="http://schemas.microsoft.com/office/powerpoint/2010/main" xmlns="" val="297113616"/>
+        <p14:creationId xmlns="" xmlns:p14="http://schemas.microsoft.com/office/powerpoint/2010/main" val="297113616"/>
       </p:ext>
     </p:extLst>
   </p:cSld>
@@ -5692,7 +5707,7 @@
           <a:blip r:embed="rId2" cstate="print">
             <a:extLst>
               <a:ext uri="{28A0092B-C50C-407E-A947-70E740481C1C}">
-                <a14:useLocalDpi xmlns:a14="http://schemas.microsoft.com/office/drawing/2010/main" xmlns="" val="0"/>
+                <a14:useLocalDpi xmlns="" xmlns:a14="http://schemas.microsoft.com/office/drawing/2010/main" val="0"/>
               </a:ext>
             </a:extLst>
           </a:blip>
@@ -5721,14 +5736,14 @@
           </a:effectLst>
           <a:extLst>
             <a:ext uri="{909E8E84-426E-40DD-AFC4-6F175D3DCCD1}">
-              <a14:hiddenFill xmlns:a14="http://schemas.microsoft.com/office/drawing/2010/main" xmlns="">
+              <a14:hiddenFill xmlns="" xmlns:a14="http://schemas.microsoft.com/office/drawing/2010/main">
                 <a:solidFill>
                   <a:schemeClr val="accent1"/>
                 </a:solidFill>
               </a14:hiddenFill>
             </a:ext>
             <a:ext uri="{91240B29-F687-4F45-9708-019B960494DF}">
-              <a14:hiddenLine xmlns:a14="http://schemas.microsoft.com/office/drawing/2010/main" xmlns="" w="9525">
+              <a14:hiddenLine xmlns="" xmlns:a14="http://schemas.microsoft.com/office/drawing/2010/main" w="9525">
                 <a:solidFill>
                   <a:schemeClr val="tx1"/>
                 </a:solidFill>
@@ -5763,14 +5778,14 @@
           <a:effectLst/>
           <a:extLst>
             <a:ext uri="{909E8E84-426E-40DD-AFC4-6F175D3DCCD1}">
-              <a14:hiddenFill xmlns:a14="http://schemas.microsoft.com/office/drawing/2010/main" xmlns="">
+              <a14:hiddenFill xmlns="" xmlns:a14="http://schemas.microsoft.com/office/drawing/2010/main">
                 <a:solidFill>
                   <a:schemeClr val="accent1"/>
                 </a:solidFill>
               </a14:hiddenFill>
             </a:ext>
             <a:ext uri="{91240B29-F687-4F45-9708-019B960494DF}">
-              <a14:hiddenLine xmlns:a14="http://schemas.microsoft.com/office/drawing/2010/main" xmlns="" w="9525">
+              <a14:hiddenLine xmlns="" xmlns:a14="http://schemas.microsoft.com/office/drawing/2010/main" w="9525">
                 <a:solidFill>
                   <a:schemeClr val="tx1"/>
                 </a:solidFill>
@@ -5780,7 +5795,7 @@
               </a14:hiddenLine>
             </a:ext>
             <a:ext uri="{AF507438-7753-43E0-B8FC-AC1667EBCBE1}">
-              <a14:hiddenEffects xmlns:a14="http://schemas.microsoft.com/office/drawing/2010/main" xmlns="">
+              <a14:hiddenEffects xmlns="" xmlns:a14="http://schemas.microsoft.com/office/drawing/2010/main">
                 <a:effectLst>
                   <a:outerShdw dist="35921" dir="2700000" algn="ctr" rotWithShape="0">
                     <a:schemeClr val="bg2"/>
@@ -5928,7 +5943,7 @@
           <a:effectLst/>
           <a:extLst>
             <a:ext uri="{AF507438-7753-43E0-B8FC-AC1667EBCBE1}">
-              <a14:hiddenEffects xmlns:a14="http://schemas.microsoft.com/office/drawing/2010/main" xmlns="">
+              <a14:hiddenEffects xmlns="" xmlns:a14="http://schemas.microsoft.com/office/drawing/2010/main">
                 <a:effectLst>
                   <a:outerShdw dist="35921" dir="2700000" algn="ctr" rotWithShape="0">
                     <a:schemeClr val="bg2"/>
@@ -5968,7 +5983,7 @@
           <a:effectLst/>
           <a:extLst>
             <a:ext uri="{AF507438-7753-43E0-B8FC-AC1667EBCBE1}">
-              <a14:hiddenEffects xmlns:a14="http://schemas.microsoft.com/office/drawing/2010/main" xmlns="">
+              <a14:hiddenEffects xmlns="" xmlns:a14="http://schemas.microsoft.com/office/drawing/2010/main">
                 <a:effectLst>
                   <a:outerShdw dist="35921" dir="2700000" algn="ctr" rotWithShape="0">
                     <a:schemeClr val="bg2"/>
@@ -5982,7 +5997,7 @@
     </p:spTree>
     <p:extLst>
       <p:ext uri="{BB962C8B-B14F-4D97-AF65-F5344CB8AC3E}">
-        <p14:creationId xmlns:p14="http://schemas.microsoft.com/office/powerpoint/2010/main" xmlns="" val="3534460720"/>
+        <p14:creationId xmlns="" xmlns:p14="http://schemas.microsoft.com/office/powerpoint/2010/main" val="3534460720"/>
       </p:ext>
     </p:extLst>
   </p:cSld>

--- a/others/Files/presentation/PresentationSlideADproject.pptx
+++ b/others/Files/presentation/PresentationSlideADproject.pptx
@@ -345,7 +345,7 @@
     </p:spTree>
     <p:extLst>
       <p:ext uri="{BB962C8B-B14F-4D97-AF65-F5344CB8AC3E}">
-        <p14:creationId xmlns="" xmlns:p14="http://schemas.microsoft.com/office/powerpoint/2010/main" val="2693362283"/>
+        <p14:creationId xmlns:p14="http://schemas.microsoft.com/office/powerpoint/2010/main" val="2693362283"/>
       </p:ext>
     </p:extLst>
   </p:cSld>
@@ -517,7 +517,7 @@
     </p:spTree>
     <p:extLst>
       <p:ext uri="{BB962C8B-B14F-4D97-AF65-F5344CB8AC3E}">
-        <p14:creationId xmlns="" xmlns:p14="http://schemas.microsoft.com/office/powerpoint/2010/main" val="1689975496"/>
+        <p14:creationId xmlns:p14="http://schemas.microsoft.com/office/powerpoint/2010/main" val="1689975496"/>
       </p:ext>
     </p:extLst>
   </p:cSld>
@@ -699,7 +699,7 @@
     </p:spTree>
     <p:extLst>
       <p:ext uri="{BB962C8B-B14F-4D97-AF65-F5344CB8AC3E}">
-        <p14:creationId xmlns="" xmlns:p14="http://schemas.microsoft.com/office/powerpoint/2010/main" val="1518472737"/>
+        <p14:creationId xmlns:p14="http://schemas.microsoft.com/office/powerpoint/2010/main" val="1518472737"/>
       </p:ext>
     </p:extLst>
   </p:cSld>
@@ -871,7 +871,7 @@
     </p:spTree>
     <p:extLst>
       <p:ext uri="{BB962C8B-B14F-4D97-AF65-F5344CB8AC3E}">
-        <p14:creationId xmlns="" xmlns:p14="http://schemas.microsoft.com/office/powerpoint/2010/main" val="2392672000"/>
+        <p14:creationId xmlns:p14="http://schemas.microsoft.com/office/powerpoint/2010/main" val="2392672000"/>
       </p:ext>
     </p:extLst>
   </p:cSld>
@@ -1119,7 +1119,7 @@
     </p:spTree>
     <p:extLst>
       <p:ext uri="{BB962C8B-B14F-4D97-AF65-F5344CB8AC3E}">
-        <p14:creationId xmlns="" xmlns:p14="http://schemas.microsoft.com/office/powerpoint/2010/main" val="4107660373"/>
+        <p14:creationId xmlns:p14="http://schemas.microsoft.com/office/powerpoint/2010/main" val="4107660373"/>
       </p:ext>
     </p:extLst>
   </p:cSld>
@@ -1409,7 +1409,7 @@
     </p:spTree>
     <p:extLst>
       <p:ext uri="{BB962C8B-B14F-4D97-AF65-F5344CB8AC3E}">
-        <p14:creationId xmlns="" xmlns:p14="http://schemas.microsoft.com/office/powerpoint/2010/main" val="3970420465"/>
+        <p14:creationId xmlns:p14="http://schemas.microsoft.com/office/powerpoint/2010/main" val="3970420465"/>
       </p:ext>
     </p:extLst>
   </p:cSld>
@@ -1833,7 +1833,7 @@
     </p:spTree>
     <p:extLst>
       <p:ext uri="{BB962C8B-B14F-4D97-AF65-F5344CB8AC3E}">
-        <p14:creationId xmlns="" xmlns:p14="http://schemas.microsoft.com/office/powerpoint/2010/main" val="1818837701"/>
+        <p14:creationId xmlns:p14="http://schemas.microsoft.com/office/powerpoint/2010/main" val="1818837701"/>
       </p:ext>
     </p:extLst>
   </p:cSld>
@@ -1953,7 +1953,7 @@
     </p:spTree>
     <p:extLst>
       <p:ext uri="{BB962C8B-B14F-4D97-AF65-F5344CB8AC3E}">
-        <p14:creationId xmlns="" xmlns:p14="http://schemas.microsoft.com/office/powerpoint/2010/main" val="900242572"/>
+        <p14:creationId xmlns:p14="http://schemas.microsoft.com/office/powerpoint/2010/main" val="900242572"/>
       </p:ext>
     </p:extLst>
   </p:cSld>
@@ -2050,7 +2050,7 @@
     </p:spTree>
     <p:extLst>
       <p:ext uri="{BB962C8B-B14F-4D97-AF65-F5344CB8AC3E}">
-        <p14:creationId xmlns="" xmlns:p14="http://schemas.microsoft.com/office/powerpoint/2010/main" val="470963513"/>
+        <p14:creationId xmlns:p14="http://schemas.microsoft.com/office/powerpoint/2010/main" val="470963513"/>
       </p:ext>
     </p:extLst>
   </p:cSld>
@@ -2329,7 +2329,7 @@
     </p:spTree>
     <p:extLst>
       <p:ext uri="{BB962C8B-B14F-4D97-AF65-F5344CB8AC3E}">
-        <p14:creationId xmlns="" xmlns:p14="http://schemas.microsoft.com/office/powerpoint/2010/main" val="1652324388"/>
+        <p14:creationId xmlns:p14="http://schemas.microsoft.com/office/powerpoint/2010/main" val="1652324388"/>
       </p:ext>
     </p:extLst>
   </p:cSld>
@@ -2584,7 +2584,7 @@
     </p:spTree>
     <p:extLst>
       <p:ext uri="{BB962C8B-B14F-4D97-AF65-F5344CB8AC3E}">
-        <p14:creationId xmlns="" xmlns:p14="http://schemas.microsoft.com/office/powerpoint/2010/main" val="2683831355"/>
+        <p14:creationId xmlns:p14="http://schemas.microsoft.com/office/powerpoint/2010/main" val="2683831355"/>
       </p:ext>
     </p:extLst>
   </p:cSld>
@@ -2835,7 +2835,7 @@
     </p:spTree>
     <p:extLst>
       <p:ext uri="{BB962C8B-B14F-4D97-AF65-F5344CB8AC3E}">
-        <p14:creationId xmlns="" xmlns:p14="http://schemas.microsoft.com/office/powerpoint/2010/main" val="3957267946"/>
+        <p14:creationId xmlns:p14="http://schemas.microsoft.com/office/powerpoint/2010/main" val="3957267946"/>
       </p:ext>
     </p:extLst>
   </p:cSld>
@@ -3371,7 +3371,7 @@
           <a:blip r:embed="rId2" cstate="print">
             <a:extLst>
               <a:ext uri="{28A0092B-C50C-407E-A947-70E740481C1C}">
-                <a14:useLocalDpi xmlns="" xmlns:a14="http://schemas.microsoft.com/office/drawing/2010/main" val="0"/>
+                <a14:useLocalDpi xmlns:a14="http://schemas.microsoft.com/office/drawing/2010/main" val="0"/>
               </a:ext>
             </a:extLst>
           </a:blip>
@@ -3400,14 +3400,14 @@
           </a:effectLst>
           <a:extLst>
             <a:ext uri="{909E8E84-426E-40DD-AFC4-6F175D3DCCD1}">
-              <a14:hiddenFill xmlns="" xmlns:a14="http://schemas.microsoft.com/office/drawing/2010/main">
+              <a14:hiddenFill xmlns:a14="http://schemas.microsoft.com/office/drawing/2010/main">
                 <a:solidFill>
                   <a:schemeClr val="accent1"/>
                 </a:solidFill>
               </a14:hiddenFill>
             </a:ext>
             <a:ext uri="{91240B29-F687-4F45-9708-019B960494DF}">
-              <a14:hiddenLine xmlns="" xmlns:a14="http://schemas.microsoft.com/office/drawing/2010/main" w="9525">
+              <a14:hiddenLine xmlns:a14="http://schemas.microsoft.com/office/drawing/2010/main" w="9525">
                 <a:solidFill>
                   <a:schemeClr val="tx1"/>
                 </a:solidFill>
@@ -3442,14 +3442,14 @@
           <a:effectLst/>
           <a:extLst>
             <a:ext uri="{909E8E84-426E-40DD-AFC4-6F175D3DCCD1}">
-              <a14:hiddenFill xmlns="" xmlns:a14="http://schemas.microsoft.com/office/drawing/2010/main">
+              <a14:hiddenFill xmlns:a14="http://schemas.microsoft.com/office/drawing/2010/main">
                 <a:solidFill>
                   <a:schemeClr val="accent1"/>
                 </a:solidFill>
               </a14:hiddenFill>
             </a:ext>
             <a:ext uri="{91240B29-F687-4F45-9708-019B960494DF}">
-              <a14:hiddenLine xmlns="" xmlns:a14="http://schemas.microsoft.com/office/drawing/2010/main" w="9525">
+              <a14:hiddenLine xmlns:a14="http://schemas.microsoft.com/office/drawing/2010/main" w="9525">
                 <a:solidFill>
                   <a:schemeClr val="tx1"/>
                 </a:solidFill>
@@ -3459,7 +3459,7 @@
               </a14:hiddenLine>
             </a:ext>
             <a:ext uri="{AF507438-7753-43E0-B8FC-AC1667EBCBE1}">
-              <a14:hiddenEffects xmlns="" xmlns:a14="http://schemas.microsoft.com/office/drawing/2010/main">
+              <a14:hiddenEffects xmlns:a14="http://schemas.microsoft.com/office/drawing/2010/main">
                 <a:effectLst>
                   <a:outerShdw dist="35921" dir="2700000" algn="ctr" rotWithShape="0">
                     <a:schemeClr val="bg2"/>
@@ -3607,7 +3607,7 @@
           <a:effectLst/>
           <a:extLst>
             <a:ext uri="{AF507438-7753-43E0-B8FC-AC1667EBCBE1}">
-              <a14:hiddenEffects xmlns="" xmlns:a14="http://schemas.microsoft.com/office/drawing/2010/main">
+              <a14:hiddenEffects xmlns:a14="http://schemas.microsoft.com/office/drawing/2010/main">
                 <a:effectLst>
                   <a:outerShdw dist="35921" dir="2700000" algn="ctr" rotWithShape="0">
                     <a:schemeClr val="bg2"/>
@@ -3647,7 +3647,7 @@
           <a:effectLst/>
           <a:extLst>
             <a:ext uri="{AF507438-7753-43E0-B8FC-AC1667EBCBE1}">
-              <a14:hiddenEffects xmlns="" xmlns:a14="http://schemas.microsoft.com/office/drawing/2010/main">
+              <a14:hiddenEffects xmlns:a14="http://schemas.microsoft.com/office/drawing/2010/main">
                 <a:effectLst>
                   <a:outerShdw dist="35921" dir="2700000" algn="ctr" rotWithShape="0">
                     <a:schemeClr val="bg2"/>
@@ -3661,7 +3661,7 @@
     </p:spTree>
     <p:extLst>
       <p:ext uri="{BB962C8B-B14F-4D97-AF65-F5344CB8AC3E}">
-        <p14:creationId xmlns="" xmlns:p14="http://schemas.microsoft.com/office/powerpoint/2010/main" val="2555425040"/>
+        <p14:creationId xmlns:p14="http://schemas.microsoft.com/office/powerpoint/2010/main" val="2555425040"/>
       </p:ext>
     </p:extLst>
   </p:cSld>
@@ -3840,14 +3840,14 @@
           <a:effectLst/>
           <a:extLst>
             <a:ext uri="{909E8E84-426E-40DD-AFC4-6F175D3DCCD1}">
-              <a14:hiddenFill xmlns="" xmlns:a14="http://schemas.microsoft.com/office/drawing/2010/main">
+              <a14:hiddenFill xmlns:a14="http://schemas.microsoft.com/office/drawing/2010/main">
                 <a:solidFill>
                   <a:schemeClr val="accent1"/>
                 </a:solidFill>
               </a14:hiddenFill>
             </a:ext>
             <a:ext uri="{91240B29-F687-4F45-9708-019B960494DF}">
-              <a14:hiddenLine xmlns="" xmlns:a14="http://schemas.microsoft.com/office/drawing/2010/main" w="9525">
+              <a14:hiddenLine xmlns:a14="http://schemas.microsoft.com/office/drawing/2010/main" w="9525">
                 <a:solidFill>
                   <a:schemeClr val="tx1"/>
                 </a:solidFill>
@@ -3857,7 +3857,7 @@
               </a14:hiddenLine>
             </a:ext>
             <a:ext uri="{AF507438-7753-43E0-B8FC-AC1667EBCBE1}">
-              <a14:hiddenEffects xmlns="" xmlns:a14="http://schemas.microsoft.com/office/drawing/2010/main">
+              <a14:hiddenEffects xmlns:a14="http://schemas.microsoft.com/office/drawing/2010/main">
                 <a:effectLst>
                   <a:outerShdw dist="35921" dir="2700000" algn="ctr" rotWithShape="0">
                     <a:schemeClr val="bg2"/>
@@ -4023,7 +4023,7 @@
           <a:effectLst/>
           <a:extLst>
             <a:ext uri="{AF507438-7753-43E0-B8FC-AC1667EBCBE1}">
-              <a14:hiddenEffects xmlns="" xmlns:a14="http://schemas.microsoft.com/office/drawing/2010/main">
+              <a14:hiddenEffects xmlns:a14="http://schemas.microsoft.com/office/drawing/2010/main">
                 <a:effectLst>
                   <a:outerShdw dist="35921" dir="2700000" algn="ctr" rotWithShape="0">
                     <a:schemeClr val="bg2"/>
@@ -4063,7 +4063,7 @@
           <a:effectLst/>
           <a:extLst>
             <a:ext uri="{AF507438-7753-43E0-B8FC-AC1667EBCBE1}">
-              <a14:hiddenEffects xmlns="" xmlns:a14="http://schemas.microsoft.com/office/drawing/2010/main">
+              <a14:hiddenEffects xmlns:a14="http://schemas.microsoft.com/office/drawing/2010/main">
                 <a:effectLst>
                   <a:outerShdw dist="35921" dir="2700000" algn="ctr" rotWithShape="0">
                     <a:schemeClr val="bg2"/>
@@ -4083,7 +4083,7 @@
           <p:nvPr>
             <p:extLst>
               <p:ext uri="{D42A27DB-BD31-4B8C-83A1-F6EECF244321}">
-                <p14:modId xmlns="" xmlns:p14="http://schemas.microsoft.com/office/powerpoint/2010/main" val="3135199640"/>
+                <p14:modId xmlns:p14="http://schemas.microsoft.com/office/powerpoint/2010/main" val="556944462"/>
               </p:ext>
             </p:extLst>
           </p:nvPr>
@@ -4141,6 +4141,18 @@
                     <a:bodyPr/>
                     <a:lstStyle/>
                     <a:p>
+                      <a:r>
+                        <a:rPr lang="en-US" dirty="0" smtClean="0"/>
+                        <a:t>Analysis, Design, Model , Control, Testing,</a:t>
+                      </a:r>
+                      <a:r>
+                        <a:rPr lang="en-US" baseline="0" dirty="0" smtClean="0"/>
+                        <a:t> </a:t>
+                      </a:r>
+                      <a:r>
+                        <a:rPr lang="en-US" baseline="0" smtClean="0"/>
+                        <a:t>User Manual</a:t>
+                      </a:r>
                       <a:endParaRPr lang="en-US" dirty="0"/>
                     </a:p>
                   </a:txBody>
@@ -4535,7 +4547,7 @@
           <a:blip r:embed="rId2" cstate="print">
             <a:extLst>
               <a:ext uri="{28A0092B-C50C-407E-A947-70E740481C1C}">
-                <a14:useLocalDpi xmlns="" xmlns:a14="http://schemas.microsoft.com/office/drawing/2010/main" val="0"/>
+                <a14:useLocalDpi xmlns:a14="http://schemas.microsoft.com/office/drawing/2010/main" val="0"/>
               </a:ext>
             </a:extLst>
           </a:blip>
@@ -4564,14 +4576,14 @@
           </a:effectLst>
           <a:extLst>
             <a:ext uri="{909E8E84-426E-40DD-AFC4-6F175D3DCCD1}">
-              <a14:hiddenFill xmlns="" xmlns:a14="http://schemas.microsoft.com/office/drawing/2010/main">
+              <a14:hiddenFill xmlns:a14="http://schemas.microsoft.com/office/drawing/2010/main">
                 <a:solidFill>
                   <a:schemeClr val="accent1"/>
                 </a:solidFill>
               </a14:hiddenFill>
             </a:ext>
             <a:ext uri="{91240B29-F687-4F45-9708-019B960494DF}">
-              <a14:hiddenLine xmlns="" xmlns:a14="http://schemas.microsoft.com/office/drawing/2010/main" w="9525">
+              <a14:hiddenLine xmlns:a14="http://schemas.microsoft.com/office/drawing/2010/main" w="9525">
                 <a:solidFill>
                   <a:schemeClr val="tx1"/>
                 </a:solidFill>
@@ -4586,18 +4598,18 @@
     </p:spTree>
     <p:extLst>
       <p:ext uri="{BB962C8B-B14F-4D97-AF65-F5344CB8AC3E}">
-        <p14:creationId xmlns="" xmlns:p14="http://schemas.microsoft.com/office/powerpoint/2010/main" val="3660150290"/>
+        <p14:creationId xmlns:p14="http://schemas.microsoft.com/office/powerpoint/2010/main" val="3660150290"/>
       </p:ext>
     </p:extLst>
   </p:cSld>
   <p:clrMapOvr>
     <a:masterClrMapping/>
   </p:clrMapOvr>
-  <mc:AlternateContent xmlns:mc="http://schemas.openxmlformats.org/markup-compatibility/2006">
-    <mc:Choice xmlns="" xmlns:p14="http://schemas.microsoft.com/office/powerpoint/2010/main" Requires="p14">
+  <mc:AlternateContent xmlns:mc="http://schemas.openxmlformats.org/markup-compatibility/2006" xmlns:p14="http://schemas.microsoft.com/office/powerpoint/2010/main">
+    <mc:Choice Requires="p14">
       <p:transition p14:dur="0"/>
     </mc:Choice>
-    <mc:Fallback>
+    <mc:Fallback xmlns="">
       <p:transition/>
     </mc:Fallback>
   </mc:AlternateContent>
@@ -4772,7 +4784,7 @@
           <a:blip r:embed="rId2" cstate="print">
             <a:extLst>
               <a:ext uri="{28A0092B-C50C-407E-A947-70E740481C1C}">
-                <a14:useLocalDpi xmlns="" xmlns:a14="http://schemas.microsoft.com/office/drawing/2010/main" val="0"/>
+                <a14:useLocalDpi xmlns:a14="http://schemas.microsoft.com/office/drawing/2010/main" val="0"/>
               </a:ext>
             </a:extLst>
           </a:blip>
@@ -4801,14 +4813,14 @@
           </a:effectLst>
           <a:extLst>
             <a:ext uri="{909E8E84-426E-40DD-AFC4-6F175D3DCCD1}">
-              <a14:hiddenFill xmlns="" xmlns:a14="http://schemas.microsoft.com/office/drawing/2010/main">
+              <a14:hiddenFill xmlns:a14="http://schemas.microsoft.com/office/drawing/2010/main">
                 <a:solidFill>
                   <a:schemeClr val="accent1"/>
                 </a:solidFill>
               </a14:hiddenFill>
             </a:ext>
             <a:ext uri="{91240B29-F687-4F45-9708-019B960494DF}">
-              <a14:hiddenLine xmlns="" xmlns:a14="http://schemas.microsoft.com/office/drawing/2010/main" w="9525">
+              <a14:hiddenLine xmlns:a14="http://schemas.microsoft.com/office/drawing/2010/main" w="9525">
                 <a:solidFill>
                   <a:schemeClr val="tx1"/>
                 </a:solidFill>
@@ -4843,14 +4855,14 @@
           <a:effectLst/>
           <a:extLst>
             <a:ext uri="{909E8E84-426E-40DD-AFC4-6F175D3DCCD1}">
-              <a14:hiddenFill xmlns="" xmlns:a14="http://schemas.microsoft.com/office/drawing/2010/main">
+              <a14:hiddenFill xmlns:a14="http://schemas.microsoft.com/office/drawing/2010/main">
                 <a:solidFill>
                   <a:schemeClr val="accent1"/>
                 </a:solidFill>
               </a14:hiddenFill>
             </a:ext>
             <a:ext uri="{91240B29-F687-4F45-9708-019B960494DF}">
-              <a14:hiddenLine xmlns="" xmlns:a14="http://schemas.microsoft.com/office/drawing/2010/main" w="9525">
+              <a14:hiddenLine xmlns:a14="http://schemas.microsoft.com/office/drawing/2010/main" w="9525">
                 <a:solidFill>
                   <a:schemeClr val="tx1"/>
                 </a:solidFill>
@@ -4860,7 +4872,7 @@
               </a14:hiddenLine>
             </a:ext>
             <a:ext uri="{AF507438-7753-43E0-B8FC-AC1667EBCBE1}">
-              <a14:hiddenEffects xmlns="" xmlns:a14="http://schemas.microsoft.com/office/drawing/2010/main">
+              <a14:hiddenEffects xmlns:a14="http://schemas.microsoft.com/office/drawing/2010/main">
                 <a:effectLst>
                   <a:outerShdw dist="35921" dir="2700000" algn="ctr" rotWithShape="0">
                     <a:schemeClr val="bg2"/>
@@ -5008,7 +5020,7 @@
           <a:effectLst/>
           <a:extLst>
             <a:ext uri="{AF507438-7753-43E0-B8FC-AC1667EBCBE1}">
-              <a14:hiddenEffects xmlns="" xmlns:a14="http://schemas.microsoft.com/office/drawing/2010/main">
+              <a14:hiddenEffects xmlns:a14="http://schemas.microsoft.com/office/drawing/2010/main">
                 <a:effectLst>
                   <a:outerShdw dist="35921" dir="2700000" algn="ctr" rotWithShape="0">
                     <a:schemeClr val="bg2"/>
@@ -5048,7 +5060,7 @@
           <a:effectLst/>
           <a:extLst>
             <a:ext uri="{AF507438-7753-43E0-B8FC-AC1667EBCBE1}">
-              <a14:hiddenEffects xmlns="" xmlns:a14="http://schemas.microsoft.com/office/drawing/2010/main">
+              <a14:hiddenEffects xmlns:a14="http://schemas.microsoft.com/office/drawing/2010/main">
                 <a:effectLst>
                   <a:outerShdw dist="35921" dir="2700000" algn="ctr" rotWithShape="0">
                     <a:schemeClr val="bg2"/>
@@ -5062,7 +5074,7 @@
     </p:spTree>
     <p:extLst>
       <p:ext uri="{BB962C8B-B14F-4D97-AF65-F5344CB8AC3E}">
-        <p14:creationId xmlns="" xmlns:p14="http://schemas.microsoft.com/office/powerpoint/2010/main" val="472523714"/>
+        <p14:creationId xmlns:p14="http://schemas.microsoft.com/office/powerpoint/2010/main" val="472523714"/>
       </p:ext>
     </p:extLst>
   </p:cSld>
@@ -5223,7 +5235,7 @@
           <a:blip r:embed="rId2" cstate="print">
             <a:extLst>
               <a:ext uri="{28A0092B-C50C-407E-A947-70E740481C1C}">
-                <a14:useLocalDpi xmlns="" xmlns:a14="http://schemas.microsoft.com/office/drawing/2010/main" val="0"/>
+                <a14:useLocalDpi xmlns:a14="http://schemas.microsoft.com/office/drawing/2010/main" val="0"/>
               </a:ext>
             </a:extLst>
           </a:blip>
@@ -5252,14 +5264,14 @@
           </a:effectLst>
           <a:extLst>
             <a:ext uri="{909E8E84-426E-40DD-AFC4-6F175D3DCCD1}">
-              <a14:hiddenFill xmlns="" xmlns:a14="http://schemas.microsoft.com/office/drawing/2010/main">
+              <a14:hiddenFill xmlns:a14="http://schemas.microsoft.com/office/drawing/2010/main">
                 <a:solidFill>
                   <a:schemeClr val="accent1"/>
                 </a:solidFill>
               </a14:hiddenFill>
             </a:ext>
             <a:ext uri="{91240B29-F687-4F45-9708-019B960494DF}">
-              <a14:hiddenLine xmlns="" xmlns:a14="http://schemas.microsoft.com/office/drawing/2010/main" w="9525">
+              <a14:hiddenLine xmlns:a14="http://schemas.microsoft.com/office/drawing/2010/main" w="9525">
                 <a:solidFill>
                   <a:schemeClr val="tx1"/>
                 </a:solidFill>
@@ -5294,14 +5306,14 @@
           <a:effectLst/>
           <a:extLst>
             <a:ext uri="{909E8E84-426E-40DD-AFC4-6F175D3DCCD1}">
-              <a14:hiddenFill xmlns="" xmlns:a14="http://schemas.microsoft.com/office/drawing/2010/main">
+              <a14:hiddenFill xmlns:a14="http://schemas.microsoft.com/office/drawing/2010/main">
                 <a:solidFill>
                   <a:schemeClr val="accent1"/>
                 </a:solidFill>
               </a14:hiddenFill>
             </a:ext>
             <a:ext uri="{91240B29-F687-4F45-9708-019B960494DF}">
-              <a14:hiddenLine xmlns="" xmlns:a14="http://schemas.microsoft.com/office/drawing/2010/main" w="9525">
+              <a14:hiddenLine xmlns:a14="http://schemas.microsoft.com/office/drawing/2010/main" w="9525">
                 <a:solidFill>
                   <a:schemeClr val="tx1"/>
                 </a:solidFill>
@@ -5311,7 +5323,7 @@
               </a14:hiddenLine>
             </a:ext>
             <a:ext uri="{AF507438-7753-43E0-B8FC-AC1667EBCBE1}">
-              <a14:hiddenEffects xmlns="" xmlns:a14="http://schemas.microsoft.com/office/drawing/2010/main">
+              <a14:hiddenEffects xmlns:a14="http://schemas.microsoft.com/office/drawing/2010/main">
                 <a:effectLst>
                   <a:outerShdw dist="35921" dir="2700000" algn="ctr" rotWithShape="0">
                     <a:schemeClr val="bg2"/>
@@ -5459,7 +5471,7 @@
           <a:effectLst/>
           <a:extLst>
             <a:ext uri="{AF507438-7753-43E0-B8FC-AC1667EBCBE1}">
-              <a14:hiddenEffects xmlns="" xmlns:a14="http://schemas.microsoft.com/office/drawing/2010/main">
+              <a14:hiddenEffects xmlns:a14="http://schemas.microsoft.com/office/drawing/2010/main">
                 <a:effectLst>
                   <a:outerShdw dist="35921" dir="2700000" algn="ctr" rotWithShape="0">
                     <a:schemeClr val="bg2"/>
@@ -5499,7 +5511,7 @@
           <a:effectLst/>
           <a:extLst>
             <a:ext uri="{AF507438-7753-43E0-B8FC-AC1667EBCBE1}">
-              <a14:hiddenEffects xmlns="" xmlns:a14="http://schemas.microsoft.com/office/drawing/2010/main">
+              <a14:hiddenEffects xmlns:a14="http://schemas.microsoft.com/office/drawing/2010/main">
                 <a:effectLst>
                   <a:outerShdw dist="35921" dir="2700000" algn="ctr" rotWithShape="0">
                     <a:schemeClr val="bg2"/>
@@ -5513,7 +5525,7 @@
     </p:spTree>
     <p:extLst>
       <p:ext uri="{BB962C8B-B14F-4D97-AF65-F5344CB8AC3E}">
-        <p14:creationId xmlns="" xmlns:p14="http://schemas.microsoft.com/office/powerpoint/2010/main" val="297113616"/>
+        <p14:creationId xmlns:p14="http://schemas.microsoft.com/office/powerpoint/2010/main" val="297113616"/>
       </p:ext>
     </p:extLst>
   </p:cSld>
@@ -5707,7 +5719,7 @@
           <a:blip r:embed="rId2" cstate="print">
             <a:extLst>
               <a:ext uri="{28A0092B-C50C-407E-A947-70E740481C1C}">
-                <a14:useLocalDpi xmlns="" xmlns:a14="http://schemas.microsoft.com/office/drawing/2010/main" val="0"/>
+                <a14:useLocalDpi xmlns:a14="http://schemas.microsoft.com/office/drawing/2010/main" val="0"/>
               </a:ext>
             </a:extLst>
           </a:blip>
@@ -5736,14 +5748,14 @@
           </a:effectLst>
           <a:extLst>
             <a:ext uri="{909E8E84-426E-40DD-AFC4-6F175D3DCCD1}">
-              <a14:hiddenFill xmlns="" xmlns:a14="http://schemas.microsoft.com/office/drawing/2010/main">
+              <a14:hiddenFill xmlns:a14="http://schemas.microsoft.com/office/drawing/2010/main">
                 <a:solidFill>
                   <a:schemeClr val="accent1"/>
                 </a:solidFill>
               </a14:hiddenFill>
             </a:ext>
             <a:ext uri="{91240B29-F687-4F45-9708-019B960494DF}">
-              <a14:hiddenLine xmlns="" xmlns:a14="http://schemas.microsoft.com/office/drawing/2010/main" w="9525">
+              <a14:hiddenLine xmlns:a14="http://schemas.microsoft.com/office/drawing/2010/main" w="9525">
                 <a:solidFill>
                   <a:schemeClr val="tx1"/>
                 </a:solidFill>
@@ -5778,14 +5790,14 @@
           <a:effectLst/>
           <a:extLst>
             <a:ext uri="{909E8E84-426E-40DD-AFC4-6F175D3DCCD1}">
-              <a14:hiddenFill xmlns="" xmlns:a14="http://schemas.microsoft.com/office/drawing/2010/main">
+              <a14:hiddenFill xmlns:a14="http://schemas.microsoft.com/office/drawing/2010/main">
                 <a:solidFill>
                   <a:schemeClr val="accent1"/>
                 </a:solidFill>
               </a14:hiddenFill>
             </a:ext>
             <a:ext uri="{91240B29-F687-4F45-9708-019B960494DF}">
-              <a14:hiddenLine xmlns="" xmlns:a14="http://schemas.microsoft.com/office/drawing/2010/main" w="9525">
+              <a14:hiddenLine xmlns:a14="http://schemas.microsoft.com/office/drawing/2010/main" w="9525">
                 <a:solidFill>
                   <a:schemeClr val="tx1"/>
                 </a:solidFill>
@@ -5795,7 +5807,7 @@
               </a14:hiddenLine>
             </a:ext>
             <a:ext uri="{AF507438-7753-43E0-B8FC-AC1667EBCBE1}">
-              <a14:hiddenEffects xmlns="" xmlns:a14="http://schemas.microsoft.com/office/drawing/2010/main">
+              <a14:hiddenEffects xmlns:a14="http://schemas.microsoft.com/office/drawing/2010/main">
                 <a:effectLst>
                   <a:outerShdw dist="35921" dir="2700000" algn="ctr" rotWithShape="0">
                     <a:schemeClr val="bg2"/>
@@ -5943,7 +5955,7 @@
           <a:effectLst/>
           <a:extLst>
             <a:ext uri="{AF507438-7753-43E0-B8FC-AC1667EBCBE1}">
-              <a14:hiddenEffects xmlns="" xmlns:a14="http://schemas.microsoft.com/office/drawing/2010/main">
+              <a14:hiddenEffects xmlns:a14="http://schemas.microsoft.com/office/drawing/2010/main">
                 <a:effectLst>
                   <a:outerShdw dist="35921" dir="2700000" algn="ctr" rotWithShape="0">
                     <a:schemeClr val="bg2"/>
@@ -5983,7 +5995,7 @@
           <a:effectLst/>
           <a:extLst>
             <a:ext uri="{AF507438-7753-43E0-B8FC-AC1667EBCBE1}">
-              <a14:hiddenEffects xmlns="" xmlns:a14="http://schemas.microsoft.com/office/drawing/2010/main">
+              <a14:hiddenEffects xmlns:a14="http://schemas.microsoft.com/office/drawing/2010/main">
                 <a:effectLst>
                   <a:outerShdw dist="35921" dir="2700000" algn="ctr" rotWithShape="0">
                     <a:schemeClr val="bg2"/>
@@ -5997,7 +6009,7 @@
     </p:spTree>
     <p:extLst>
       <p:ext uri="{BB962C8B-B14F-4D97-AF65-F5344CB8AC3E}">
-        <p14:creationId xmlns="" xmlns:p14="http://schemas.microsoft.com/office/powerpoint/2010/main" val="3534460720"/>
+        <p14:creationId xmlns:p14="http://schemas.microsoft.com/office/powerpoint/2010/main" val="3534460720"/>
       </p:ext>
     </p:extLst>
   </p:cSld>

--- a/others/Files/presentation/PresentationSlideADproject.pptx
+++ b/others/Files/presentation/PresentationSlideADproject.pptx
@@ -17,92 +17,122 @@
     <a:defPPr>
       <a:defRPr lang="en-US"/>
     </a:defPPr>
-    <a:lvl1pPr marL="0" algn="l" defTabSz="914400" rtl="0" eaLnBrk="1" latinLnBrk="0" hangingPunct="1">
-      <a:defRPr sz="1800" kern="1200">
+    <a:lvl1pPr algn="l" rtl="0" fontAlgn="base">
+      <a:spcBef>
+        <a:spcPct val="0"/>
+      </a:spcBef>
+      <a:spcAft>
+        <a:spcPct val="0"/>
+      </a:spcAft>
+      <a:defRPr kern="1200">
         <a:solidFill>
           <a:schemeClr val="tx1"/>
         </a:solidFill>
-        <a:latin typeface="+mn-lt"/>
+        <a:latin typeface="Arial" charset="0"/>
         <a:ea typeface="+mn-ea"/>
         <a:cs typeface="+mn-cs"/>
       </a:defRPr>
     </a:lvl1pPr>
-    <a:lvl2pPr marL="457200" algn="l" defTabSz="914400" rtl="0" eaLnBrk="1" latinLnBrk="0" hangingPunct="1">
-      <a:defRPr sz="1800" kern="1200">
+    <a:lvl2pPr marL="457200" algn="l" rtl="0" fontAlgn="base">
+      <a:spcBef>
+        <a:spcPct val="0"/>
+      </a:spcBef>
+      <a:spcAft>
+        <a:spcPct val="0"/>
+      </a:spcAft>
+      <a:defRPr kern="1200">
         <a:solidFill>
           <a:schemeClr val="tx1"/>
         </a:solidFill>
-        <a:latin typeface="+mn-lt"/>
+        <a:latin typeface="Arial" charset="0"/>
         <a:ea typeface="+mn-ea"/>
         <a:cs typeface="+mn-cs"/>
       </a:defRPr>
     </a:lvl2pPr>
-    <a:lvl3pPr marL="914400" algn="l" defTabSz="914400" rtl="0" eaLnBrk="1" latinLnBrk="0" hangingPunct="1">
-      <a:defRPr sz="1800" kern="1200">
+    <a:lvl3pPr marL="914400" algn="l" rtl="0" fontAlgn="base">
+      <a:spcBef>
+        <a:spcPct val="0"/>
+      </a:spcBef>
+      <a:spcAft>
+        <a:spcPct val="0"/>
+      </a:spcAft>
+      <a:defRPr kern="1200">
         <a:solidFill>
           <a:schemeClr val="tx1"/>
         </a:solidFill>
-        <a:latin typeface="+mn-lt"/>
+        <a:latin typeface="Arial" charset="0"/>
         <a:ea typeface="+mn-ea"/>
         <a:cs typeface="+mn-cs"/>
       </a:defRPr>
     </a:lvl3pPr>
-    <a:lvl4pPr marL="1371600" algn="l" defTabSz="914400" rtl="0" eaLnBrk="1" latinLnBrk="0" hangingPunct="1">
-      <a:defRPr sz="1800" kern="1200">
+    <a:lvl4pPr marL="1371600" algn="l" rtl="0" fontAlgn="base">
+      <a:spcBef>
+        <a:spcPct val="0"/>
+      </a:spcBef>
+      <a:spcAft>
+        <a:spcPct val="0"/>
+      </a:spcAft>
+      <a:defRPr kern="1200">
         <a:solidFill>
           <a:schemeClr val="tx1"/>
         </a:solidFill>
-        <a:latin typeface="+mn-lt"/>
+        <a:latin typeface="Arial" charset="0"/>
         <a:ea typeface="+mn-ea"/>
         <a:cs typeface="+mn-cs"/>
       </a:defRPr>
     </a:lvl4pPr>
-    <a:lvl5pPr marL="1828800" algn="l" defTabSz="914400" rtl="0" eaLnBrk="1" latinLnBrk="0" hangingPunct="1">
-      <a:defRPr sz="1800" kern="1200">
+    <a:lvl5pPr marL="1828800" algn="l" rtl="0" fontAlgn="base">
+      <a:spcBef>
+        <a:spcPct val="0"/>
+      </a:spcBef>
+      <a:spcAft>
+        <a:spcPct val="0"/>
+      </a:spcAft>
+      <a:defRPr kern="1200">
         <a:solidFill>
           <a:schemeClr val="tx1"/>
         </a:solidFill>
-        <a:latin typeface="+mn-lt"/>
+        <a:latin typeface="Arial" charset="0"/>
         <a:ea typeface="+mn-ea"/>
         <a:cs typeface="+mn-cs"/>
       </a:defRPr>
     </a:lvl5pPr>
     <a:lvl6pPr marL="2286000" algn="l" defTabSz="914400" rtl="0" eaLnBrk="1" latinLnBrk="0" hangingPunct="1">
-      <a:defRPr sz="1800" kern="1200">
+      <a:defRPr kern="1200">
         <a:solidFill>
           <a:schemeClr val="tx1"/>
         </a:solidFill>
-        <a:latin typeface="+mn-lt"/>
+        <a:latin typeface="Arial" charset="0"/>
         <a:ea typeface="+mn-ea"/>
         <a:cs typeface="+mn-cs"/>
       </a:defRPr>
     </a:lvl6pPr>
     <a:lvl7pPr marL="2743200" algn="l" defTabSz="914400" rtl="0" eaLnBrk="1" latinLnBrk="0" hangingPunct="1">
-      <a:defRPr sz="1800" kern="1200">
+      <a:defRPr kern="1200">
         <a:solidFill>
           <a:schemeClr val="tx1"/>
         </a:solidFill>
-        <a:latin typeface="+mn-lt"/>
+        <a:latin typeface="Arial" charset="0"/>
         <a:ea typeface="+mn-ea"/>
         <a:cs typeface="+mn-cs"/>
       </a:defRPr>
     </a:lvl7pPr>
     <a:lvl8pPr marL="3200400" algn="l" defTabSz="914400" rtl="0" eaLnBrk="1" latinLnBrk="0" hangingPunct="1">
-      <a:defRPr sz="1800" kern="1200">
+      <a:defRPr kern="1200">
         <a:solidFill>
           <a:schemeClr val="tx1"/>
         </a:solidFill>
-        <a:latin typeface="+mn-lt"/>
+        <a:latin typeface="Arial" charset="0"/>
         <a:ea typeface="+mn-ea"/>
         <a:cs typeface="+mn-cs"/>
       </a:defRPr>
     </a:lvl8pPr>
     <a:lvl9pPr marL="3657600" algn="l" defTabSz="914400" rtl="0" eaLnBrk="1" latinLnBrk="0" hangingPunct="1">
-      <a:defRPr sz="1800" kern="1200">
+      <a:defRPr kern="1200">
         <a:solidFill>
           <a:schemeClr val="tx1"/>
         </a:solidFill>
-        <a:latin typeface="+mn-lt"/>
+        <a:latin typeface="Arial" charset="0"/>
         <a:ea typeface="+mn-ea"/>
         <a:cs typeface="+mn-cs"/>
       </a:defRPr>
@@ -288,11 +318,20 @@
         <p:spPr/>
         <p:txBody>
           <a:bodyPr/>
-          <a:lstStyle/>
-          <a:p>
-            <a:fld id="{101EDA51-A5C5-430F-BD12-83207315C1AE}" type="datetimeFigureOut">
-              <a:rPr lang="en-US" smtClean="0"/>
-              <a:pPr/>
+          <a:lstStyle>
+            <a:lvl1pPr>
+              <a:defRPr/>
+            </a:lvl1pPr>
+          </a:lstStyle>
+          <a:p>
+            <a:pPr>
+              <a:defRPr/>
+            </a:pPr>
+            <a:fld id="{BEBBB463-2A71-4EF3-9D87-2F66E144D5B2}" type="datetimeFigureOut">
+              <a:rPr lang="en-US"/>
+              <a:pPr>
+                <a:defRPr/>
+              </a:pPr>
               <a:t>2/8/2012</a:t>
             </a:fld>
             <a:endParaRPr lang="en-US"/>
@@ -312,8 +351,15 @@
         <p:spPr/>
         <p:txBody>
           <a:bodyPr/>
-          <a:lstStyle/>
-          <a:p>
+          <a:lstStyle>
+            <a:lvl1pPr>
+              <a:defRPr/>
+            </a:lvl1pPr>
+          </a:lstStyle>
+          <a:p>
+            <a:pPr>
+              <a:defRPr/>
+            </a:pPr>
             <a:endParaRPr lang="en-US"/>
           </a:p>
         </p:txBody>
@@ -331,11 +377,20 @@
         <p:spPr/>
         <p:txBody>
           <a:bodyPr/>
-          <a:lstStyle/>
-          <a:p>
-            <a:fld id="{5E205ADD-33D6-4E1A-9BF7-DAA7291D332D}" type="slidenum">
-              <a:rPr lang="en-US" smtClean="0"/>
-              <a:pPr/>
+          <a:lstStyle>
+            <a:lvl1pPr>
+              <a:defRPr/>
+            </a:lvl1pPr>
+          </a:lstStyle>
+          <a:p>
+            <a:pPr>
+              <a:defRPr/>
+            </a:pPr>
+            <a:fld id="{FF40D442-1D47-439B-BF01-A0DC548F9CE3}" type="slidenum">
+              <a:rPr lang="en-US"/>
+              <a:pPr>
+                <a:defRPr/>
+              </a:pPr>
               <a:t>‹#›</a:t>
             </a:fld>
             <a:endParaRPr lang="en-US"/>
@@ -343,11 +398,6 @@
         </p:txBody>
       </p:sp>
     </p:spTree>
-    <p:extLst>
-      <p:ext uri="{BB962C8B-B14F-4D97-AF65-F5344CB8AC3E}">
-        <p14:creationId xmlns:p14="http://schemas.microsoft.com/office/powerpoint/2010/main" val="2693362283"/>
-      </p:ext>
-    </p:extLst>
   </p:cSld>
   <p:clrMapOvr>
     <a:masterClrMapping/>
@@ -460,11 +510,20 @@
         <p:spPr/>
         <p:txBody>
           <a:bodyPr/>
-          <a:lstStyle/>
-          <a:p>
-            <a:fld id="{101EDA51-A5C5-430F-BD12-83207315C1AE}" type="datetimeFigureOut">
-              <a:rPr lang="en-US" smtClean="0"/>
-              <a:pPr/>
+          <a:lstStyle>
+            <a:lvl1pPr>
+              <a:defRPr/>
+            </a:lvl1pPr>
+          </a:lstStyle>
+          <a:p>
+            <a:pPr>
+              <a:defRPr/>
+            </a:pPr>
+            <a:fld id="{A34DFA64-7BDD-4641-A6A4-C1F821791B12}" type="datetimeFigureOut">
+              <a:rPr lang="en-US"/>
+              <a:pPr>
+                <a:defRPr/>
+              </a:pPr>
               <a:t>2/8/2012</a:t>
             </a:fld>
             <a:endParaRPr lang="en-US"/>
@@ -484,8 +543,15 @@
         <p:spPr/>
         <p:txBody>
           <a:bodyPr/>
-          <a:lstStyle/>
-          <a:p>
+          <a:lstStyle>
+            <a:lvl1pPr>
+              <a:defRPr/>
+            </a:lvl1pPr>
+          </a:lstStyle>
+          <a:p>
+            <a:pPr>
+              <a:defRPr/>
+            </a:pPr>
             <a:endParaRPr lang="en-US"/>
           </a:p>
         </p:txBody>
@@ -503,11 +569,20 @@
         <p:spPr/>
         <p:txBody>
           <a:bodyPr/>
-          <a:lstStyle/>
-          <a:p>
-            <a:fld id="{5E205ADD-33D6-4E1A-9BF7-DAA7291D332D}" type="slidenum">
-              <a:rPr lang="en-US" smtClean="0"/>
-              <a:pPr/>
+          <a:lstStyle>
+            <a:lvl1pPr>
+              <a:defRPr/>
+            </a:lvl1pPr>
+          </a:lstStyle>
+          <a:p>
+            <a:pPr>
+              <a:defRPr/>
+            </a:pPr>
+            <a:fld id="{14E646B8-DC2F-4F0B-B4AF-1A1E9BB79600}" type="slidenum">
+              <a:rPr lang="en-US"/>
+              <a:pPr>
+                <a:defRPr/>
+              </a:pPr>
               <a:t>‹#›</a:t>
             </a:fld>
             <a:endParaRPr lang="en-US"/>
@@ -515,11 +590,6 @@
         </p:txBody>
       </p:sp>
     </p:spTree>
-    <p:extLst>
-      <p:ext uri="{BB962C8B-B14F-4D97-AF65-F5344CB8AC3E}">
-        <p14:creationId xmlns:p14="http://schemas.microsoft.com/office/powerpoint/2010/main" val="1689975496"/>
-      </p:ext>
-    </p:extLst>
   </p:cSld>
   <p:clrMapOvr>
     <a:masterClrMapping/>
@@ -642,11 +712,20 @@
         <p:spPr/>
         <p:txBody>
           <a:bodyPr/>
-          <a:lstStyle/>
-          <a:p>
-            <a:fld id="{101EDA51-A5C5-430F-BD12-83207315C1AE}" type="datetimeFigureOut">
-              <a:rPr lang="en-US" smtClean="0"/>
-              <a:pPr/>
+          <a:lstStyle>
+            <a:lvl1pPr>
+              <a:defRPr/>
+            </a:lvl1pPr>
+          </a:lstStyle>
+          <a:p>
+            <a:pPr>
+              <a:defRPr/>
+            </a:pPr>
+            <a:fld id="{B0A0C4F6-AA9B-4104-B27E-6657D92CED2B}" type="datetimeFigureOut">
+              <a:rPr lang="en-US"/>
+              <a:pPr>
+                <a:defRPr/>
+              </a:pPr>
               <a:t>2/8/2012</a:t>
             </a:fld>
             <a:endParaRPr lang="en-US"/>
@@ -666,8 +745,15 @@
         <p:spPr/>
         <p:txBody>
           <a:bodyPr/>
-          <a:lstStyle/>
-          <a:p>
+          <a:lstStyle>
+            <a:lvl1pPr>
+              <a:defRPr/>
+            </a:lvl1pPr>
+          </a:lstStyle>
+          <a:p>
+            <a:pPr>
+              <a:defRPr/>
+            </a:pPr>
             <a:endParaRPr lang="en-US"/>
           </a:p>
         </p:txBody>
@@ -685,11 +771,20 @@
         <p:spPr/>
         <p:txBody>
           <a:bodyPr/>
-          <a:lstStyle/>
-          <a:p>
-            <a:fld id="{5E205ADD-33D6-4E1A-9BF7-DAA7291D332D}" type="slidenum">
-              <a:rPr lang="en-US" smtClean="0"/>
-              <a:pPr/>
+          <a:lstStyle>
+            <a:lvl1pPr>
+              <a:defRPr/>
+            </a:lvl1pPr>
+          </a:lstStyle>
+          <a:p>
+            <a:pPr>
+              <a:defRPr/>
+            </a:pPr>
+            <a:fld id="{28C18888-B384-48FB-9A84-19CE30D8499D}" type="slidenum">
+              <a:rPr lang="en-US"/>
+              <a:pPr>
+                <a:defRPr/>
+              </a:pPr>
               <a:t>‹#›</a:t>
             </a:fld>
             <a:endParaRPr lang="en-US"/>
@@ -697,11 +792,6 @@
         </p:txBody>
       </p:sp>
     </p:spTree>
-    <p:extLst>
-      <p:ext uri="{BB962C8B-B14F-4D97-AF65-F5344CB8AC3E}">
-        <p14:creationId xmlns:p14="http://schemas.microsoft.com/office/powerpoint/2010/main" val="1518472737"/>
-      </p:ext>
-    </p:extLst>
   </p:cSld>
   <p:clrMapOvr>
     <a:masterClrMapping/>
@@ -814,11 +904,20 @@
         <p:spPr/>
         <p:txBody>
           <a:bodyPr/>
-          <a:lstStyle/>
-          <a:p>
-            <a:fld id="{101EDA51-A5C5-430F-BD12-83207315C1AE}" type="datetimeFigureOut">
-              <a:rPr lang="en-US" smtClean="0"/>
-              <a:pPr/>
+          <a:lstStyle>
+            <a:lvl1pPr>
+              <a:defRPr/>
+            </a:lvl1pPr>
+          </a:lstStyle>
+          <a:p>
+            <a:pPr>
+              <a:defRPr/>
+            </a:pPr>
+            <a:fld id="{E4D7A42A-A2ED-4541-9960-05F4E4111017}" type="datetimeFigureOut">
+              <a:rPr lang="en-US"/>
+              <a:pPr>
+                <a:defRPr/>
+              </a:pPr>
               <a:t>2/8/2012</a:t>
             </a:fld>
             <a:endParaRPr lang="en-US"/>
@@ -838,8 +937,15 @@
         <p:spPr/>
         <p:txBody>
           <a:bodyPr/>
-          <a:lstStyle/>
-          <a:p>
+          <a:lstStyle>
+            <a:lvl1pPr>
+              <a:defRPr/>
+            </a:lvl1pPr>
+          </a:lstStyle>
+          <a:p>
+            <a:pPr>
+              <a:defRPr/>
+            </a:pPr>
             <a:endParaRPr lang="en-US"/>
           </a:p>
         </p:txBody>
@@ -857,11 +963,20 @@
         <p:spPr/>
         <p:txBody>
           <a:bodyPr/>
-          <a:lstStyle/>
-          <a:p>
-            <a:fld id="{5E205ADD-33D6-4E1A-9BF7-DAA7291D332D}" type="slidenum">
-              <a:rPr lang="en-US" smtClean="0"/>
-              <a:pPr/>
+          <a:lstStyle>
+            <a:lvl1pPr>
+              <a:defRPr/>
+            </a:lvl1pPr>
+          </a:lstStyle>
+          <a:p>
+            <a:pPr>
+              <a:defRPr/>
+            </a:pPr>
+            <a:fld id="{54F89A8D-C9AD-407A-BB79-9BE14D338E5B}" type="slidenum">
+              <a:rPr lang="en-US"/>
+              <a:pPr>
+                <a:defRPr/>
+              </a:pPr>
               <a:t>‹#›</a:t>
             </a:fld>
             <a:endParaRPr lang="en-US"/>
@@ -869,11 +984,6 @@
         </p:txBody>
       </p:sp>
     </p:spTree>
-    <p:extLst>
-      <p:ext uri="{BB962C8B-B14F-4D97-AF65-F5344CB8AC3E}">
-        <p14:creationId xmlns:p14="http://schemas.microsoft.com/office/powerpoint/2010/main" val="2392672000"/>
-      </p:ext>
-    </p:extLst>
   </p:cSld>
   <p:clrMapOvr>
     <a:masterClrMapping/>
@@ -1062,11 +1172,20 @@
         <p:spPr/>
         <p:txBody>
           <a:bodyPr/>
-          <a:lstStyle/>
-          <a:p>
-            <a:fld id="{101EDA51-A5C5-430F-BD12-83207315C1AE}" type="datetimeFigureOut">
-              <a:rPr lang="en-US" smtClean="0"/>
-              <a:pPr/>
+          <a:lstStyle>
+            <a:lvl1pPr>
+              <a:defRPr/>
+            </a:lvl1pPr>
+          </a:lstStyle>
+          <a:p>
+            <a:pPr>
+              <a:defRPr/>
+            </a:pPr>
+            <a:fld id="{B348AC0E-1827-476D-803B-E09DBF595601}" type="datetimeFigureOut">
+              <a:rPr lang="en-US"/>
+              <a:pPr>
+                <a:defRPr/>
+              </a:pPr>
               <a:t>2/8/2012</a:t>
             </a:fld>
             <a:endParaRPr lang="en-US"/>
@@ -1086,8 +1205,15 @@
         <p:spPr/>
         <p:txBody>
           <a:bodyPr/>
-          <a:lstStyle/>
-          <a:p>
+          <a:lstStyle>
+            <a:lvl1pPr>
+              <a:defRPr/>
+            </a:lvl1pPr>
+          </a:lstStyle>
+          <a:p>
+            <a:pPr>
+              <a:defRPr/>
+            </a:pPr>
             <a:endParaRPr lang="en-US"/>
           </a:p>
         </p:txBody>
@@ -1105,11 +1231,20 @@
         <p:spPr/>
         <p:txBody>
           <a:bodyPr/>
-          <a:lstStyle/>
-          <a:p>
-            <a:fld id="{5E205ADD-33D6-4E1A-9BF7-DAA7291D332D}" type="slidenum">
-              <a:rPr lang="en-US" smtClean="0"/>
-              <a:pPr/>
+          <a:lstStyle>
+            <a:lvl1pPr>
+              <a:defRPr/>
+            </a:lvl1pPr>
+          </a:lstStyle>
+          <a:p>
+            <a:pPr>
+              <a:defRPr/>
+            </a:pPr>
+            <a:fld id="{D4D3A294-8E63-4CEB-AECF-3DA58A065F6F}" type="slidenum">
+              <a:rPr lang="en-US"/>
+              <a:pPr>
+                <a:defRPr/>
+              </a:pPr>
               <a:t>‹#›</a:t>
             </a:fld>
             <a:endParaRPr lang="en-US"/>
@@ -1117,11 +1252,6 @@
         </p:txBody>
       </p:sp>
     </p:spTree>
-    <p:extLst>
-      <p:ext uri="{BB962C8B-B14F-4D97-AF65-F5344CB8AC3E}">
-        <p14:creationId xmlns:p14="http://schemas.microsoft.com/office/powerpoint/2010/main" val="4107660373"/>
-      </p:ext>
-    </p:extLst>
   </p:cSld>
   <p:clrMapOvr>
     <a:masterClrMapping/>
@@ -1341,7 +1471,7 @@
       </p:sp>
       <p:sp>
         <p:nvSpPr>
-          <p:cNvPr id="5" name="Date Placeholder 4"/>
+          <p:cNvPr id="5" name="Date Placeholder 3"/>
           <p:cNvSpPr>
             <a:spLocks noGrp="1"/>
           </p:cNvSpPr>
@@ -1352,11 +1482,20 @@
         <p:spPr/>
         <p:txBody>
           <a:bodyPr/>
-          <a:lstStyle/>
-          <a:p>
-            <a:fld id="{101EDA51-A5C5-430F-BD12-83207315C1AE}" type="datetimeFigureOut">
-              <a:rPr lang="en-US" smtClean="0"/>
-              <a:pPr/>
+          <a:lstStyle>
+            <a:lvl1pPr>
+              <a:defRPr/>
+            </a:lvl1pPr>
+          </a:lstStyle>
+          <a:p>
+            <a:pPr>
+              <a:defRPr/>
+            </a:pPr>
+            <a:fld id="{B515FC9A-3254-4515-B8D7-E82B3461D3D5}" type="datetimeFigureOut">
+              <a:rPr lang="en-US"/>
+              <a:pPr>
+                <a:defRPr/>
+              </a:pPr>
               <a:t>2/8/2012</a:t>
             </a:fld>
             <a:endParaRPr lang="en-US"/>
@@ -1365,7 +1504,7 @@
       </p:sp>
       <p:sp>
         <p:nvSpPr>
-          <p:cNvPr id="6" name="Footer Placeholder 5"/>
+          <p:cNvPr id="6" name="Footer Placeholder 4"/>
           <p:cNvSpPr>
             <a:spLocks noGrp="1"/>
           </p:cNvSpPr>
@@ -1376,15 +1515,22 @@
         <p:spPr/>
         <p:txBody>
           <a:bodyPr/>
-          <a:lstStyle/>
-          <a:p>
+          <a:lstStyle>
+            <a:lvl1pPr>
+              <a:defRPr/>
+            </a:lvl1pPr>
+          </a:lstStyle>
+          <a:p>
+            <a:pPr>
+              <a:defRPr/>
+            </a:pPr>
             <a:endParaRPr lang="en-US"/>
           </a:p>
         </p:txBody>
       </p:sp>
       <p:sp>
         <p:nvSpPr>
-          <p:cNvPr id="7" name="Slide Number Placeholder 6"/>
+          <p:cNvPr id="7" name="Slide Number Placeholder 5"/>
           <p:cNvSpPr>
             <a:spLocks noGrp="1"/>
           </p:cNvSpPr>
@@ -1395,11 +1541,20 @@
         <p:spPr/>
         <p:txBody>
           <a:bodyPr/>
-          <a:lstStyle/>
-          <a:p>
-            <a:fld id="{5E205ADD-33D6-4E1A-9BF7-DAA7291D332D}" type="slidenum">
-              <a:rPr lang="en-US" smtClean="0"/>
-              <a:pPr/>
+          <a:lstStyle>
+            <a:lvl1pPr>
+              <a:defRPr/>
+            </a:lvl1pPr>
+          </a:lstStyle>
+          <a:p>
+            <a:pPr>
+              <a:defRPr/>
+            </a:pPr>
+            <a:fld id="{E7202A81-E807-4C4A-85A2-D2DB5DEA55B3}" type="slidenum">
+              <a:rPr lang="en-US"/>
+              <a:pPr>
+                <a:defRPr/>
+              </a:pPr>
               <a:t>‹#›</a:t>
             </a:fld>
             <a:endParaRPr lang="en-US"/>
@@ -1407,11 +1562,6 @@
         </p:txBody>
       </p:sp>
     </p:spTree>
-    <p:extLst>
-      <p:ext uri="{BB962C8B-B14F-4D97-AF65-F5344CB8AC3E}">
-        <p14:creationId xmlns:p14="http://schemas.microsoft.com/office/powerpoint/2010/main" val="3970420465"/>
-      </p:ext>
-    </p:extLst>
   </p:cSld>
   <p:clrMapOvr>
     <a:masterClrMapping/>
@@ -1765,7 +1915,7 @@
       </p:sp>
       <p:sp>
         <p:nvSpPr>
-          <p:cNvPr id="7" name="Date Placeholder 6"/>
+          <p:cNvPr id="7" name="Date Placeholder 3"/>
           <p:cNvSpPr>
             <a:spLocks noGrp="1"/>
           </p:cNvSpPr>
@@ -1776,11 +1926,20 @@
         <p:spPr/>
         <p:txBody>
           <a:bodyPr/>
-          <a:lstStyle/>
-          <a:p>
-            <a:fld id="{101EDA51-A5C5-430F-BD12-83207315C1AE}" type="datetimeFigureOut">
-              <a:rPr lang="en-US" smtClean="0"/>
-              <a:pPr/>
+          <a:lstStyle>
+            <a:lvl1pPr>
+              <a:defRPr/>
+            </a:lvl1pPr>
+          </a:lstStyle>
+          <a:p>
+            <a:pPr>
+              <a:defRPr/>
+            </a:pPr>
+            <a:fld id="{9B12A9FA-E143-4915-A1EC-29B2D0361668}" type="datetimeFigureOut">
+              <a:rPr lang="en-US"/>
+              <a:pPr>
+                <a:defRPr/>
+              </a:pPr>
               <a:t>2/8/2012</a:t>
             </a:fld>
             <a:endParaRPr lang="en-US"/>
@@ -1789,7 +1948,7 @@
       </p:sp>
       <p:sp>
         <p:nvSpPr>
-          <p:cNvPr id="8" name="Footer Placeholder 7"/>
+          <p:cNvPr id="8" name="Footer Placeholder 4"/>
           <p:cNvSpPr>
             <a:spLocks noGrp="1"/>
           </p:cNvSpPr>
@@ -1800,15 +1959,22 @@
         <p:spPr/>
         <p:txBody>
           <a:bodyPr/>
-          <a:lstStyle/>
-          <a:p>
+          <a:lstStyle>
+            <a:lvl1pPr>
+              <a:defRPr/>
+            </a:lvl1pPr>
+          </a:lstStyle>
+          <a:p>
+            <a:pPr>
+              <a:defRPr/>
+            </a:pPr>
             <a:endParaRPr lang="en-US"/>
           </a:p>
         </p:txBody>
       </p:sp>
       <p:sp>
         <p:nvSpPr>
-          <p:cNvPr id="9" name="Slide Number Placeholder 8"/>
+          <p:cNvPr id="9" name="Slide Number Placeholder 5"/>
           <p:cNvSpPr>
             <a:spLocks noGrp="1"/>
           </p:cNvSpPr>
@@ -1819,11 +1985,20 @@
         <p:spPr/>
         <p:txBody>
           <a:bodyPr/>
-          <a:lstStyle/>
-          <a:p>
-            <a:fld id="{5E205ADD-33D6-4E1A-9BF7-DAA7291D332D}" type="slidenum">
-              <a:rPr lang="en-US" smtClean="0"/>
-              <a:pPr/>
+          <a:lstStyle>
+            <a:lvl1pPr>
+              <a:defRPr/>
+            </a:lvl1pPr>
+          </a:lstStyle>
+          <a:p>
+            <a:pPr>
+              <a:defRPr/>
+            </a:pPr>
+            <a:fld id="{BC104E65-8533-44E4-B0C2-7896731BE96A}" type="slidenum">
+              <a:rPr lang="en-US"/>
+              <a:pPr>
+                <a:defRPr/>
+              </a:pPr>
               <a:t>‹#›</a:t>
             </a:fld>
             <a:endParaRPr lang="en-US"/>
@@ -1831,11 +2006,6 @@
         </p:txBody>
       </p:sp>
     </p:spTree>
-    <p:extLst>
-      <p:ext uri="{BB962C8B-B14F-4D97-AF65-F5344CB8AC3E}">
-        <p14:creationId xmlns:p14="http://schemas.microsoft.com/office/powerpoint/2010/main" val="1818837701"/>
-      </p:ext>
-    </p:extLst>
   </p:cSld>
   <p:clrMapOvr>
     <a:masterClrMapping/>
@@ -1885,7 +2055,7 @@
       </p:sp>
       <p:sp>
         <p:nvSpPr>
-          <p:cNvPr id="3" name="Date Placeholder 2"/>
+          <p:cNvPr id="3" name="Date Placeholder 3"/>
           <p:cNvSpPr>
             <a:spLocks noGrp="1"/>
           </p:cNvSpPr>
@@ -1896,11 +2066,20 @@
         <p:spPr/>
         <p:txBody>
           <a:bodyPr/>
-          <a:lstStyle/>
-          <a:p>
-            <a:fld id="{101EDA51-A5C5-430F-BD12-83207315C1AE}" type="datetimeFigureOut">
-              <a:rPr lang="en-US" smtClean="0"/>
-              <a:pPr/>
+          <a:lstStyle>
+            <a:lvl1pPr>
+              <a:defRPr/>
+            </a:lvl1pPr>
+          </a:lstStyle>
+          <a:p>
+            <a:pPr>
+              <a:defRPr/>
+            </a:pPr>
+            <a:fld id="{613F6F02-4801-4254-B658-205822AF2C43}" type="datetimeFigureOut">
+              <a:rPr lang="en-US"/>
+              <a:pPr>
+                <a:defRPr/>
+              </a:pPr>
               <a:t>2/8/2012</a:t>
             </a:fld>
             <a:endParaRPr lang="en-US"/>
@@ -1909,7 +2088,7 @@
       </p:sp>
       <p:sp>
         <p:nvSpPr>
-          <p:cNvPr id="4" name="Footer Placeholder 3"/>
+          <p:cNvPr id="4" name="Footer Placeholder 4"/>
           <p:cNvSpPr>
             <a:spLocks noGrp="1"/>
           </p:cNvSpPr>
@@ -1920,15 +2099,22 @@
         <p:spPr/>
         <p:txBody>
           <a:bodyPr/>
-          <a:lstStyle/>
-          <a:p>
+          <a:lstStyle>
+            <a:lvl1pPr>
+              <a:defRPr/>
+            </a:lvl1pPr>
+          </a:lstStyle>
+          <a:p>
+            <a:pPr>
+              <a:defRPr/>
+            </a:pPr>
             <a:endParaRPr lang="en-US"/>
           </a:p>
         </p:txBody>
       </p:sp>
       <p:sp>
         <p:nvSpPr>
-          <p:cNvPr id="5" name="Slide Number Placeholder 4"/>
+          <p:cNvPr id="5" name="Slide Number Placeholder 5"/>
           <p:cNvSpPr>
             <a:spLocks noGrp="1"/>
           </p:cNvSpPr>
@@ -1939,11 +2125,20 @@
         <p:spPr/>
         <p:txBody>
           <a:bodyPr/>
-          <a:lstStyle/>
-          <a:p>
-            <a:fld id="{5E205ADD-33D6-4E1A-9BF7-DAA7291D332D}" type="slidenum">
-              <a:rPr lang="en-US" smtClean="0"/>
-              <a:pPr/>
+          <a:lstStyle>
+            <a:lvl1pPr>
+              <a:defRPr/>
+            </a:lvl1pPr>
+          </a:lstStyle>
+          <a:p>
+            <a:pPr>
+              <a:defRPr/>
+            </a:pPr>
+            <a:fld id="{EE8729CB-3AA6-41FA-B5A2-2797C767262E}" type="slidenum">
+              <a:rPr lang="en-US"/>
+              <a:pPr>
+                <a:defRPr/>
+              </a:pPr>
               <a:t>‹#›</a:t>
             </a:fld>
             <a:endParaRPr lang="en-US"/>
@@ -1951,11 +2146,6 @@
         </p:txBody>
       </p:sp>
     </p:spTree>
-    <p:extLst>
-      <p:ext uri="{BB962C8B-B14F-4D97-AF65-F5344CB8AC3E}">
-        <p14:creationId xmlns:p14="http://schemas.microsoft.com/office/powerpoint/2010/main" val="900242572"/>
-      </p:ext>
-    </p:extLst>
   </p:cSld>
   <p:clrMapOvr>
     <a:masterClrMapping/>
@@ -1982,7 +2172,7 @@
       </p:grpSpPr>
       <p:sp>
         <p:nvSpPr>
-          <p:cNvPr id="2" name="Date Placeholder 1"/>
+          <p:cNvPr id="2" name="Date Placeholder 3"/>
           <p:cNvSpPr>
             <a:spLocks noGrp="1"/>
           </p:cNvSpPr>
@@ -1993,11 +2183,20 @@
         <p:spPr/>
         <p:txBody>
           <a:bodyPr/>
-          <a:lstStyle/>
-          <a:p>
-            <a:fld id="{101EDA51-A5C5-430F-BD12-83207315C1AE}" type="datetimeFigureOut">
-              <a:rPr lang="en-US" smtClean="0"/>
-              <a:pPr/>
+          <a:lstStyle>
+            <a:lvl1pPr>
+              <a:defRPr/>
+            </a:lvl1pPr>
+          </a:lstStyle>
+          <a:p>
+            <a:pPr>
+              <a:defRPr/>
+            </a:pPr>
+            <a:fld id="{C83C0D97-11CD-4798-B0A0-BF023BD4EFB5}" type="datetimeFigureOut">
+              <a:rPr lang="en-US"/>
+              <a:pPr>
+                <a:defRPr/>
+              </a:pPr>
               <a:t>2/8/2012</a:t>
             </a:fld>
             <a:endParaRPr lang="en-US"/>
@@ -2006,7 +2205,7 @@
       </p:sp>
       <p:sp>
         <p:nvSpPr>
-          <p:cNvPr id="3" name="Footer Placeholder 2"/>
+          <p:cNvPr id="3" name="Footer Placeholder 4"/>
           <p:cNvSpPr>
             <a:spLocks noGrp="1"/>
           </p:cNvSpPr>
@@ -2017,15 +2216,22 @@
         <p:spPr/>
         <p:txBody>
           <a:bodyPr/>
-          <a:lstStyle/>
-          <a:p>
+          <a:lstStyle>
+            <a:lvl1pPr>
+              <a:defRPr/>
+            </a:lvl1pPr>
+          </a:lstStyle>
+          <a:p>
+            <a:pPr>
+              <a:defRPr/>
+            </a:pPr>
             <a:endParaRPr lang="en-US"/>
           </a:p>
         </p:txBody>
       </p:sp>
       <p:sp>
         <p:nvSpPr>
-          <p:cNvPr id="4" name="Slide Number Placeholder 3"/>
+          <p:cNvPr id="4" name="Slide Number Placeholder 5"/>
           <p:cNvSpPr>
             <a:spLocks noGrp="1"/>
           </p:cNvSpPr>
@@ -2036,11 +2242,20 @@
         <p:spPr/>
         <p:txBody>
           <a:bodyPr/>
-          <a:lstStyle/>
-          <a:p>
-            <a:fld id="{5E205ADD-33D6-4E1A-9BF7-DAA7291D332D}" type="slidenum">
-              <a:rPr lang="en-US" smtClean="0"/>
-              <a:pPr/>
+          <a:lstStyle>
+            <a:lvl1pPr>
+              <a:defRPr/>
+            </a:lvl1pPr>
+          </a:lstStyle>
+          <a:p>
+            <a:pPr>
+              <a:defRPr/>
+            </a:pPr>
+            <a:fld id="{140E6721-B1A3-4906-B902-0910E90B3074}" type="slidenum">
+              <a:rPr lang="en-US"/>
+              <a:pPr>
+                <a:defRPr/>
+              </a:pPr>
               <a:t>‹#›</a:t>
             </a:fld>
             <a:endParaRPr lang="en-US"/>
@@ -2048,11 +2263,6 @@
         </p:txBody>
       </p:sp>
     </p:spTree>
-    <p:extLst>
-      <p:ext uri="{BB962C8B-B14F-4D97-AF65-F5344CB8AC3E}">
-        <p14:creationId xmlns:p14="http://schemas.microsoft.com/office/powerpoint/2010/main" val="470963513"/>
-      </p:ext>
-    </p:extLst>
   </p:cSld>
   <p:clrMapOvr>
     <a:masterClrMapping/>
@@ -2261,7 +2471,7 @@
       </p:sp>
       <p:sp>
         <p:nvSpPr>
-          <p:cNvPr id="5" name="Date Placeholder 4"/>
+          <p:cNvPr id="5" name="Date Placeholder 3"/>
           <p:cNvSpPr>
             <a:spLocks noGrp="1"/>
           </p:cNvSpPr>
@@ -2272,11 +2482,20 @@
         <p:spPr/>
         <p:txBody>
           <a:bodyPr/>
-          <a:lstStyle/>
-          <a:p>
-            <a:fld id="{101EDA51-A5C5-430F-BD12-83207315C1AE}" type="datetimeFigureOut">
-              <a:rPr lang="en-US" smtClean="0"/>
-              <a:pPr/>
+          <a:lstStyle>
+            <a:lvl1pPr>
+              <a:defRPr/>
+            </a:lvl1pPr>
+          </a:lstStyle>
+          <a:p>
+            <a:pPr>
+              <a:defRPr/>
+            </a:pPr>
+            <a:fld id="{FFB28885-73D2-4CC2-B454-7FE3909B6535}" type="datetimeFigureOut">
+              <a:rPr lang="en-US"/>
+              <a:pPr>
+                <a:defRPr/>
+              </a:pPr>
               <a:t>2/8/2012</a:t>
             </a:fld>
             <a:endParaRPr lang="en-US"/>
@@ -2285,7 +2504,7 @@
       </p:sp>
       <p:sp>
         <p:nvSpPr>
-          <p:cNvPr id="6" name="Footer Placeholder 5"/>
+          <p:cNvPr id="6" name="Footer Placeholder 4"/>
           <p:cNvSpPr>
             <a:spLocks noGrp="1"/>
           </p:cNvSpPr>
@@ -2296,15 +2515,22 @@
         <p:spPr/>
         <p:txBody>
           <a:bodyPr/>
-          <a:lstStyle/>
-          <a:p>
+          <a:lstStyle>
+            <a:lvl1pPr>
+              <a:defRPr/>
+            </a:lvl1pPr>
+          </a:lstStyle>
+          <a:p>
+            <a:pPr>
+              <a:defRPr/>
+            </a:pPr>
             <a:endParaRPr lang="en-US"/>
           </a:p>
         </p:txBody>
       </p:sp>
       <p:sp>
         <p:nvSpPr>
-          <p:cNvPr id="7" name="Slide Number Placeholder 6"/>
+          <p:cNvPr id="7" name="Slide Number Placeholder 5"/>
           <p:cNvSpPr>
             <a:spLocks noGrp="1"/>
           </p:cNvSpPr>
@@ -2315,11 +2541,20 @@
         <p:spPr/>
         <p:txBody>
           <a:bodyPr/>
-          <a:lstStyle/>
-          <a:p>
-            <a:fld id="{5E205ADD-33D6-4E1A-9BF7-DAA7291D332D}" type="slidenum">
-              <a:rPr lang="en-US" smtClean="0"/>
-              <a:pPr/>
+          <a:lstStyle>
+            <a:lvl1pPr>
+              <a:defRPr/>
+            </a:lvl1pPr>
+          </a:lstStyle>
+          <a:p>
+            <a:pPr>
+              <a:defRPr/>
+            </a:pPr>
+            <a:fld id="{729F0152-0633-40B3-A8AF-2C1242536B2E}" type="slidenum">
+              <a:rPr lang="en-US"/>
+              <a:pPr>
+                <a:defRPr/>
+              </a:pPr>
               <a:t>‹#›</a:t>
             </a:fld>
             <a:endParaRPr lang="en-US"/>
@@ -2327,11 +2562,6 @@
         </p:txBody>
       </p:sp>
     </p:spTree>
-    <p:extLst>
-      <p:ext uri="{BB962C8B-B14F-4D97-AF65-F5344CB8AC3E}">
-        <p14:creationId xmlns:p14="http://schemas.microsoft.com/office/powerpoint/2010/main" val="1652324388"/>
-      </p:ext>
-    </p:extLst>
   </p:cSld>
   <p:clrMapOvr>
     <a:masterClrMapping/>
@@ -2405,7 +2635,9 @@
           </a:xfrm>
         </p:spPr>
         <p:txBody>
-          <a:bodyPr/>
+          <a:bodyPr rtlCol="0">
+            <a:normAutofit/>
+          </a:bodyPr>
           <a:lstStyle>
             <a:lvl1pPr marL="0" indent="0">
               <a:buNone/>
@@ -2445,7 +2677,8 @@
             </a:lvl9pPr>
           </a:lstStyle>
           <a:p>
-            <a:endParaRPr lang="en-US"/>
+            <a:pPr lvl="0"/>
+            <a:endParaRPr lang="en-US" noProof="0"/>
           </a:p>
         </p:txBody>
       </p:sp>
@@ -2516,7 +2749,7 @@
       </p:sp>
       <p:sp>
         <p:nvSpPr>
-          <p:cNvPr id="5" name="Date Placeholder 4"/>
+          <p:cNvPr id="5" name="Date Placeholder 3"/>
           <p:cNvSpPr>
             <a:spLocks noGrp="1"/>
           </p:cNvSpPr>
@@ -2527,11 +2760,20 @@
         <p:spPr/>
         <p:txBody>
           <a:bodyPr/>
-          <a:lstStyle/>
-          <a:p>
-            <a:fld id="{101EDA51-A5C5-430F-BD12-83207315C1AE}" type="datetimeFigureOut">
-              <a:rPr lang="en-US" smtClean="0"/>
-              <a:pPr/>
+          <a:lstStyle>
+            <a:lvl1pPr>
+              <a:defRPr/>
+            </a:lvl1pPr>
+          </a:lstStyle>
+          <a:p>
+            <a:pPr>
+              <a:defRPr/>
+            </a:pPr>
+            <a:fld id="{07449780-C897-43FF-9997-243FCFFF7BED}" type="datetimeFigureOut">
+              <a:rPr lang="en-US"/>
+              <a:pPr>
+                <a:defRPr/>
+              </a:pPr>
               <a:t>2/8/2012</a:t>
             </a:fld>
             <a:endParaRPr lang="en-US"/>
@@ -2540,7 +2782,7 @@
       </p:sp>
       <p:sp>
         <p:nvSpPr>
-          <p:cNvPr id="6" name="Footer Placeholder 5"/>
+          <p:cNvPr id="6" name="Footer Placeholder 4"/>
           <p:cNvSpPr>
             <a:spLocks noGrp="1"/>
           </p:cNvSpPr>
@@ -2551,15 +2793,22 @@
         <p:spPr/>
         <p:txBody>
           <a:bodyPr/>
-          <a:lstStyle/>
-          <a:p>
+          <a:lstStyle>
+            <a:lvl1pPr>
+              <a:defRPr/>
+            </a:lvl1pPr>
+          </a:lstStyle>
+          <a:p>
+            <a:pPr>
+              <a:defRPr/>
+            </a:pPr>
             <a:endParaRPr lang="en-US"/>
           </a:p>
         </p:txBody>
       </p:sp>
       <p:sp>
         <p:nvSpPr>
-          <p:cNvPr id="7" name="Slide Number Placeholder 6"/>
+          <p:cNvPr id="7" name="Slide Number Placeholder 5"/>
           <p:cNvSpPr>
             <a:spLocks noGrp="1"/>
           </p:cNvSpPr>
@@ -2570,11 +2819,20 @@
         <p:spPr/>
         <p:txBody>
           <a:bodyPr/>
-          <a:lstStyle/>
-          <a:p>
-            <a:fld id="{5E205ADD-33D6-4E1A-9BF7-DAA7291D332D}" type="slidenum">
-              <a:rPr lang="en-US" smtClean="0"/>
-              <a:pPr/>
+          <a:lstStyle>
+            <a:lvl1pPr>
+              <a:defRPr/>
+            </a:lvl1pPr>
+          </a:lstStyle>
+          <a:p>
+            <a:pPr>
+              <a:defRPr/>
+            </a:pPr>
+            <a:fld id="{ABE54545-7366-48F9-A7DF-D970316D0C36}" type="slidenum">
+              <a:rPr lang="en-US"/>
+              <a:pPr>
+                <a:defRPr/>
+              </a:pPr>
               <a:t>‹#›</a:t>
             </a:fld>
             <a:endParaRPr lang="en-US"/>
@@ -2582,11 +2840,6 @@
         </p:txBody>
       </p:sp>
     </p:spTree>
-    <p:extLst>
-      <p:ext uri="{BB962C8B-B14F-4D97-AF65-F5344CB8AC3E}">
-        <p14:creationId xmlns:p14="http://schemas.microsoft.com/office/powerpoint/2010/main" val="2683831355"/>
-      </p:ext>
-    </p:extLst>
   </p:cSld>
   <p:clrMapOvr>
     <a:masterClrMapping/>
@@ -2618,7 +2871,7 @@
       </p:grpSpPr>
       <p:sp>
         <p:nvSpPr>
-          <p:cNvPr id="2" name="Title Placeholder 1"/>
+          <p:cNvPr id="1026" name="Title Placeholder 1"/>
           <p:cNvSpPr>
             <a:spLocks noGrp="1"/>
           </p:cNvSpPr>
@@ -2626,7 +2879,7 @@
             <p:ph type="title"/>
           </p:nvPr>
         </p:nvSpPr>
-        <p:spPr>
+        <p:spPr bwMode="auto">
           <a:xfrm>
             <a:off x="457200" y="274638"/>
             <a:ext cx="8229600" cy="1143000"/>
@@ -2634,24 +2887,33 @@
           <a:prstGeom prst="rect">
             <a:avLst/>
           </a:prstGeom>
+          <a:noFill/>
+          <a:ln w="9525">
+            <a:noFill/>
+            <a:miter lim="800000"/>
+            <a:headEnd/>
+            <a:tailEnd/>
+          </a:ln>
         </p:spPr>
         <p:txBody>
-          <a:bodyPr vert="horz" lIns="91440" tIns="45720" rIns="91440" bIns="45720" rtlCol="0" anchor="ctr">
-            <a:normAutofit/>
+          <a:bodyPr vert="horz" wrap="square" lIns="91440" tIns="45720" rIns="91440" bIns="45720" numCol="1" anchor="ctr" anchorCtr="0" compatLnSpc="1">
+            <a:prstTxWarp prst="textNoShape">
+              <a:avLst/>
+            </a:prstTxWarp>
           </a:bodyPr>
           <a:lstStyle/>
           <a:p>
+            <a:pPr lvl="0"/>
             <a:r>
               <a:rPr lang="en-US" smtClean="0"/>
               <a:t>Click to edit Master title style</a:t>
             </a:r>
-            <a:endParaRPr lang="en-US"/>
-          </a:p>
-        </p:txBody>
-      </p:sp>
-      <p:sp>
-        <p:nvSpPr>
-          <p:cNvPr id="3" name="Text Placeholder 2"/>
+          </a:p>
+        </p:txBody>
+      </p:sp>
+      <p:sp>
+        <p:nvSpPr>
+          <p:cNvPr id="1027" name="Text Placeholder 2"/>
           <p:cNvSpPr>
             <a:spLocks noGrp="1"/>
           </p:cNvSpPr>
@@ -2659,7 +2921,7 @@
             <p:ph type="body" idx="1"/>
           </p:nvPr>
         </p:nvSpPr>
-        <p:spPr>
+        <p:spPr bwMode="auto">
           <a:xfrm>
             <a:off x="457200" y="1600200"/>
             <a:ext cx="8229600" cy="4525963"/>
@@ -2667,10 +2929,19 @@
           <a:prstGeom prst="rect">
             <a:avLst/>
           </a:prstGeom>
+          <a:noFill/>
+          <a:ln w="9525">
+            <a:noFill/>
+            <a:miter lim="800000"/>
+            <a:headEnd/>
+            <a:tailEnd/>
+          </a:ln>
         </p:spPr>
         <p:txBody>
-          <a:bodyPr vert="horz" lIns="91440" tIns="45720" rIns="91440" bIns="45720" rtlCol="0">
-            <a:normAutofit/>
+          <a:bodyPr vert="horz" wrap="square" lIns="91440" tIns="45720" rIns="91440" bIns="45720" numCol="1" anchor="t" anchorCtr="0" compatLnSpc="1">
+            <a:prstTxWarp prst="textNoShape">
+              <a:avLst/>
+            </a:prstTxWarp>
           </a:bodyPr>
           <a:lstStyle/>
           <a:p>
@@ -2707,7 +2978,6 @@
               <a:rPr lang="en-US" smtClean="0"/>
               <a:t>Fifth level</a:t>
             </a:r>
-            <a:endParaRPr lang="en-US"/>
           </a:p>
         </p:txBody>
       </p:sp>
@@ -2733,20 +3003,32 @@
         <p:txBody>
           <a:bodyPr vert="horz" lIns="91440" tIns="45720" rIns="91440" bIns="45720" rtlCol="0" anchor="ctr"/>
           <a:lstStyle>
-            <a:lvl1pPr algn="l">
-              <a:defRPr sz="1200">
+            <a:lvl1pPr algn="l" fontAlgn="auto">
+              <a:spcBef>
+                <a:spcPts val="0"/>
+              </a:spcBef>
+              <a:spcAft>
+                <a:spcPts val="0"/>
+              </a:spcAft>
+              <a:defRPr sz="1200" smtClean="0">
                 <a:solidFill>
                   <a:schemeClr val="tx1">
                     <a:tint val="75000"/>
                   </a:schemeClr>
                 </a:solidFill>
+                <a:latin typeface="+mn-lt"/>
               </a:defRPr>
             </a:lvl1pPr>
           </a:lstStyle>
           <a:p>
-            <a:fld id="{101EDA51-A5C5-430F-BD12-83207315C1AE}" type="datetimeFigureOut">
-              <a:rPr lang="en-US" smtClean="0"/>
-              <a:pPr/>
+            <a:pPr>
+              <a:defRPr/>
+            </a:pPr>
+            <a:fld id="{EB43220F-755B-4D30-AB52-D7AB75D8888A}" type="datetimeFigureOut">
+              <a:rPr lang="en-US"/>
+              <a:pPr>
+                <a:defRPr/>
+              </a:pPr>
               <a:t>2/8/2012</a:t>
             </a:fld>
             <a:endParaRPr lang="en-US"/>
@@ -2775,17 +3057,27 @@
         <p:txBody>
           <a:bodyPr vert="horz" lIns="91440" tIns="45720" rIns="91440" bIns="45720" rtlCol="0" anchor="ctr"/>
           <a:lstStyle>
-            <a:lvl1pPr algn="ctr">
+            <a:lvl1pPr algn="ctr" fontAlgn="auto">
+              <a:spcBef>
+                <a:spcPts val="0"/>
+              </a:spcBef>
+              <a:spcAft>
+                <a:spcPts val="0"/>
+              </a:spcAft>
               <a:defRPr sz="1200">
                 <a:solidFill>
                   <a:schemeClr val="tx1">
                     <a:tint val="75000"/>
                   </a:schemeClr>
                 </a:solidFill>
+                <a:latin typeface="+mn-lt"/>
               </a:defRPr>
             </a:lvl1pPr>
           </a:lstStyle>
           <a:p>
+            <a:pPr>
+              <a:defRPr/>
+            </a:pPr>
             <a:endParaRPr lang="en-US"/>
           </a:p>
         </p:txBody>
@@ -2812,20 +3104,32 @@
         <p:txBody>
           <a:bodyPr vert="horz" lIns="91440" tIns="45720" rIns="91440" bIns="45720" rtlCol="0" anchor="ctr"/>
           <a:lstStyle>
-            <a:lvl1pPr algn="r">
-              <a:defRPr sz="1200">
+            <a:lvl1pPr algn="r" fontAlgn="auto">
+              <a:spcBef>
+                <a:spcPts val="0"/>
+              </a:spcBef>
+              <a:spcAft>
+                <a:spcPts val="0"/>
+              </a:spcAft>
+              <a:defRPr sz="1200" smtClean="0">
                 <a:solidFill>
                   <a:schemeClr val="tx1">
                     <a:tint val="75000"/>
                   </a:schemeClr>
                 </a:solidFill>
+                <a:latin typeface="+mn-lt"/>
               </a:defRPr>
             </a:lvl1pPr>
           </a:lstStyle>
           <a:p>
-            <a:fld id="{5E205ADD-33D6-4E1A-9BF7-DAA7291D332D}" type="slidenum">
-              <a:rPr lang="en-US" smtClean="0"/>
-              <a:pPr/>
+            <a:pPr>
+              <a:defRPr/>
+            </a:pPr>
+            <a:fld id="{5EABD617-8943-4018-B150-60BB00C52DEA}" type="slidenum">
+              <a:rPr lang="en-US"/>
+              <a:pPr>
+                <a:defRPr/>
+              </a:pPr>
               <a:t>‹#›</a:t>
             </a:fld>
             <a:endParaRPr lang="en-US"/>
@@ -2833,11 +3137,6 @@
         </p:txBody>
       </p:sp>
     </p:spTree>
-    <p:extLst>
-      <p:ext uri="{BB962C8B-B14F-4D97-AF65-F5344CB8AC3E}">
-        <p14:creationId xmlns:p14="http://schemas.microsoft.com/office/powerpoint/2010/main" val="3957267946"/>
-      </p:ext>
-    </p:extLst>
   </p:cSld>
   <p:clrMap bg1="lt1" tx1="dk1" bg2="lt2" tx2="dk2" accent1="accent1" accent2="accent2" accent3="accent3" accent4="accent4" accent5="accent5" accent6="accent6" hlink="hlink" folHlink="folHlink"/>
   <p:sldLayoutIdLst>
@@ -2855,11 +3154,13 @@
   </p:sldLayoutIdLst>
   <p:txStyles>
     <p:titleStyle>
-      <a:lvl1pPr algn="ctr" defTabSz="914400" rtl="0" eaLnBrk="1" latinLnBrk="0" hangingPunct="1">
+      <a:lvl1pPr algn="ctr" rtl="0" fontAlgn="base">
         <a:spcBef>
           <a:spcPct val="0"/>
         </a:spcBef>
-        <a:buNone/>
+        <a:spcAft>
+          <a:spcPct val="0"/>
+        </a:spcAft>
         <a:defRPr sz="4400" kern="1200">
           <a:solidFill>
             <a:schemeClr val="tx1"/>
@@ -2869,13 +3170,128 @@
           <a:cs typeface="+mj-cs"/>
         </a:defRPr>
       </a:lvl1pPr>
+      <a:lvl2pPr algn="ctr" rtl="0" fontAlgn="base">
+        <a:spcBef>
+          <a:spcPct val="0"/>
+        </a:spcBef>
+        <a:spcAft>
+          <a:spcPct val="0"/>
+        </a:spcAft>
+        <a:defRPr sz="4400">
+          <a:solidFill>
+            <a:schemeClr val="tx1"/>
+          </a:solidFill>
+          <a:latin typeface="Calibri" pitchFamily="34" charset="0"/>
+        </a:defRPr>
+      </a:lvl2pPr>
+      <a:lvl3pPr algn="ctr" rtl="0" fontAlgn="base">
+        <a:spcBef>
+          <a:spcPct val="0"/>
+        </a:spcBef>
+        <a:spcAft>
+          <a:spcPct val="0"/>
+        </a:spcAft>
+        <a:defRPr sz="4400">
+          <a:solidFill>
+            <a:schemeClr val="tx1"/>
+          </a:solidFill>
+          <a:latin typeface="Calibri" pitchFamily="34" charset="0"/>
+        </a:defRPr>
+      </a:lvl3pPr>
+      <a:lvl4pPr algn="ctr" rtl="0" fontAlgn="base">
+        <a:spcBef>
+          <a:spcPct val="0"/>
+        </a:spcBef>
+        <a:spcAft>
+          <a:spcPct val="0"/>
+        </a:spcAft>
+        <a:defRPr sz="4400">
+          <a:solidFill>
+            <a:schemeClr val="tx1"/>
+          </a:solidFill>
+          <a:latin typeface="Calibri" pitchFamily="34" charset="0"/>
+        </a:defRPr>
+      </a:lvl4pPr>
+      <a:lvl5pPr algn="ctr" rtl="0" fontAlgn="base">
+        <a:spcBef>
+          <a:spcPct val="0"/>
+        </a:spcBef>
+        <a:spcAft>
+          <a:spcPct val="0"/>
+        </a:spcAft>
+        <a:defRPr sz="4400">
+          <a:solidFill>
+            <a:schemeClr val="tx1"/>
+          </a:solidFill>
+          <a:latin typeface="Calibri" pitchFamily="34" charset="0"/>
+        </a:defRPr>
+      </a:lvl5pPr>
+      <a:lvl6pPr marL="457200" algn="ctr" rtl="0" fontAlgn="base">
+        <a:spcBef>
+          <a:spcPct val="0"/>
+        </a:spcBef>
+        <a:spcAft>
+          <a:spcPct val="0"/>
+        </a:spcAft>
+        <a:defRPr sz="4400">
+          <a:solidFill>
+            <a:schemeClr val="tx1"/>
+          </a:solidFill>
+          <a:latin typeface="Calibri" pitchFamily="34" charset="0"/>
+        </a:defRPr>
+      </a:lvl6pPr>
+      <a:lvl7pPr marL="914400" algn="ctr" rtl="0" fontAlgn="base">
+        <a:spcBef>
+          <a:spcPct val="0"/>
+        </a:spcBef>
+        <a:spcAft>
+          <a:spcPct val="0"/>
+        </a:spcAft>
+        <a:defRPr sz="4400">
+          <a:solidFill>
+            <a:schemeClr val="tx1"/>
+          </a:solidFill>
+          <a:latin typeface="Calibri" pitchFamily="34" charset="0"/>
+        </a:defRPr>
+      </a:lvl7pPr>
+      <a:lvl8pPr marL="1371600" algn="ctr" rtl="0" fontAlgn="base">
+        <a:spcBef>
+          <a:spcPct val="0"/>
+        </a:spcBef>
+        <a:spcAft>
+          <a:spcPct val="0"/>
+        </a:spcAft>
+        <a:defRPr sz="4400">
+          <a:solidFill>
+            <a:schemeClr val="tx1"/>
+          </a:solidFill>
+          <a:latin typeface="Calibri" pitchFamily="34" charset="0"/>
+        </a:defRPr>
+      </a:lvl8pPr>
+      <a:lvl9pPr marL="1828800" algn="ctr" rtl="0" fontAlgn="base">
+        <a:spcBef>
+          <a:spcPct val="0"/>
+        </a:spcBef>
+        <a:spcAft>
+          <a:spcPct val="0"/>
+        </a:spcAft>
+        <a:defRPr sz="4400">
+          <a:solidFill>
+            <a:schemeClr val="tx1"/>
+          </a:solidFill>
+          <a:latin typeface="Calibri" pitchFamily="34" charset="0"/>
+        </a:defRPr>
+      </a:lvl9pPr>
     </p:titleStyle>
     <p:bodyStyle>
-      <a:lvl1pPr marL="342900" indent="-342900" algn="l" defTabSz="914400" rtl="0" eaLnBrk="1" latinLnBrk="0" hangingPunct="1">
+      <a:lvl1pPr marL="342900" indent="-342900" algn="l" rtl="0" fontAlgn="base">
         <a:spcBef>
           <a:spcPct val="20000"/>
         </a:spcBef>
-        <a:buFont typeface="Arial" pitchFamily="34" charset="0"/>
+        <a:spcAft>
+          <a:spcPct val="0"/>
+        </a:spcAft>
+        <a:buFont typeface="Arial" charset="0"/>
         <a:buChar char="•"/>
         <a:defRPr sz="3200" kern="1200">
           <a:solidFill>
@@ -2886,11 +3302,14 @@
           <a:cs typeface="+mn-cs"/>
         </a:defRPr>
       </a:lvl1pPr>
-      <a:lvl2pPr marL="742950" indent="-285750" algn="l" defTabSz="914400" rtl="0" eaLnBrk="1" latinLnBrk="0" hangingPunct="1">
+      <a:lvl2pPr marL="742950" indent="-285750" algn="l" rtl="0" fontAlgn="base">
         <a:spcBef>
           <a:spcPct val="20000"/>
         </a:spcBef>
-        <a:buFont typeface="Arial" pitchFamily="34" charset="0"/>
+        <a:spcAft>
+          <a:spcPct val="0"/>
+        </a:spcAft>
+        <a:buFont typeface="Arial" charset="0"/>
         <a:buChar char="–"/>
         <a:defRPr sz="2800" kern="1200">
           <a:solidFill>
@@ -2901,11 +3320,14 @@
           <a:cs typeface="+mn-cs"/>
         </a:defRPr>
       </a:lvl2pPr>
-      <a:lvl3pPr marL="1143000" indent="-228600" algn="l" defTabSz="914400" rtl="0" eaLnBrk="1" latinLnBrk="0" hangingPunct="1">
+      <a:lvl3pPr marL="1143000" indent="-228600" algn="l" rtl="0" fontAlgn="base">
         <a:spcBef>
           <a:spcPct val="20000"/>
         </a:spcBef>
-        <a:buFont typeface="Arial" pitchFamily="34" charset="0"/>
+        <a:spcAft>
+          <a:spcPct val="0"/>
+        </a:spcAft>
+        <a:buFont typeface="Arial" charset="0"/>
         <a:buChar char="•"/>
         <a:defRPr sz="2400" kern="1200">
           <a:solidFill>
@@ -2916,11 +3338,14 @@
           <a:cs typeface="+mn-cs"/>
         </a:defRPr>
       </a:lvl3pPr>
-      <a:lvl4pPr marL="1600200" indent="-228600" algn="l" defTabSz="914400" rtl="0" eaLnBrk="1" latinLnBrk="0" hangingPunct="1">
+      <a:lvl4pPr marL="1600200" indent="-228600" algn="l" rtl="0" fontAlgn="base">
         <a:spcBef>
           <a:spcPct val="20000"/>
         </a:spcBef>
-        <a:buFont typeface="Arial" pitchFamily="34" charset="0"/>
+        <a:spcAft>
+          <a:spcPct val="0"/>
+        </a:spcAft>
+        <a:buFont typeface="Arial" charset="0"/>
         <a:buChar char="–"/>
         <a:defRPr sz="2000" kern="1200">
           <a:solidFill>
@@ -2931,11 +3356,14 @@
           <a:cs typeface="+mn-cs"/>
         </a:defRPr>
       </a:lvl4pPr>
-      <a:lvl5pPr marL="2057400" indent="-228600" algn="l" defTabSz="914400" rtl="0" eaLnBrk="1" latinLnBrk="0" hangingPunct="1">
+      <a:lvl5pPr marL="2057400" indent="-228600" algn="l" rtl="0" fontAlgn="base">
         <a:spcBef>
           <a:spcPct val="20000"/>
         </a:spcBef>
-        <a:buFont typeface="Arial" pitchFamily="34" charset="0"/>
+        <a:spcAft>
+          <a:spcPct val="0"/>
+        </a:spcAft>
+        <a:buFont typeface="Arial" charset="0"/>
         <a:buChar char="»"/>
         <a:defRPr sz="2000" kern="1200">
           <a:solidFill>
@@ -3135,9 +3563,17 @@
         </p:nvSpPr>
         <p:spPr/>
         <p:txBody>
-          <a:bodyPr/>
+          <a:bodyPr rtlCol="0">
+            <a:normAutofit/>
+          </a:bodyPr>
           <a:lstStyle/>
           <a:p>
+            <a:pPr fontAlgn="auto">
+              <a:spcAft>
+                <a:spcPts val="0"/>
+              </a:spcAft>
+              <a:defRPr/>
+            </a:pPr>
             <a:r>
               <a:rPr lang="en-US" dirty="0" smtClean="0">
                 <a:ln>
@@ -3252,12 +3688,21 @@
             <a:off x="1371600" y="3962400"/>
             <a:ext cx="6400800" cy="1752600"/>
           </a:xfrm>
-          <a:noFill/>
         </p:spPr>
         <p:txBody>
-          <a:bodyPr/>
+          <a:bodyPr rtlCol="0">
+            <a:normAutofit/>
+          </a:bodyPr>
           <a:lstStyle/>
           <a:p>
+            <a:pPr fontAlgn="auto">
+              <a:spcAft>
+                <a:spcPts val="0"/>
+              </a:spcAft>
+              <a:buFont typeface="Arial" pitchFamily="34" charset="0"/>
+              <a:buNone/>
+              <a:defRPr/>
+            </a:pPr>
             <a:r>
               <a:rPr lang="en-US" i="1" dirty="0" smtClean="0">
                 <a:solidFill>
@@ -3319,13 +3764,13 @@
       </p:sp>
       <p:sp>
         <p:nvSpPr>
-          <p:cNvPr id="4" name="Title 14"/>
+          <p:cNvPr id="13315" name="Title 14"/>
           <p:cNvSpPr txBox="1">
             <a:spLocks/>
           </p:cNvSpPr>
           <p:nvPr/>
         </p:nvSpPr>
-        <p:spPr>
+        <p:spPr bwMode="auto">
           <a:xfrm>
             <a:off x="1295400" y="76200"/>
             <a:ext cx="5029200" cy="609600"/>
@@ -3333,29 +3778,22 @@
           <a:prstGeom prst="rect">
             <a:avLst/>
           </a:prstGeom>
+          <a:noFill/>
+          <a:ln w="9525">
+            <a:noFill/>
+            <a:miter lim="800000"/>
+            <a:headEnd/>
+            <a:tailEnd/>
+          </a:ln>
         </p:spPr>
         <p:txBody>
-          <a:bodyPr vert="horz" lIns="91440" tIns="45720" rIns="91440" bIns="45720" rtlCol="0" anchor="ctr">
-            <a:normAutofit/>
-          </a:bodyPr>
-          <a:lstStyle>
-            <a:lvl1pPr algn="ctr" defTabSz="914400" rtl="0" eaLnBrk="1" latinLnBrk="0" hangingPunct="1">
-              <a:spcBef>
-                <a:spcPct val="0"/>
-              </a:spcBef>
-              <a:buNone/>
-              <a:defRPr sz="4400" kern="1200">
-                <a:solidFill>
-                  <a:schemeClr val="tx1"/>
-                </a:solidFill>
-                <a:latin typeface="+mj-lt"/>
-                <a:ea typeface="+mj-ea"/>
-                <a:cs typeface="+mj-cs"/>
-              </a:defRPr>
-            </a:lvl1pPr>
-          </a:lstStyle>
-          <a:p>
-            <a:endParaRPr lang="en-US" sz="2800" u="sng" dirty="0"/>
+          <a:bodyPr anchor="ctr"/>
+          <a:lstStyle/>
+          <a:p>
+            <a:pPr algn="ctr"/>
+            <a:endParaRPr lang="en-US" sz="2800" u="sng">
+              <a:latin typeface="Calibri" pitchFamily="34" charset="0"/>
+            </a:endParaRPr>
           </a:p>
         </p:txBody>
       </p:sp>
@@ -3368,13 +3806,7 @@
           <p:nvPr/>
         </p:nvPicPr>
         <p:blipFill>
-          <a:blip r:embed="rId2" cstate="print">
-            <a:extLst>
-              <a:ext uri="{28A0092B-C50C-407E-A947-70E740481C1C}">
-                <a14:useLocalDpi xmlns:a14="http://schemas.microsoft.com/office/drawing/2010/main" val="0"/>
-              </a:ext>
-            </a:extLst>
-          </a:blip>
+          <a:blip r:embed="rId2"/>
           <a:srcRect/>
           <a:stretch>
             <a:fillRect/>
@@ -3399,23 +3831,8 @@
             </a:outerShdw>
           </a:effectLst>
           <a:extLst>
-            <a:ext uri="{909E8E84-426E-40DD-AFC4-6F175D3DCCD1}">
-              <a14:hiddenFill xmlns:a14="http://schemas.microsoft.com/office/drawing/2010/main">
-                <a:solidFill>
-                  <a:schemeClr val="accent1"/>
-                </a:solidFill>
-              </a14:hiddenFill>
-            </a:ext>
-            <a:ext uri="{91240B29-F687-4F45-9708-019B960494DF}">
-              <a14:hiddenLine xmlns:a14="http://schemas.microsoft.com/office/drawing/2010/main" w="9525">
-                <a:solidFill>
-                  <a:schemeClr val="tx1"/>
-                </a:solidFill>
-                <a:miter lim="800000"/>
-                <a:headEnd/>
-                <a:tailEnd/>
-              </a14:hiddenLine>
-            </a:ext>
+            <a:ext uri="{909E8E84-426E-40DD-AFC4-6F175D3DCCD1}"/>
+            <a:ext uri="{91240B29-F687-4F45-9708-019B960494DF}"/>
           </a:extLst>
         </p:spPr>
       </p:pic>
@@ -3441,42 +3858,23 @@
           </a:ln>
           <a:effectLst/>
           <a:extLst>
-            <a:ext uri="{909E8E84-426E-40DD-AFC4-6F175D3DCCD1}">
-              <a14:hiddenFill xmlns:a14="http://schemas.microsoft.com/office/drawing/2010/main">
-                <a:solidFill>
-                  <a:schemeClr val="accent1"/>
-                </a:solidFill>
-              </a14:hiddenFill>
-            </a:ext>
-            <a:ext uri="{91240B29-F687-4F45-9708-019B960494DF}">
-              <a14:hiddenLine xmlns:a14="http://schemas.microsoft.com/office/drawing/2010/main" w="9525">
-                <a:solidFill>
-                  <a:schemeClr val="tx1"/>
-                </a:solidFill>
-                <a:miter lim="800000"/>
-                <a:headEnd/>
-                <a:tailEnd/>
-              </a14:hiddenLine>
-            </a:ext>
-            <a:ext uri="{AF507438-7753-43E0-B8FC-AC1667EBCBE1}">
-              <a14:hiddenEffects xmlns:a14="http://schemas.microsoft.com/office/drawing/2010/main">
-                <a:effectLst>
-                  <a:outerShdw dist="35921" dir="2700000" algn="ctr" rotWithShape="0">
-                    <a:schemeClr val="bg2"/>
-                  </a:outerShdw>
-                </a:effectLst>
-              </a14:hiddenEffects>
-            </a:ext>
+            <a:ext uri="{909E8E84-426E-40DD-AFC4-6F175D3DCCD1}"/>
+            <a:ext uri="{91240B29-F687-4F45-9708-019B960494DF}"/>
+            <a:ext uri="{AF507438-7753-43E0-B8FC-AC1667EBCBE1}"/>
           </a:extLst>
         </p:spPr>
         <p:txBody>
           <a:bodyPr/>
           <a:lstStyle/>
           <a:p>
-            <a:pPr marL="342900" indent="-342900">
+            <a:pPr marL="342900" indent="-342900" fontAlgn="auto">
               <a:spcBef>
                 <a:spcPct val="20000"/>
               </a:spcBef>
+              <a:spcAft>
+                <a:spcPts val="0"/>
+              </a:spcAft>
+              <a:defRPr/>
             </a:pPr>
             <a:r>
               <a:rPr lang="en-US" sz="2400" b="1" dirty="0">
@@ -3496,6 +3894,7 @@
                     </a:srgbClr>
                   </a:outerShdw>
                 </a:effectLst>
+                <a:latin typeface="+mn-lt"/>
               </a:rPr>
               <a:t>Team-9</a:t>
             </a:r>
@@ -3580,8 +3979,10 @@
       </p:cxnSp>
       <p:cxnSp>
         <p:nvCxnSpPr>
-          <p:cNvPr id="9" name="Straight Connector 8"/>
-          <p:cNvCxnSpPr/>
+          <p:cNvPr id="13320" name="Straight Connector 8"/>
+          <p:cNvCxnSpPr>
+            <a:cxnSpLocks noChangeShapeType="1"/>
+          </p:cNvCxnSpPr>
           <p:nvPr/>
         </p:nvCxnSpPr>
         <p:spPr bwMode="auto">
@@ -3592,36 +3993,23 @@
           <a:prstGeom prst="line">
             <a:avLst/>
           </a:prstGeom>
-          <a:solidFill>
-            <a:schemeClr val="accent1"/>
-          </a:solidFill>
-          <a:ln w="53975" cap="flat" cmpd="sng" algn="ctr">
+          <a:noFill/>
+          <a:ln w="53975" algn="ctr">
             <a:solidFill>
               <a:schemeClr val="accent2"/>
             </a:solidFill>
-            <a:prstDash val="solid"/>
             <a:round/>
-            <a:headEnd type="none" w="med" len="med"/>
-            <a:tailEnd type="none" w="med" len="med"/>
+            <a:headEnd/>
+            <a:tailEnd/>
           </a:ln>
-          <a:effectLst/>
-          <a:extLst>
-            <a:ext uri="{AF507438-7753-43E0-B8FC-AC1667EBCBE1}">
-              <a14:hiddenEffects xmlns:a14="http://schemas.microsoft.com/office/drawing/2010/main">
-                <a:effectLst>
-                  <a:outerShdw dist="35921" dir="2700000" algn="ctr" rotWithShape="0">
-                    <a:schemeClr val="bg2"/>
-                  </a:outerShdw>
-                </a:effectLst>
-              </a14:hiddenEffects>
-            </a:ext>
-          </a:extLst>
         </p:spPr>
       </p:cxnSp>
       <p:cxnSp>
         <p:nvCxnSpPr>
-          <p:cNvPr id="10" name="Straight Connector 9"/>
-          <p:cNvCxnSpPr/>
+          <p:cNvPr id="13321" name="Straight Connector 9"/>
+          <p:cNvCxnSpPr>
+            <a:cxnSpLocks noChangeShapeType="1"/>
+          </p:cNvCxnSpPr>
           <p:nvPr/>
         </p:nvCxnSpPr>
         <p:spPr bwMode="auto">
@@ -3632,38 +4020,18 @@
           <a:prstGeom prst="line">
             <a:avLst/>
           </a:prstGeom>
-          <a:solidFill>
-            <a:schemeClr val="accent1"/>
-          </a:solidFill>
-          <a:ln w="53975" cap="flat" cmpd="sng" algn="ctr">
+          <a:noFill/>
+          <a:ln w="53975" algn="ctr">
             <a:solidFill>
               <a:schemeClr val="tx2"/>
             </a:solidFill>
-            <a:prstDash val="solid"/>
             <a:round/>
-            <a:headEnd type="none" w="med" len="med"/>
-            <a:tailEnd type="none" w="med" len="med"/>
+            <a:headEnd/>
+            <a:tailEnd/>
           </a:ln>
-          <a:effectLst/>
-          <a:extLst>
-            <a:ext uri="{AF507438-7753-43E0-B8FC-AC1667EBCBE1}">
-              <a14:hiddenEffects xmlns:a14="http://schemas.microsoft.com/office/drawing/2010/main">
-                <a:effectLst>
-                  <a:outerShdw dist="35921" dir="2700000" algn="ctr" rotWithShape="0">
-                    <a:schemeClr val="bg2"/>
-                  </a:outerShdw>
-                </a:effectLst>
-              </a14:hiddenEffects>
-            </a:ext>
-          </a:extLst>
         </p:spPr>
       </p:cxnSp>
     </p:spTree>
-    <p:extLst>
-      <p:ext uri="{BB962C8B-B14F-4D97-AF65-F5344CB8AC3E}">
-        <p14:creationId xmlns:p14="http://schemas.microsoft.com/office/powerpoint/2010/main" val="2555425040"/>
-      </p:ext>
-    </p:extLst>
   </p:cSld>
   <p:clrMapOvr>
     <a:masterClrMapping/>
@@ -3697,7 +4065,7 @@
       </p:grpSpPr>
       <p:sp>
         <p:nvSpPr>
-          <p:cNvPr id="2" name="Title 1"/>
+          <p:cNvPr id="14337" name="Title 1"/>
           <p:cNvSpPr>
             <a:spLocks noGrp="1"/>
           </p:cNvSpPr>
@@ -3710,7 +4078,7 @@
           <a:bodyPr/>
           <a:lstStyle/>
           <a:p>
-            <a:endParaRPr lang="en-US" dirty="0"/>
+            <a:endParaRPr lang="en-US" smtClean="0"/>
           </a:p>
         </p:txBody>
       </p:sp>
@@ -3726,9 +4094,19 @@
         </p:nvSpPr>
         <p:spPr/>
         <p:txBody>
-          <a:bodyPr/>
+          <a:bodyPr rtlCol="0">
+            <a:normAutofit/>
+          </a:bodyPr>
           <a:lstStyle/>
           <a:p>
+            <a:pPr fontAlgn="auto">
+              <a:spcAft>
+                <a:spcPts val="0"/>
+              </a:spcAft>
+              <a:buFont typeface="Arial" pitchFamily="34" charset="0"/>
+              <a:buNone/>
+              <a:defRPr/>
+            </a:pPr>
             <a:endParaRPr lang="en-US"/>
           </a:p>
         </p:txBody>
@@ -3751,9 +4129,7 @@
           </a:prstGeom>
         </p:spPr>
         <p:txBody>
-          <a:bodyPr vert="horz" lIns="91440" tIns="45720" rIns="91440" bIns="45720" rtlCol="0" anchor="ctr">
-            <a:noAutofit/>
-          </a:bodyPr>
+          <a:bodyPr anchor="ctr"/>
           <a:lstStyle>
             <a:lvl1pPr algn="ctr" defTabSz="914400" rtl="0" eaLnBrk="1" latinLnBrk="0" hangingPunct="1">
               <a:spcBef>
@@ -3771,6 +4147,12 @@
             </a:lvl1pPr>
           </a:lstStyle>
           <a:p>
+            <a:pPr fontAlgn="auto">
+              <a:spcAft>
+                <a:spcPts val="0"/>
+              </a:spcAft>
+              <a:defRPr/>
+            </a:pPr>
             <a:r>
               <a:rPr lang="en-US" sz="3600" b="1" u="sng" dirty="0" smtClean="0">
                 <a:ln w="12700">
@@ -3839,45 +4221,26 @@
           </a:ln>
           <a:effectLst/>
           <a:extLst>
-            <a:ext uri="{909E8E84-426E-40DD-AFC4-6F175D3DCCD1}">
-              <a14:hiddenFill xmlns:a14="http://schemas.microsoft.com/office/drawing/2010/main">
-                <a:solidFill>
-                  <a:schemeClr val="accent1"/>
-                </a:solidFill>
-              </a14:hiddenFill>
-            </a:ext>
-            <a:ext uri="{91240B29-F687-4F45-9708-019B960494DF}">
-              <a14:hiddenLine xmlns:a14="http://schemas.microsoft.com/office/drawing/2010/main" w="9525">
-                <a:solidFill>
-                  <a:schemeClr val="tx1"/>
-                </a:solidFill>
-                <a:miter lim="800000"/>
-                <a:headEnd/>
-                <a:tailEnd/>
-              </a14:hiddenLine>
-            </a:ext>
-            <a:ext uri="{AF507438-7753-43E0-B8FC-AC1667EBCBE1}">
-              <a14:hiddenEffects xmlns:a14="http://schemas.microsoft.com/office/drawing/2010/main">
-                <a:effectLst>
-                  <a:outerShdw dist="35921" dir="2700000" algn="ctr" rotWithShape="0">
-                    <a:schemeClr val="bg2"/>
-                  </a:outerShdw>
-                </a:effectLst>
-              </a14:hiddenEffects>
-            </a:ext>
+            <a:ext uri="{909E8E84-426E-40DD-AFC4-6F175D3DCCD1}"/>
+            <a:ext uri="{91240B29-F687-4F45-9708-019B960494DF}"/>
+            <a:ext uri="{AF507438-7753-43E0-B8FC-AC1667EBCBE1}"/>
           </a:extLst>
         </p:spPr>
         <p:txBody>
           <a:bodyPr/>
           <a:lstStyle/>
           <a:p>
-            <a:pPr marL="342900" indent="-342900">
+            <a:pPr marL="342900" indent="-342900" fontAlgn="auto">
               <a:spcBef>
                 <a:spcPct val="20000"/>
               </a:spcBef>
+              <a:spcAft>
+                <a:spcPts val="0"/>
+              </a:spcAft>
+              <a:defRPr/>
             </a:pPr>
             <a:r>
-              <a:rPr lang="en-US" sz="2800" b="1" dirty="0" smtClean="0">
+              <a:rPr lang="en-US" sz="2800" b="1" dirty="0">
                 <a:ln w="12700">
                   <a:solidFill>
                     <a:schemeClr val="tx2"/>
@@ -3894,6 +4257,7 @@
                     </a:srgbClr>
                   </a:outerShdw>
                 </a:effectLst>
+                <a:latin typeface="+mn-lt"/>
               </a:rPr>
               <a:t>Team-9</a:t>
             </a:r>
@@ -3914,6 +4278,7 @@
                   </a:srgbClr>
                 </a:outerShdw>
               </a:effectLst>
+              <a:latin typeface="+mn-lt"/>
             </a:endParaRPr>
           </a:p>
         </p:txBody>
@@ -3926,7 +4291,7 @@
         </p:nvCxnSpPr>
         <p:spPr bwMode="auto">
           <a:xfrm>
-            <a:off x="1078523" y="29308"/>
+            <a:off x="1077913" y="28575"/>
             <a:ext cx="7315200" cy="0"/>
           </a:xfrm>
           <a:prstGeom prst="line">
@@ -3964,7 +4329,7 @@
         </p:nvCxnSpPr>
         <p:spPr bwMode="auto">
           <a:xfrm>
-            <a:off x="1078523" y="105508"/>
+            <a:off x="1077913" y="104775"/>
             <a:ext cx="6477000" cy="0"/>
           </a:xfrm>
           <a:prstGeom prst="line">
@@ -3996,539 +4361,1810 @@
       </p:cxnSp>
       <p:cxnSp>
         <p:nvCxnSpPr>
-          <p:cNvPr id="10" name="Straight Connector 9"/>
-          <p:cNvCxnSpPr/>
+          <p:cNvPr id="14343" name="Straight Connector 9"/>
+          <p:cNvCxnSpPr>
+            <a:cxnSpLocks noChangeShapeType="1"/>
+          </p:cNvCxnSpPr>
           <p:nvPr/>
         </p:nvCxnSpPr>
         <p:spPr bwMode="auto">
           <a:xfrm>
-            <a:off x="87923" y="638908"/>
+            <a:off x="87313" y="638175"/>
             <a:ext cx="0" cy="5715000"/>
           </a:xfrm>
           <a:prstGeom prst="line">
             <a:avLst/>
           </a:prstGeom>
-          <a:solidFill>
-            <a:schemeClr val="accent1"/>
-          </a:solidFill>
-          <a:ln w="53975" cap="flat" cmpd="sng" algn="ctr">
+          <a:noFill/>
+          <a:ln w="53975" algn="ctr">
             <a:solidFill>
               <a:schemeClr val="accent2"/>
             </a:solidFill>
-            <a:prstDash val="solid"/>
             <a:round/>
-            <a:headEnd type="none" w="med" len="med"/>
-            <a:tailEnd type="none" w="med" len="med"/>
+            <a:headEnd/>
+            <a:tailEnd/>
           </a:ln>
-          <a:effectLst/>
-          <a:extLst>
-            <a:ext uri="{AF507438-7753-43E0-B8FC-AC1667EBCBE1}">
-              <a14:hiddenEffects xmlns:a14="http://schemas.microsoft.com/office/drawing/2010/main">
-                <a:effectLst>
-                  <a:outerShdw dist="35921" dir="2700000" algn="ctr" rotWithShape="0">
-                    <a:schemeClr val="bg2"/>
-                  </a:outerShdw>
-                </a:effectLst>
-              </a14:hiddenEffects>
-            </a:ext>
-          </a:extLst>
         </p:spPr>
       </p:cxnSp>
       <p:cxnSp>
         <p:nvCxnSpPr>
-          <p:cNvPr id="11" name="Straight Connector 10"/>
-          <p:cNvCxnSpPr/>
+          <p:cNvPr id="14344" name="Straight Connector 10"/>
+          <p:cNvCxnSpPr>
+            <a:cxnSpLocks noChangeShapeType="1"/>
+          </p:cNvCxnSpPr>
           <p:nvPr/>
         </p:nvCxnSpPr>
         <p:spPr bwMode="auto">
           <a:xfrm>
-            <a:off x="164123" y="638908"/>
+            <a:off x="163513" y="638175"/>
             <a:ext cx="0" cy="5029200"/>
           </a:xfrm>
           <a:prstGeom prst="line">
             <a:avLst/>
           </a:prstGeom>
-          <a:solidFill>
-            <a:schemeClr val="accent1"/>
-          </a:solidFill>
-          <a:ln w="53975" cap="flat" cmpd="sng" algn="ctr">
+          <a:noFill/>
+          <a:ln w="53975" algn="ctr">
             <a:solidFill>
               <a:schemeClr val="tx2"/>
             </a:solidFill>
-            <a:prstDash val="solid"/>
             <a:round/>
-            <a:headEnd type="none" w="med" len="med"/>
-            <a:tailEnd type="none" w="med" len="med"/>
+            <a:headEnd/>
+            <a:tailEnd/>
           </a:ln>
-          <a:effectLst/>
-          <a:extLst>
-            <a:ext uri="{AF507438-7753-43E0-B8FC-AC1667EBCBE1}">
-              <a14:hiddenEffects xmlns:a14="http://schemas.microsoft.com/office/drawing/2010/main">
-                <a:effectLst>
-                  <a:outerShdw dist="35921" dir="2700000" algn="ctr" rotWithShape="0">
-                    <a:schemeClr val="bg2"/>
-                  </a:outerShdw>
-                </a:effectLst>
-              </a14:hiddenEffects>
-            </a:ext>
-          </a:extLst>
         </p:spPr>
       </p:cxnSp>
       <p:graphicFrame>
         <p:nvGraphicFramePr>
-          <p:cNvPr id="12" name="Table 11"/>
+          <p:cNvPr id="14379" name="Group 43"/>
           <p:cNvGraphicFramePr>
             <a:graphicFrameLocks noGrp="1"/>
           </p:cNvGraphicFramePr>
-          <p:nvPr>
-            <p:extLst>
-              <p:ext uri="{D42A27DB-BD31-4B8C-83A1-F6EECF244321}">
-                <p14:modId xmlns:p14="http://schemas.microsoft.com/office/powerpoint/2010/main" val="556944462"/>
-              </p:ext>
-            </p:extLst>
-          </p:nvPr>
+          <p:nvPr/>
         </p:nvGraphicFramePr>
         <p:xfrm>
-          <a:off x="381000" y="739984"/>
-          <a:ext cx="8622322" cy="6041816"/>
+          <a:off x="381000" y="739775"/>
+          <a:ext cx="8621713" cy="6037263"/>
         </p:xfrm>
         <a:graphic>
           <a:graphicData uri="http://schemas.openxmlformats.org/drawingml/2006/table">
             <a:tbl>
-              <a:tblPr firstRow="1" bandRow="1">
-                <a:tableStyleId>{5940675A-B579-460E-94D1-54222C63F5DA}</a:tableStyleId>
-              </a:tblPr>
+              <a:tblPr/>
               <a:tblGrid>
                 <a:gridCol w="2743200"/>
-                <a:gridCol w="5879122"/>
+                <a:gridCol w="5878513"/>
               </a:tblGrid>
-              <a:tr h="487680">
+              <a:tr h="487363">
                 <a:tc>
                   <a:txBody>
                     <a:bodyPr/>
                     <a:lstStyle/>
                     <a:p>
-                      <a:pPr marL="0" marR="0" indent="0" algn="l" defTabSz="914400" rtl="0" eaLnBrk="1" fontAlgn="auto" latinLnBrk="0" hangingPunct="1">
+                      <a:pPr marL="0" marR="0" lvl="0" indent="0" algn="l" defTabSz="914400" rtl="0" eaLnBrk="1" fontAlgn="base" latinLnBrk="0" hangingPunct="1">
                         <a:lnSpc>
                           <a:spcPct val="100000"/>
                         </a:lnSpc>
                         <a:spcBef>
-                          <a:spcPts val="0"/>
+                          <a:spcPct val="0"/>
                         </a:spcBef>
                         <a:spcAft>
-                          <a:spcPts val="0"/>
+                          <a:spcPct val="0"/>
                         </a:spcAft>
                         <a:buClrTx/>
                         <a:buSzTx/>
                         <a:buFontTx/>
                         <a:buNone/>
                         <a:tabLst/>
-                        <a:defRPr/>
                       </a:pPr>
                       <a:r>
-                        <a:rPr lang="en-US" sz="1800" b="1" dirty="0" smtClean="0"/>
+                        <a:rPr kumimoji="0" lang="en-US" sz="1800" b="1" i="0" u="none" strike="noStrike" cap="none" normalizeH="0" baseline="0" smtClean="0">
+                          <a:ln>
+                            <a:noFill/>
+                          </a:ln>
+                          <a:solidFill>
+                            <a:schemeClr val="tx1"/>
+                          </a:solidFill>
+                          <a:effectLst/>
+                          <a:latin typeface="Calibri" pitchFamily="34" charset="0"/>
+                        </a:rPr>
                         <a:t>Jin Cheng Cheng</a:t>
                       </a:r>
                     </a:p>
                     <a:p>
-                      <a:endParaRPr lang="en-US" dirty="0"/>
+                      <a:pPr marL="0" marR="0" lvl="0" indent="0" algn="l" defTabSz="914400" rtl="0" eaLnBrk="1" fontAlgn="base" latinLnBrk="0" hangingPunct="1">
+                        <a:lnSpc>
+                          <a:spcPct val="100000"/>
+                        </a:lnSpc>
+                        <a:spcBef>
+                          <a:spcPct val="0"/>
+                        </a:spcBef>
+                        <a:spcAft>
+                          <a:spcPct val="0"/>
+                        </a:spcAft>
+                        <a:buClrTx/>
+                        <a:buSzTx/>
+                        <a:buFontTx/>
+                        <a:buNone/>
+                        <a:tabLst/>
+                      </a:pPr>
+                      <a:endParaRPr kumimoji="0" lang="en-US" sz="1800" b="0" i="0" u="none" strike="noStrike" cap="none" normalizeH="0" baseline="0" smtClean="0">
+                        <a:ln>
+                          <a:noFill/>
+                        </a:ln>
+                        <a:solidFill>
+                          <a:schemeClr val="tx1"/>
+                        </a:solidFill>
+                        <a:effectLst/>
+                        <a:latin typeface="Calibri" pitchFamily="34" charset="0"/>
+                      </a:endParaRPr>
                     </a:p>
                   </a:txBody>
-                  <a:tcPr/>
+                  <a:tcPr horzOverflow="overflow">
+                    <a:lnL w="12700" cap="flat" cmpd="sng" algn="ctr">
+                      <a:solidFill>
+                        <a:schemeClr val="tx1"/>
+                      </a:solidFill>
+                      <a:prstDash val="solid"/>
+                      <a:round/>
+                      <a:headEnd type="none" w="med" len="med"/>
+                      <a:tailEnd type="none" w="med" len="med"/>
+                    </a:lnL>
+                    <a:lnR w="12700" cap="flat" cmpd="sng" algn="ctr">
+                      <a:solidFill>
+                        <a:schemeClr val="tx1"/>
+                      </a:solidFill>
+                      <a:prstDash val="solid"/>
+                      <a:round/>
+                      <a:headEnd type="none" w="med" len="med"/>
+                      <a:tailEnd type="none" w="med" len="med"/>
+                    </a:lnR>
+                    <a:lnT w="12700" cap="flat" cmpd="sng" algn="ctr">
+                      <a:solidFill>
+                        <a:schemeClr val="tx1"/>
+                      </a:solidFill>
+                      <a:prstDash val="solid"/>
+                      <a:round/>
+                      <a:headEnd type="none" w="med" len="med"/>
+                      <a:tailEnd type="none" w="med" len="med"/>
+                    </a:lnT>
+                    <a:lnB w="12700" cap="flat" cmpd="sng" algn="ctr">
+                      <a:solidFill>
+                        <a:schemeClr val="tx1"/>
+                      </a:solidFill>
+                      <a:prstDash val="solid"/>
+                      <a:round/>
+                      <a:headEnd type="none" w="med" len="med"/>
+                      <a:tailEnd type="none" w="med" len="med"/>
+                    </a:lnB>
+                    <a:lnTlToBr>
+                      <a:noFill/>
+                    </a:lnTlToBr>
+                    <a:lnBlToTr>
+                      <a:noFill/>
+                    </a:lnBlToTr>
+                    <a:noFill/>
+                  </a:tcPr>
                 </a:tc>
                 <a:tc>
                   <a:txBody>
                     <a:bodyPr/>
                     <a:lstStyle/>
                     <a:p>
-                      <a:r>
-                        <a:rPr lang="en-US" dirty="0" smtClean="0"/>
-                        <a:t>Analysis, Design, Model , Control, Testing,</a:t>
-                      </a:r>
-                      <a:r>
-                        <a:rPr lang="en-US" baseline="0" dirty="0" smtClean="0"/>
-                        <a:t> </a:t>
-                      </a:r>
-                      <a:r>
-                        <a:rPr lang="en-US" baseline="0" smtClean="0"/>
-                        <a:t>User Manual</a:t>
-                      </a:r>
-                      <a:endParaRPr lang="en-US" dirty="0"/>
-                    </a:p>
-                  </a:txBody>
-                  <a:tcPr/>
-                </a:tc>
-              </a:tr>
-              <a:tr h="694267">
-                <a:tc>
-                  <a:txBody>
-                    <a:bodyPr/>
-                    <a:lstStyle/>
-                    <a:p>
-                      <a:pPr marL="0" marR="0" indent="0" algn="l" defTabSz="914400" rtl="0" eaLnBrk="1" fontAlgn="auto" latinLnBrk="0" hangingPunct="1">
+                      <a:pPr marL="0" marR="0" lvl="0" indent="0" algn="l" defTabSz="914400" rtl="0" eaLnBrk="1" fontAlgn="base" latinLnBrk="0" hangingPunct="1">
                         <a:lnSpc>
                           <a:spcPct val="100000"/>
                         </a:lnSpc>
                         <a:spcBef>
-                          <a:spcPts val="0"/>
+                          <a:spcPct val="0"/>
                         </a:spcBef>
                         <a:spcAft>
-                          <a:spcPts val="0"/>
+                          <a:spcPct val="0"/>
                         </a:spcAft>
                         <a:buClrTx/>
                         <a:buSzTx/>
                         <a:buFontTx/>
                         <a:buNone/>
                         <a:tabLst/>
-                        <a:defRPr/>
                       </a:pPr>
                       <a:r>
-                        <a:rPr lang="en-US" sz="1800" b="1" dirty="0" smtClean="0"/>
+                        <a:rPr kumimoji="0" lang="en-US" sz="1800" b="0" i="0" u="none" strike="noStrike" cap="none" normalizeH="0" baseline="0" smtClean="0">
+                          <a:ln>
+                            <a:noFill/>
+                          </a:ln>
+                          <a:solidFill>
+                            <a:schemeClr val="tx1"/>
+                          </a:solidFill>
+                          <a:effectLst/>
+                          <a:latin typeface="Calibri" pitchFamily="34" charset="0"/>
+                        </a:rPr>
+                        <a:t>Analysis, Design, Model , Control, Testing, User Manual</a:t>
+                      </a:r>
+                    </a:p>
+                  </a:txBody>
+                  <a:tcPr horzOverflow="overflow">
+                    <a:lnL w="12700" cap="flat" cmpd="sng" algn="ctr">
+                      <a:solidFill>
+                        <a:schemeClr val="tx1"/>
+                      </a:solidFill>
+                      <a:prstDash val="solid"/>
+                      <a:round/>
+                      <a:headEnd type="none" w="med" len="med"/>
+                      <a:tailEnd type="none" w="med" len="med"/>
+                    </a:lnL>
+                    <a:lnR w="12700" cap="flat" cmpd="sng" algn="ctr">
+                      <a:solidFill>
+                        <a:schemeClr val="tx1"/>
+                      </a:solidFill>
+                      <a:prstDash val="solid"/>
+                      <a:round/>
+                      <a:headEnd type="none" w="med" len="med"/>
+                      <a:tailEnd type="none" w="med" len="med"/>
+                    </a:lnR>
+                    <a:lnT w="12700" cap="flat" cmpd="sng" algn="ctr">
+                      <a:solidFill>
+                        <a:schemeClr val="tx1"/>
+                      </a:solidFill>
+                      <a:prstDash val="solid"/>
+                      <a:round/>
+                      <a:headEnd type="none" w="med" len="med"/>
+                      <a:tailEnd type="none" w="med" len="med"/>
+                    </a:lnT>
+                    <a:lnB w="12700" cap="flat" cmpd="sng" algn="ctr">
+                      <a:solidFill>
+                        <a:schemeClr val="tx1"/>
+                      </a:solidFill>
+                      <a:prstDash val="solid"/>
+                      <a:round/>
+                      <a:headEnd type="none" w="med" len="med"/>
+                      <a:tailEnd type="none" w="med" len="med"/>
+                    </a:lnB>
+                    <a:lnTlToBr>
+                      <a:noFill/>
+                    </a:lnTlToBr>
+                    <a:lnBlToTr>
+                      <a:noFill/>
+                    </a:lnBlToTr>
+                    <a:noFill/>
+                  </a:tcPr>
+                </a:tc>
+              </a:tr>
+              <a:tr h="693738">
+                <a:tc>
+                  <a:txBody>
+                    <a:bodyPr/>
+                    <a:lstStyle/>
+                    <a:p>
+                      <a:pPr marL="0" marR="0" lvl="0" indent="0" algn="l" defTabSz="914400" rtl="0" eaLnBrk="1" fontAlgn="base" latinLnBrk="0" hangingPunct="1">
+                        <a:lnSpc>
+                          <a:spcPct val="100000"/>
+                        </a:lnSpc>
+                        <a:spcBef>
+                          <a:spcPct val="0"/>
+                        </a:spcBef>
+                        <a:spcAft>
+                          <a:spcPct val="0"/>
+                        </a:spcAft>
+                        <a:buClrTx/>
+                        <a:buSzTx/>
+                        <a:buFontTx/>
+                        <a:buNone/>
+                        <a:tabLst/>
+                      </a:pPr>
+                      <a:r>
+                        <a:rPr kumimoji="0" lang="en-US" sz="1800" b="1" i="0" u="none" strike="noStrike" cap="none" normalizeH="0" baseline="0" smtClean="0">
+                          <a:ln>
+                            <a:noFill/>
+                          </a:ln>
+                          <a:solidFill>
+                            <a:schemeClr val="tx1"/>
+                          </a:solidFill>
+                          <a:effectLst/>
+                          <a:latin typeface="Calibri" pitchFamily="34" charset="0"/>
+                        </a:rPr>
                         <a:t>Kamble Shekhar Shivaji</a:t>
                       </a:r>
                     </a:p>
                     <a:p>
-                      <a:endParaRPr lang="en-US" dirty="0"/>
+                      <a:pPr marL="0" marR="0" lvl="0" indent="0" algn="l" defTabSz="914400" rtl="0" eaLnBrk="1" fontAlgn="base" latinLnBrk="0" hangingPunct="1">
+                        <a:lnSpc>
+                          <a:spcPct val="100000"/>
+                        </a:lnSpc>
+                        <a:spcBef>
+                          <a:spcPct val="0"/>
+                        </a:spcBef>
+                        <a:spcAft>
+                          <a:spcPct val="0"/>
+                        </a:spcAft>
+                        <a:buClrTx/>
+                        <a:buSzTx/>
+                        <a:buFontTx/>
+                        <a:buNone/>
+                        <a:tabLst/>
+                      </a:pPr>
+                      <a:endParaRPr kumimoji="0" lang="en-US" sz="1800" b="0" i="0" u="none" strike="noStrike" cap="none" normalizeH="0" baseline="0" smtClean="0">
+                        <a:ln>
+                          <a:noFill/>
+                        </a:ln>
+                        <a:solidFill>
+                          <a:schemeClr val="tx1"/>
+                        </a:solidFill>
+                        <a:effectLst/>
+                        <a:latin typeface="Calibri" pitchFamily="34" charset="0"/>
+                      </a:endParaRPr>
                     </a:p>
                   </a:txBody>
-                  <a:tcPr/>
+                  <a:tcPr horzOverflow="overflow">
+                    <a:lnL w="12700" cap="flat" cmpd="sng" algn="ctr">
+                      <a:solidFill>
+                        <a:schemeClr val="tx1"/>
+                      </a:solidFill>
+                      <a:prstDash val="solid"/>
+                      <a:round/>
+                      <a:headEnd type="none" w="med" len="med"/>
+                      <a:tailEnd type="none" w="med" len="med"/>
+                    </a:lnL>
+                    <a:lnR w="12700" cap="flat" cmpd="sng" algn="ctr">
+                      <a:solidFill>
+                        <a:schemeClr val="tx1"/>
+                      </a:solidFill>
+                      <a:prstDash val="solid"/>
+                      <a:round/>
+                      <a:headEnd type="none" w="med" len="med"/>
+                      <a:tailEnd type="none" w="med" len="med"/>
+                    </a:lnR>
+                    <a:lnT w="12700" cap="flat" cmpd="sng" algn="ctr">
+                      <a:solidFill>
+                        <a:schemeClr val="tx1"/>
+                      </a:solidFill>
+                      <a:prstDash val="solid"/>
+                      <a:round/>
+                      <a:headEnd type="none" w="med" len="med"/>
+                      <a:tailEnd type="none" w="med" len="med"/>
+                    </a:lnT>
+                    <a:lnB w="12700" cap="flat" cmpd="sng" algn="ctr">
+                      <a:solidFill>
+                        <a:schemeClr val="tx1"/>
+                      </a:solidFill>
+                      <a:prstDash val="solid"/>
+                      <a:round/>
+                      <a:headEnd type="none" w="med" len="med"/>
+                      <a:tailEnd type="none" w="med" len="med"/>
+                    </a:lnB>
+                    <a:lnTlToBr>
+                      <a:noFill/>
+                    </a:lnTlToBr>
+                    <a:lnBlToTr>
+                      <a:noFill/>
+                    </a:lnBlToTr>
+                    <a:noFill/>
+                  </a:tcPr>
                 </a:tc>
                 <a:tc>
                   <a:txBody>
                     <a:bodyPr/>
                     <a:lstStyle/>
                     <a:p>
-                      <a:endParaRPr lang="en-US" dirty="0"/>
-                    </a:p>
-                  </a:txBody>
-                  <a:tcPr/>
-                </a:tc>
-              </a:tr>
-              <a:tr h="694267">
-                <a:tc>
-                  <a:txBody>
-                    <a:bodyPr/>
-                    <a:lstStyle/>
-                    <a:p>
-                      <a:pPr marL="0" marR="0" indent="0" algn="l" defTabSz="914400" rtl="0" eaLnBrk="1" fontAlgn="auto" latinLnBrk="0" hangingPunct="1">
+                      <a:pPr marL="0" marR="0" lvl="0" indent="0" algn="l" defTabSz="914400" rtl="0" eaLnBrk="1" fontAlgn="base" latinLnBrk="0" hangingPunct="1">
                         <a:lnSpc>
                           <a:spcPct val="100000"/>
                         </a:lnSpc>
                         <a:spcBef>
-                          <a:spcPts val="0"/>
+                          <a:spcPct val="0"/>
                         </a:spcBef>
                         <a:spcAft>
-                          <a:spcPts val="0"/>
+                          <a:spcPct val="0"/>
                         </a:spcAft>
                         <a:buClrTx/>
                         <a:buSzTx/>
                         <a:buFontTx/>
                         <a:buNone/>
                         <a:tabLst/>
-                        <a:defRPr/>
+                      </a:pPr>
+                      <a:endParaRPr kumimoji="0" lang="en-US" sz="1800" b="0" i="0" u="none" strike="noStrike" cap="none" normalizeH="0" baseline="0" smtClean="0">
+                        <a:ln>
+                          <a:noFill/>
+                        </a:ln>
+                        <a:solidFill>
+                          <a:schemeClr val="tx1"/>
+                        </a:solidFill>
+                        <a:effectLst/>
+                        <a:latin typeface="Calibri" pitchFamily="34" charset="0"/>
+                      </a:endParaRPr>
+                    </a:p>
+                  </a:txBody>
+                  <a:tcPr horzOverflow="overflow">
+                    <a:lnL w="12700" cap="flat" cmpd="sng" algn="ctr">
+                      <a:solidFill>
+                        <a:schemeClr val="tx1"/>
+                      </a:solidFill>
+                      <a:prstDash val="solid"/>
+                      <a:round/>
+                      <a:headEnd type="none" w="med" len="med"/>
+                      <a:tailEnd type="none" w="med" len="med"/>
+                    </a:lnL>
+                    <a:lnR w="12700" cap="flat" cmpd="sng" algn="ctr">
+                      <a:solidFill>
+                        <a:schemeClr val="tx1"/>
+                      </a:solidFill>
+                      <a:prstDash val="solid"/>
+                      <a:round/>
+                      <a:headEnd type="none" w="med" len="med"/>
+                      <a:tailEnd type="none" w="med" len="med"/>
+                    </a:lnR>
+                    <a:lnT w="12700" cap="flat" cmpd="sng" algn="ctr">
+                      <a:solidFill>
+                        <a:schemeClr val="tx1"/>
+                      </a:solidFill>
+                      <a:prstDash val="solid"/>
+                      <a:round/>
+                      <a:headEnd type="none" w="med" len="med"/>
+                      <a:tailEnd type="none" w="med" len="med"/>
+                    </a:lnT>
+                    <a:lnB w="12700" cap="flat" cmpd="sng" algn="ctr">
+                      <a:solidFill>
+                        <a:schemeClr val="tx1"/>
+                      </a:solidFill>
+                      <a:prstDash val="solid"/>
+                      <a:round/>
+                      <a:headEnd type="none" w="med" len="med"/>
+                      <a:tailEnd type="none" w="med" len="med"/>
+                    </a:lnB>
+                    <a:lnTlToBr>
+                      <a:noFill/>
+                    </a:lnTlToBr>
+                    <a:lnBlToTr>
+                      <a:noFill/>
+                    </a:lnBlToTr>
+                    <a:noFill/>
+                  </a:tcPr>
+                </a:tc>
+              </a:tr>
+              <a:tr h="693738">
+                <a:tc>
+                  <a:txBody>
+                    <a:bodyPr/>
+                    <a:lstStyle/>
+                    <a:p>
+                      <a:pPr marL="0" marR="0" lvl="0" indent="0" algn="l" defTabSz="914400" rtl="0" eaLnBrk="1" fontAlgn="base" latinLnBrk="0" hangingPunct="1">
+                        <a:lnSpc>
+                          <a:spcPct val="100000"/>
+                        </a:lnSpc>
+                        <a:spcBef>
+                          <a:spcPct val="0"/>
+                        </a:spcBef>
+                        <a:spcAft>
+                          <a:spcPct val="0"/>
+                        </a:spcAft>
+                        <a:buClrTx/>
+                        <a:buSzTx/>
+                        <a:buFontTx/>
+                        <a:buNone/>
+                        <a:tabLst/>
                       </a:pPr>
                       <a:r>
-                        <a:rPr lang="en-US" sz="1800" b="1" dirty="0" smtClean="0"/>
+                        <a:rPr kumimoji="0" lang="en-US" sz="1800" b="1" i="0" u="none" strike="noStrike" cap="none" normalizeH="0" baseline="0" smtClean="0">
+                          <a:ln>
+                            <a:noFill/>
+                          </a:ln>
+                          <a:solidFill>
+                            <a:schemeClr val="tx1"/>
+                          </a:solidFill>
+                          <a:effectLst/>
+                          <a:latin typeface="Calibri" pitchFamily="34" charset="0"/>
+                        </a:rPr>
                         <a:t>Prasad Priyanka</a:t>
                       </a:r>
                     </a:p>
                     <a:p>
-                      <a:endParaRPr lang="en-US" dirty="0"/>
+                      <a:pPr marL="0" marR="0" lvl="0" indent="0" algn="l" defTabSz="914400" rtl="0" eaLnBrk="1" fontAlgn="base" latinLnBrk="0" hangingPunct="1">
+                        <a:lnSpc>
+                          <a:spcPct val="100000"/>
+                        </a:lnSpc>
+                        <a:spcBef>
+                          <a:spcPct val="0"/>
+                        </a:spcBef>
+                        <a:spcAft>
+                          <a:spcPct val="0"/>
+                        </a:spcAft>
+                        <a:buClrTx/>
+                        <a:buSzTx/>
+                        <a:buFontTx/>
+                        <a:buNone/>
+                        <a:tabLst/>
+                      </a:pPr>
+                      <a:endParaRPr kumimoji="0" lang="en-US" sz="1800" b="0" i="0" u="none" strike="noStrike" cap="none" normalizeH="0" baseline="0" smtClean="0">
+                        <a:ln>
+                          <a:noFill/>
+                        </a:ln>
+                        <a:solidFill>
+                          <a:schemeClr val="tx1"/>
+                        </a:solidFill>
+                        <a:effectLst/>
+                        <a:latin typeface="Calibri" pitchFamily="34" charset="0"/>
+                      </a:endParaRPr>
                     </a:p>
                   </a:txBody>
-                  <a:tcPr/>
+                  <a:tcPr horzOverflow="overflow">
+                    <a:lnL w="12700" cap="flat" cmpd="sng" algn="ctr">
+                      <a:solidFill>
+                        <a:schemeClr val="tx1"/>
+                      </a:solidFill>
+                      <a:prstDash val="solid"/>
+                      <a:round/>
+                      <a:headEnd type="none" w="med" len="med"/>
+                      <a:tailEnd type="none" w="med" len="med"/>
+                    </a:lnL>
+                    <a:lnR w="12700" cap="flat" cmpd="sng" algn="ctr">
+                      <a:solidFill>
+                        <a:schemeClr val="tx1"/>
+                      </a:solidFill>
+                      <a:prstDash val="solid"/>
+                      <a:round/>
+                      <a:headEnd type="none" w="med" len="med"/>
+                      <a:tailEnd type="none" w="med" len="med"/>
+                    </a:lnR>
+                    <a:lnT w="12700" cap="flat" cmpd="sng" algn="ctr">
+                      <a:solidFill>
+                        <a:schemeClr val="tx1"/>
+                      </a:solidFill>
+                      <a:prstDash val="solid"/>
+                      <a:round/>
+                      <a:headEnd type="none" w="med" len="med"/>
+                      <a:tailEnd type="none" w="med" len="med"/>
+                    </a:lnT>
+                    <a:lnB w="12700" cap="flat" cmpd="sng" algn="ctr">
+                      <a:solidFill>
+                        <a:schemeClr val="tx1"/>
+                      </a:solidFill>
+                      <a:prstDash val="solid"/>
+                      <a:round/>
+                      <a:headEnd type="none" w="med" len="med"/>
+                      <a:tailEnd type="none" w="med" len="med"/>
+                    </a:lnB>
+                    <a:lnTlToBr>
+                      <a:noFill/>
+                    </a:lnTlToBr>
+                    <a:lnBlToTr>
+                      <a:noFill/>
+                    </a:lnBlToTr>
+                    <a:noFill/>
+                  </a:tcPr>
                 </a:tc>
                 <a:tc>
                   <a:txBody>
                     <a:bodyPr/>
                     <a:lstStyle/>
                     <a:p>
-                      <a:r>
-                        <a:rPr lang="en-US" dirty="0" smtClean="0"/>
-                        <a:t>Analysis, Design, Model , Control, Testing, Documentation, </a:t>
-                      </a:r>
-                      <a:endParaRPr lang="en-US" dirty="0"/>
-                    </a:p>
-                  </a:txBody>
-                  <a:tcPr/>
-                </a:tc>
-              </a:tr>
-              <a:tr h="694267">
-                <a:tc>
-                  <a:txBody>
-                    <a:bodyPr/>
-                    <a:lstStyle/>
-                    <a:p>
-                      <a:pPr marL="0" marR="0" indent="0" algn="l" defTabSz="914400" rtl="0" eaLnBrk="1" fontAlgn="auto" latinLnBrk="0" hangingPunct="1">
+                      <a:pPr marL="0" marR="0" lvl="0" indent="0" algn="l" defTabSz="914400" rtl="0" eaLnBrk="1" fontAlgn="base" latinLnBrk="0" hangingPunct="1">
                         <a:lnSpc>
                           <a:spcPct val="100000"/>
                         </a:lnSpc>
                         <a:spcBef>
-                          <a:spcPts val="0"/>
+                          <a:spcPct val="0"/>
                         </a:spcBef>
                         <a:spcAft>
-                          <a:spcPts val="0"/>
+                          <a:spcPct val="0"/>
                         </a:spcAft>
                         <a:buClrTx/>
                         <a:buSzTx/>
                         <a:buFontTx/>
                         <a:buNone/>
                         <a:tabLst/>
-                        <a:defRPr/>
                       </a:pPr>
                       <a:r>
-                        <a:rPr lang="en-US" sz="1800" b="1" dirty="0" smtClean="0"/>
+                        <a:rPr kumimoji="0" lang="en-US" sz="1800" b="0" i="0" u="none" strike="noStrike" cap="none" normalizeH="0" baseline="0" smtClean="0">
+                          <a:ln>
+                            <a:noFill/>
+                          </a:ln>
+                          <a:solidFill>
+                            <a:schemeClr val="tx1"/>
+                          </a:solidFill>
+                          <a:effectLst/>
+                          <a:latin typeface="Calibri" pitchFamily="34" charset="0"/>
+                        </a:rPr>
+                        <a:t>Analysis, Design, Model , Control, Testing, Documentation, </a:t>
+                      </a:r>
+                    </a:p>
+                  </a:txBody>
+                  <a:tcPr horzOverflow="overflow">
+                    <a:lnL w="12700" cap="flat" cmpd="sng" algn="ctr">
+                      <a:solidFill>
+                        <a:schemeClr val="tx1"/>
+                      </a:solidFill>
+                      <a:prstDash val="solid"/>
+                      <a:round/>
+                      <a:headEnd type="none" w="med" len="med"/>
+                      <a:tailEnd type="none" w="med" len="med"/>
+                    </a:lnL>
+                    <a:lnR w="12700" cap="flat" cmpd="sng" algn="ctr">
+                      <a:solidFill>
+                        <a:schemeClr val="tx1"/>
+                      </a:solidFill>
+                      <a:prstDash val="solid"/>
+                      <a:round/>
+                      <a:headEnd type="none" w="med" len="med"/>
+                      <a:tailEnd type="none" w="med" len="med"/>
+                    </a:lnR>
+                    <a:lnT w="12700" cap="flat" cmpd="sng" algn="ctr">
+                      <a:solidFill>
+                        <a:schemeClr val="tx1"/>
+                      </a:solidFill>
+                      <a:prstDash val="solid"/>
+                      <a:round/>
+                      <a:headEnd type="none" w="med" len="med"/>
+                      <a:tailEnd type="none" w="med" len="med"/>
+                    </a:lnT>
+                    <a:lnB w="12700" cap="flat" cmpd="sng" algn="ctr">
+                      <a:solidFill>
+                        <a:schemeClr val="tx1"/>
+                      </a:solidFill>
+                      <a:prstDash val="solid"/>
+                      <a:round/>
+                      <a:headEnd type="none" w="med" len="med"/>
+                      <a:tailEnd type="none" w="med" len="med"/>
+                    </a:lnB>
+                    <a:lnTlToBr>
+                      <a:noFill/>
+                    </a:lnTlToBr>
+                    <a:lnBlToTr>
+                      <a:noFill/>
+                    </a:lnBlToTr>
+                    <a:noFill/>
+                  </a:tcPr>
+                </a:tc>
+              </a:tr>
+              <a:tr h="693738">
+                <a:tc>
+                  <a:txBody>
+                    <a:bodyPr/>
+                    <a:lstStyle/>
+                    <a:p>
+                      <a:pPr marL="0" marR="0" lvl="0" indent="0" algn="l" defTabSz="914400" rtl="0" eaLnBrk="1" fontAlgn="base" latinLnBrk="0" hangingPunct="1">
+                        <a:lnSpc>
+                          <a:spcPct val="100000"/>
+                        </a:lnSpc>
+                        <a:spcBef>
+                          <a:spcPct val="0"/>
+                        </a:spcBef>
+                        <a:spcAft>
+                          <a:spcPct val="0"/>
+                        </a:spcAft>
+                        <a:buClrTx/>
+                        <a:buSzTx/>
+                        <a:buFontTx/>
+                        <a:buNone/>
+                        <a:tabLst/>
+                      </a:pPr>
+                      <a:r>
+                        <a:rPr kumimoji="0" lang="en-US" sz="1800" b="1" i="0" u="none" strike="noStrike" cap="none" normalizeH="0" baseline="0" smtClean="0">
+                          <a:ln>
+                            <a:noFill/>
+                          </a:ln>
+                          <a:solidFill>
+                            <a:schemeClr val="tx1"/>
+                          </a:solidFill>
+                          <a:effectLst/>
+                          <a:latin typeface="Calibri" pitchFamily="34" charset="0"/>
+                        </a:rPr>
                         <a:t>San La Pyaye</a:t>
                       </a:r>
                     </a:p>
                     <a:p>
-                      <a:endParaRPr lang="en-US" dirty="0"/>
+                      <a:pPr marL="0" marR="0" lvl="0" indent="0" algn="l" defTabSz="914400" rtl="0" eaLnBrk="1" fontAlgn="base" latinLnBrk="0" hangingPunct="1">
+                        <a:lnSpc>
+                          <a:spcPct val="100000"/>
+                        </a:lnSpc>
+                        <a:spcBef>
+                          <a:spcPct val="0"/>
+                        </a:spcBef>
+                        <a:spcAft>
+                          <a:spcPct val="0"/>
+                        </a:spcAft>
+                        <a:buClrTx/>
+                        <a:buSzTx/>
+                        <a:buFontTx/>
+                        <a:buNone/>
+                        <a:tabLst/>
+                      </a:pPr>
+                      <a:endParaRPr kumimoji="0" lang="en-US" sz="1800" b="0" i="0" u="none" strike="noStrike" cap="none" normalizeH="0" baseline="0" smtClean="0">
+                        <a:ln>
+                          <a:noFill/>
+                        </a:ln>
+                        <a:solidFill>
+                          <a:schemeClr val="tx1"/>
+                        </a:solidFill>
+                        <a:effectLst/>
+                        <a:latin typeface="Calibri" pitchFamily="34" charset="0"/>
+                      </a:endParaRPr>
                     </a:p>
                   </a:txBody>
-                  <a:tcPr/>
+                  <a:tcPr horzOverflow="overflow">
+                    <a:lnL w="12700" cap="flat" cmpd="sng" algn="ctr">
+                      <a:solidFill>
+                        <a:schemeClr val="tx1"/>
+                      </a:solidFill>
+                      <a:prstDash val="solid"/>
+                      <a:round/>
+                      <a:headEnd type="none" w="med" len="med"/>
+                      <a:tailEnd type="none" w="med" len="med"/>
+                    </a:lnL>
+                    <a:lnR w="12700" cap="flat" cmpd="sng" algn="ctr">
+                      <a:solidFill>
+                        <a:schemeClr val="tx1"/>
+                      </a:solidFill>
+                      <a:prstDash val="solid"/>
+                      <a:round/>
+                      <a:headEnd type="none" w="med" len="med"/>
+                      <a:tailEnd type="none" w="med" len="med"/>
+                    </a:lnR>
+                    <a:lnT w="12700" cap="flat" cmpd="sng" algn="ctr">
+                      <a:solidFill>
+                        <a:schemeClr val="tx1"/>
+                      </a:solidFill>
+                      <a:prstDash val="solid"/>
+                      <a:round/>
+                      <a:headEnd type="none" w="med" len="med"/>
+                      <a:tailEnd type="none" w="med" len="med"/>
+                    </a:lnT>
+                    <a:lnB w="12700" cap="flat" cmpd="sng" algn="ctr">
+                      <a:solidFill>
+                        <a:schemeClr val="tx1"/>
+                      </a:solidFill>
+                      <a:prstDash val="solid"/>
+                      <a:round/>
+                      <a:headEnd type="none" w="med" len="med"/>
+                      <a:tailEnd type="none" w="med" len="med"/>
+                    </a:lnB>
+                    <a:lnTlToBr>
+                      <a:noFill/>
+                    </a:lnTlToBr>
+                    <a:lnBlToTr>
+                      <a:noFill/>
+                    </a:lnBlToTr>
+                    <a:noFill/>
+                  </a:tcPr>
                 </a:tc>
                 <a:tc>
                   <a:txBody>
                     <a:bodyPr/>
                     <a:lstStyle/>
                     <a:p>
-                      <a:endParaRPr lang="en-US" dirty="0"/>
-                    </a:p>
-                  </a:txBody>
-                  <a:tcPr/>
-                </a:tc>
-              </a:tr>
-              <a:tr h="694267">
-                <a:tc>
-                  <a:txBody>
-                    <a:bodyPr/>
-                    <a:lstStyle/>
-                    <a:p>
-                      <a:pPr marL="0" marR="0" indent="0" algn="l" defTabSz="914400" rtl="0" eaLnBrk="1" fontAlgn="auto" latinLnBrk="0" hangingPunct="1">
+                      <a:pPr marL="0" marR="0" lvl="0" indent="0" algn="l" defTabSz="914400" rtl="0" eaLnBrk="1" fontAlgn="base" latinLnBrk="0" hangingPunct="1">
                         <a:lnSpc>
                           <a:spcPct val="100000"/>
                         </a:lnSpc>
                         <a:spcBef>
-                          <a:spcPts val="0"/>
+                          <a:spcPct val="0"/>
                         </a:spcBef>
                         <a:spcAft>
-                          <a:spcPts val="0"/>
+                          <a:spcPct val="0"/>
                         </a:spcAft>
                         <a:buClrTx/>
                         <a:buSzTx/>
                         <a:buFontTx/>
                         <a:buNone/>
                         <a:tabLst/>
-                        <a:defRPr/>
+                      </a:pPr>
+                      <a:endParaRPr kumimoji="0" lang="en-US" sz="1800" b="0" i="0" u="none" strike="noStrike" cap="none" normalizeH="0" baseline="0" smtClean="0">
+                        <a:ln>
+                          <a:noFill/>
+                        </a:ln>
+                        <a:solidFill>
+                          <a:schemeClr val="tx1"/>
+                        </a:solidFill>
+                        <a:effectLst/>
+                        <a:latin typeface="Calibri" pitchFamily="34" charset="0"/>
+                      </a:endParaRPr>
+                    </a:p>
+                  </a:txBody>
+                  <a:tcPr horzOverflow="overflow">
+                    <a:lnL w="12700" cap="flat" cmpd="sng" algn="ctr">
+                      <a:solidFill>
+                        <a:schemeClr val="tx1"/>
+                      </a:solidFill>
+                      <a:prstDash val="solid"/>
+                      <a:round/>
+                      <a:headEnd type="none" w="med" len="med"/>
+                      <a:tailEnd type="none" w="med" len="med"/>
+                    </a:lnL>
+                    <a:lnR w="12700" cap="flat" cmpd="sng" algn="ctr">
+                      <a:solidFill>
+                        <a:schemeClr val="tx1"/>
+                      </a:solidFill>
+                      <a:prstDash val="solid"/>
+                      <a:round/>
+                      <a:headEnd type="none" w="med" len="med"/>
+                      <a:tailEnd type="none" w="med" len="med"/>
+                    </a:lnR>
+                    <a:lnT w="12700" cap="flat" cmpd="sng" algn="ctr">
+                      <a:solidFill>
+                        <a:schemeClr val="tx1"/>
+                      </a:solidFill>
+                      <a:prstDash val="solid"/>
+                      <a:round/>
+                      <a:headEnd type="none" w="med" len="med"/>
+                      <a:tailEnd type="none" w="med" len="med"/>
+                    </a:lnT>
+                    <a:lnB w="12700" cap="flat" cmpd="sng" algn="ctr">
+                      <a:solidFill>
+                        <a:schemeClr val="tx1"/>
+                      </a:solidFill>
+                      <a:prstDash val="solid"/>
+                      <a:round/>
+                      <a:headEnd type="none" w="med" len="med"/>
+                      <a:tailEnd type="none" w="med" len="med"/>
+                    </a:lnB>
+                    <a:lnTlToBr>
+                      <a:noFill/>
+                    </a:lnTlToBr>
+                    <a:lnBlToTr>
+                      <a:noFill/>
+                    </a:lnBlToTr>
+                    <a:noFill/>
+                  </a:tcPr>
+                </a:tc>
+              </a:tr>
+              <a:tr h="693738">
+                <a:tc>
+                  <a:txBody>
+                    <a:bodyPr/>
+                    <a:lstStyle/>
+                    <a:p>
+                      <a:pPr marL="0" marR="0" lvl="0" indent="0" algn="l" defTabSz="914400" rtl="0" eaLnBrk="1" fontAlgn="base" latinLnBrk="0" hangingPunct="1">
+                        <a:lnSpc>
+                          <a:spcPct val="100000"/>
+                        </a:lnSpc>
+                        <a:spcBef>
+                          <a:spcPct val="0"/>
+                        </a:spcBef>
+                        <a:spcAft>
+                          <a:spcPct val="0"/>
+                        </a:spcAft>
+                        <a:buClrTx/>
+                        <a:buSzTx/>
+                        <a:buFontTx/>
+                        <a:buNone/>
+                        <a:tabLst/>
                       </a:pPr>
                       <a:r>
-                        <a:rPr lang="en-US" sz="1800" b="1" dirty="0" smtClean="0"/>
+                        <a:rPr kumimoji="0" lang="en-US" sz="1800" b="1" i="0" u="none" strike="noStrike" cap="none" normalizeH="0" baseline="0" smtClean="0">
+                          <a:ln>
+                            <a:noFill/>
+                          </a:ln>
+                          <a:solidFill>
+                            <a:schemeClr val="tx1"/>
+                          </a:solidFill>
+                          <a:effectLst/>
+                          <a:latin typeface="Calibri" pitchFamily="34" charset="0"/>
+                        </a:rPr>
                         <a:t>Su Lai Naing</a:t>
                       </a:r>
                     </a:p>
                     <a:p>
-                      <a:endParaRPr lang="en-US" dirty="0"/>
+                      <a:pPr marL="0" marR="0" lvl="0" indent="0" algn="l" defTabSz="914400" rtl="0" eaLnBrk="1" fontAlgn="base" latinLnBrk="0" hangingPunct="1">
+                        <a:lnSpc>
+                          <a:spcPct val="100000"/>
+                        </a:lnSpc>
+                        <a:spcBef>
+                          <a:spcPct val="0"/>
+                        </a:spcBef>
+                        <a:spcAft>
+                          <a:spcPct val="0"/>
+                        </a:spcAft>
+                        <a:buClrTx/>
+                        <a:buSzTx/>
+                        <a:buFontTx/>
+                        <a:buNone/>
+                        <a:tabLst/>
+                      </a:pPr>
+                      <a:endParaRPr kumimoji="0" lang="en-US" sz="1800" b="0" i="0" u="none" strike="noStrike" cap="none" normalizeH="0" baseline="0" smtClean="0">
+                        <a:ln>
+                          <a:noFill/>
+                        </a:ln>
+                        <a:solidFill>
+                          <a:schemeClr val="tx1"/>
+                        </a:solidFill>
+                        <a:effectLst/>
+                        <a:latin typeface="Calibri" pitchFamily="34" charset="0"/>
+                      </a:endParaRPr>
                     </a:p>
                   </a:txBody>
-                  <a:tcPr/>
+                  <a:tcPr horzOverflow="overflow">
+                    <a:lnL w="12700" cap="flat" cmpd="sng" algn="ctr">
+                      <a:solidFill>
+                        <a:schemeClr val="tx1"/>
+                      </a:solidFill>
+                      <a:prstDash val="solid"/>
+                      <a:round/>
+                      <a:headEnd type="none" w="med" len="med"/>
+                      <a:tailEnd type="none" w="med" len="med"/>
+                    </a:lnL>
+                    <a:lnR w="12700" cap="flat" cmpd="sng" algn="ctr">
+                      <a:solidFill>
+                        <a:schemeClr val="tx1"/>
+                      </a:solidFill>
+                      <a:prstDash val="solid"/>
+                      <a:round/>
+                      <a:headEnd type="none" w="med" len="med"/>
+                      <a:tailEnd type="none" w="med" len="med"/>
+                    </a:lnR>
+                    <a:lnT w="12700" cap="flat" cmpd="sng" algn="ctr">
+                      <a:solidFill>
+                        <a:schemeClr val="tx1"/>
+                      </a:solidFill>
+                      <a:prstDash val="solid"/>
+                      <a:round/>
+                      <a:headEnd type="none" w="med" len="med"/>
+                      <a:tailEnd type="none" w="med" len="med"/>
+                    </a:lnT>
+                    <a:lnB w="12700" cap="flat" cmpd="sng" algn="ctr">
+                      <a:solidFill>
+                        <a:schemeClr val="tx1"/>
+                      </a:solidFill>
+                      <a:prstDash val="solid"/>
+                      <a:round/>
+                      <a:headEnd type="none" w="med" len="med"/>
+                      <a:tailEnd type="none" w="med" len="med"/>
+                    </a:lnB>
+                    <a:lnTlToBr>
+                      <a:noFill/>
+                    </a:lnTlToBr>
+                    <a:lnBlToTr>
+                      <a:noFill/>
+                    </a:lnBlToTr>
+                    <a:noFill/>
+                  </a:tcPr>
                 </a:tc>
                 <a:tc>
                   <a:txBody>
                     <a:bodyPr/>
                     <a:lstStyle/>
                     <a:p>
-                      <a:r>
-                        <a:rPr lang="en-US" dirty="0" smtClean="0"/>
-                        <a:t>Analysis, Design, Model, Control, Testing,</a:t>
-                      </a:r>
-                      <a:endParaRPr lang="en-US" dirty="0"/>
-                    </a:p>
-                  </a:txBody>
-                  <a:tcPr/>
-                </a:tc>
-              </a:tr>
-              <a:tr h="694267">
-                <a:tc>
-                  <a:txBody>
-                    <a:bodyPr/>
-                    <a:lstStyle/>
-                    <a:p>
-                      <a:pPr marL="0" marR="0" indent="0" algn="l" defTabSz="914400" rtl="0" eaLnBrk="1" fontAlgn="auto" latinLnBrk="0" hangingPunct="1">
+                      <a:pPr marL="0" marR="0" lvl="0" indent="0" algn="l" defTabSz="914400" rtl="0" eaLnBrk="1" fontAlgn="base" latinLnBrk="0" hangingPunct="1">
                         <a:lnSpc>
                           <a:spcPct val="100000"/>
                         </a:lnSpc>
                         <a:spcBef>
-                          <a:spcPts val="0"/>
+                          <a:spcPct val="0"/>
                         </a:spcBef>
                         <a:spcAft>
-                          <a:spcPts val="0"/>
+                          <a:spcPct val="0"/>
                         </a:spcAft>
                         <a:buClrTx/>
                         <a:buSzTx/>
                         <a:buFontTx/>
                         <a:buNone/>
                         <a:tabLst/>
-                        <a:defRPr/>
                       </a:pPr>
                       <a:r>
-                        <a:rPr lang="en-US" sz="1800" b="1" dirty="0" smtClean="0"/>
+                        <a:rPr kumimoji="0" lang="en-US" sz="1800" b="0" i="0" u="none" strike="noStrike" cap="none" normalizeH="0" baseline="0" smtClean="0">
+                          <a:ln>
+                            <a:noFill/>
+                          </a:ln>
+                          <a:solidFill>
+                            <a:schemeClr val="tx1"/>
+                          </a:solidFill>
+                          <a:effectLst/>
+                          <a:latin typeface="Calibri" pitchFamily="34" charset="0"/>
+                        </a:rPr>
+                        <a:t>Analysis, Design, Model, Control, Testing,</a:t>
+                      </a:r>
+                    </a:p>
+                  </a:txBody>
+                  <a:tcPr horzOverflow="overflow">
+                    <a:lnL w="12700" cap="flat" cmpd="sng" algn="ctr">
+                      <a:solidFill>
+                        <a:schemeClr val="tx1"/>
+                      </a:solidFill>
+                      <a:prstDash val="solid"/>
+                      <a:round/>
+                      <a:headEnd type="none" w="med" len="med"/>
+                      <a:tailEnd type="none" w="med" len="med"/>
+                    </a:lnL>
+                    <a:lnR w="12700" cap="flat" cmpd="sng" algn="ctr">
+                      <a:solidFill>
+                        <a:schemeClr val="tx1"/>
+                      </a:solidFill>
+                      <a:prstDash val="solid"/>
+                      <a:round/>
+                      <a:headEnd type="none" w="med" len="med"/>
+                      <a:tailEnd type="none" w="med" len="med"/>
+                    </a:lnR>
+                    <a:lnT w="12700" cap="flat" cmpd="sng" algn="ctr">
+                      <a:solidFill>
+                        <a:schemeClr val="tx1"/>
+                      </a:solidFill>
+                      <a:prstDash val="solid"/>
+                      <a:round/>
+                      <a:headEnd type="none" w="med" len="med"/>
+                      <a:tailEnd type="none" w="med" len="med"/>
+                    </a:lnT>
+                    <a:lnB w="12700" cap="flat" cmpd="sng" algn="ctr">
+                      <a:solidFill>
+                        <a:schemeClr val="tx1"/>
+                      </a:solidFill>
+                      <a:prstDash val="solid"/>
+                      <a:round/>
+                      <a:headEnd type="none" w="med" len="med"/>
+                      <a:tailEnd type="none" w="med" len="med"/>
+                    </a:lnB>
+                    <a:lnTlToBr>
+                      <a:noFill/>
+                    </a:lnTlToBr>
+                    <a:lnBlToTr>
+                      <a:noFill/>
+                    </a:lnBlToTr>
+                    <a:noFill/>
+                  </a:tcPr>
+                </a:tc>
+              </a:tr>
+              <a:tr h="693738">
+                <a:tc>
+                  <a:txBody>
+                    <a:bodyPr/>
+                    <a:lstStyle/>
+                    <a:p>
+                      <a:pPr marL="0" marR="0" lvl="0" indent="0" algn="l" defTabSz="914400" rtl="0" eaLnBrk="1" fontAlgn="base" latinLnBrk="0" hangingPunct="1">
+                        <a:lnSpc>
+                          <a:spcPct val="100000"/>
+                        </a:lnSpc>
+                        <a:spcBef>
+                          <a:spcPct val="0"/>
+                        </a:spcBef>
+                        <a:spcAft>
+                          <a:spcPct val="0"/>
+                        </a:spcAft>
+                        <a:buClrTx/>
+                        <a:buSzTx/>
+                        <a:buFontTx/>
+                        <a:buNone/>
+                        <a:tabLst/>
+                      </a:pPr>
+                      <a:r>
+                        <a:rPr kumimoji="0" lang="en-US" sz="1800" b="1" i="0" u="none" strike="noStrike" cap="none" normalizeH="0" baseline="0" smtClean="0">
+                          <a:ln>
+                            <a:noFill/>
+                          </a:ln>
+                          <a:solidFill>
+                            <a:schemeClr val="tx1"/>
+                          </a:solidFill>
+                          <a:effectLst/>
+                          <a:latin typeface="Calibri" pitchFamily="34" charset="0"/>
+                        </a:rPr>
                         <a:t>Taufin Rusli </a:t>
                       </a:r>
                     </a:p>
                     <a:p>
-                      <a:endParaRPr lang="en-US" dirty="0"/>
+                      <a:pPr marL="0" marR="0" lvl="0" indent="0" algn="l" defTabSz="914400" rtl="0" eaLnBrk="1" fontAlgn="base" latinLnBrk="0" hangingPunct="1">
+                        <a:lnSpc>
+                          <a:spcPct val="100000"/>
+                        </a:lnSpc>
+                        <a:spcBef>
+                          <a:spcPct val="0"/>
+                        </a:spcBef>
+                        <a:spcAft>
+                          <a:spcPct val="0"/>
+                        </a:spcAft>
+                        <a:buClrTx/>
+                        <a:buSzTx/>
+                        <a:buFontTx/>
+                        <a:buNone/>
+                        <a:tabLst/>
+                      </a:pPr>
+                      <a:endParaRPr kumimoji="0" lang="en-US" sz="1800" b="0" i="0" u="none" strike="noStrike" cap="none" normalizeH="0" baseline="0" smtClean="0">
+                        <a:ln>
+                          <a:noFill/>
+                        </a:ln>
+                        <a:solidFill>
+                          <a:schemeClr val="tx1"/>
+                        </a:solidFill>
+                        <a:effectLst/>
+                        <a:latin typeface="Calibri" pitchFamily="34" charset="0"/>
+                      </a:endParaRPr>
                     </a:p>
                   </a:txBody>
-                  <a:tcPr/>
+                  <a:tcPr horzOverflow="overflow">
+                    <a:lnL w="12700" cap="flat" cmpd="sng" algn="ctr">
+                      <a:solidFill>
+                        <a:schemeClr val="tx1"/>
+                      </a:solidFill>
+                      <a:prstDash val="solid"/>
+                      <a:round/>
+                      <a:headEnd type="none" w="med" len="med"/>
+                      <a:tailEnd type="none" w="med" len="med"/>
+                    </a:lnL>
+                    <a:lnR w="12700" cap="flat" cmpd="sng" algn="ctr">
+                      <a:solidFill>
+                        <a:schemeClr val="tx1"/>
+                      </a:solidFill>
+                      <a:prstDash val="solid"/>
+                      <a:round/>
+                      <a:headEnd type="none" w="med" len="med"/>
+                      <a:tailEnd type="none" w="med" len="med"/>
+                    </a:lnR>
+                    <a:lnT w="12700" cap="flat" cmpd="sng" algn="ctr">
+                      <a:solidFill>
+                        <a:schemeClr val="tx1"/>
+                      </a:solidFill>
+                      <a:prstDash val="solid"/>
+                      <a:round/>
+                      <a:headEnd type="none" w="med" len="med"/>
+                      <a:tailEnd type="none" w="med" len="med"/>
+                    </a:lnT>
+                    <a:lnB w="12700" cap="flat" cmpd="sng" algn="ctr">
+                      <a:solidFill>
+                        <a:schemeClr val="tx1"/>
+                      </a:solidFill>
+                      <a:prstDash val="solid"/>
+                      <a:round/>
+                      <a:headEnd type="none" w="med" len="med"/>
+                      <a:tailEnd type="none" w="med" len="med"/>
+                    </a:lnB>
+                    <a:lnTlToBr>
+                      <a:noFill/>
+                    </a:lnTlToBr>
+                    <a:lnBlToTr>
+                      <a:noFill/>
+                    </a:lnBlToTr>
+                    <a:noFill/>
+                  </a:tcPr>
                 </a:tc>
                 <a:tc>
                   <a:txBody>
                     <a:bodyPr/>
                     <a:lstStyle/>
                     <a:p>
-                      <a:endParaRPr lang="en-US" dirty="0"/>
-                    </a:p>
-                  </a:txBody>
-                  <a:tcPr/>
-                </a:tc>
-              </a:tr>
-              <a:tr h="694267">
-                <a:tc>
-                  <a:txBody>
-                    <a:bodyPr/>
-                    <a:lstStyle/>
-                    <a:p>
-                      <a:pPr marL="0" marR="0" indent="0" algn="l" defTabSz="914400" rtl="0" eaLnBrk="1" fontAlgn="auto" latinLnBrk="0" hangingPunct="1">
+                      <a:pPr marL="0" marR="0" lvl="0" indent="0" algn="l" defTabSz="914400" rtl="0" eaLnBrk="1" fontAlgn="base" latinLnBrk="0" hangingPunct="1">
                         <a:lnSpc>
                           <a:spcPct val="100000"/>
                         </a:lnSpc>
                         <a:spcBef>
-                          <a:spcPts val="0"/>
+                          <a:spcPct val="0"/>
                         </a:spcBef>
                         <a:spcAft>
-                          <a:spcPts val="0"/>
+                          <a:spcPct val="0"/>
                         </a:spcAft>
                         <a:buClrTx/>
                         <a:buSzTx/>
                         <a:buFontTx/>
                         <a:buNone/>
                         <a:tabLst/>
-                        <a:defRPr/>
                       </a:pPr>
                       <a:r>
-                        <a:rPr lang="en-US" sz="1800" b="1" dirty="0" smtClean="0"/>
+                        <a:rPr kumimoji="0" lang="en-US" sz="1800" b="0" i="0" u="none" strike="noStrike" cap="none" normalizeH="0" baseline="0" smtClean="0">
+                          <a:ln>
+                            <a:noFill/>
+                          </a:ln>
+                          <a:solidFill>
+                            <a:schemeClr val="tx1"/>
+                          </a:solidFill>
+                          <a:effectLst/>
+                          <a:latin typeface="Calibri" pitchFamily="34" charset="0"/>
+                        </a:rPr>
+                        <a:t>Analysis &amp; Design, Model, Control, Presentation, Integration</a:t>
+                      </a:r>
+                    </a:p>
+                  </a:txBody>
+                  <a:tcPr horzOverflow="overflow">
+                    <a:lnL w="12700" cap="flat" cmpd="sng" algn="ctr">
+                      <a:solidFill>
+                        <a:schemeClr val="tx1"/>
+                      </a:solidFill>
+                      <a:prstDash val="solid"/>
+                      <a:round/>
+                      <a:headEnd type="none" w="med" len="med"/>
+                      <a:tailEnd type="none" w="med" len="med"/>
+                    </a:lnL>
+                    <a:lnR w="12700" cap="flat" cmpd="sng" algn="ctr">
+                      <a:solidFill>
+                        <a:schemeClr val="tx1"/>
+                      </a:solidFill>
+                      <a:prstDash val="solid"/>
+                      <a:round/>
+                      <a:headEnd type="none" w="med" len="med"/>
+                      <a:tailEnd type="none" w="med" len="med"/>
+                    </a:lnR>
+                    <a:lnT w="12700" cap="flat" cmpd="sng" algn="ctr">
+                      <a:solidFill>
+                        <a:schemeClr val="tx1"/>
+                      </a:solidFill>
+                      <a:prstDash val="solid"/>
+                      <a:round/>
+                      <a:headEnd type="none" w="med" len="med"/>
+                      <a:tailEnd type="none" w="med" len="med"/>
+                    </a:lnT>
+                    <a:lnB w="12700" cap="flat" cmpd="sng" algn="ctr">
+                      <a:solidFill>
+                        <a:schemeClr val="tx1"/>
+                      </a:solidFill>
+                      <a:prstDash val="solid"/>
+                      <a:round/>
+                      <a:headEnd type="none" w="med" len="med"/>
+                      <a:tailEnd type="none" w="med" len="med"/>
+                    </a:lnB>
+                    <a:lnTlToBr>
+                      <a:noFill/>
+                    </a:lnTlToBr>
+                    <a:lnBlToTr>
+                      <a:noFill/>
+                    </a:lnBlToTr>
+                    <a:noFill/>
+                  </a:tcPr>
+                </a:tc>
+              </a:tr>
+              <a:tr h="693738">
+                <a:tc>
+                  <a:txBody>
+                    <a:bodyPr/>
+                    <a:lstStyle/>
+                    <a:p>
+                      <a:pPr marL="0" marR="0" lvl="0" indent="0" algn="l" defTabSz="914400" rtl="0" eaLnBrk="1" fontAlgn="base" latinLnBrk="0" hangingPunct="1">
+                        <a:lnSpc>
+                          <a:spcPct val="100000"/>
+                        </a:lnSpc>
+                        <a:spcBef>
+                          <a:spcPct val="0"/>
+                        </a:spcBef>
+                        <a:spcAft>
+                          <a:spcPct val="0"/>
+                        </a:spcAft>
+                        <a:buClrTx/>
+                        <a:buSzTx/>
+                        <a:buFontTx/>
+                        <a:buNone/>
+                        <a:tabLst/>
+                      </a:pPr>
+                      <a:r>
+                        <a:rPr kumimoji="0" lang="en-US" sz="1800" b="1" i="0" u="none" strike="noStrike" cap="none" normalizeH="0" baseline="0" smtClean="0">
+                          <a:ln>
+                            <a:noFill/>
+                          </a:ln>
+                          <a:solidFill>
+                            <a:schemeClr val="tx1"/>
+                          </a:solidFill>
+                          <a:effectLst/>
+                          <a:latin typeface="Calibri" pitchFamily="34" charset="0"/>
+                        </a:rPr>
                         <a:t>Thazin Win</a:t>
                       </a:r>
                     </a:p>
                     <a:p>
-                      <a:endParaRPr lang="en-US" dirty="0"/>
+                      <a:pPr marL="0" marR="0" lvl="0" indent="0" algn="l" defTabSz="914400" rtl="0" eaLnBrk="1" fontAlgn="base" latinLnBrk="0" hangingPunct="1">
+                        <a:lnSpc>
+                          <a:spcPct val="100000"/>
+                        </a:lnSpc>
+                        <a:spcBef>
+                          <a:spcPct val="0"/>
+                        </a:spcBef>
+                        <a:spcAft>
+                          <a:spcPct val="0"/>
+                        </a:spcAft>
+                        <a:buClrTx/>
+                        <a:buSzTx/>
+                        <a:buFontTx/>
+                        <a:buNone/>
+                        <a:tabLst/>
+                      </a:pPr>
+                      <a:endParaRPr kumimoji="0" lang="en-US" sz="1800" b="0" i="0" u="none" strike="noStrike" cap="none" normalizeH="0" baseline="0" smtClean="0">
+                        <a:ln>
+                          <a:noFill/>
+                        </a:ln>
+                        <a:solidFill>
+                          <a:schemeClr val="tx1"/>
+                        </a:solidFill>
+                        <a:effectLst/>
+                        <a:latin typeface="Calibri" pitchFamily="34" charset="0"/>
+                      </a:endParaRPr>
                     </a:p>
                   </a:txBody>
-                  <a:tcPr/>
+                  <a:tcPr horzOverflow="overflow">
+                    <a:lnL w="12700" cap="flat" cmpd="sng" algn="ctr">
+                      <a:solidFill>
+                        <a:schemeClr val="tx1"/>
+                      </a:solidFill>
+                      <a:prstDash val="solid"/>
+                      <a:round/>
+                      <a:headEnd type="none" w="med" len="med"/>
+                      <a:tailEnd type="none" w="med" len="med"/>
+                    </a:lnL>
+                    <a:lnR w="12700" cap="flat" cmpd="sng" algn="ctr">
+                      <a:solidFill>
+                        <a:schemeClr val="tx1"/>
+                      </a:solidFill>
+                      <a:prstDash val="solid"/>
+                      <a:round/>
+                      <a:headEnd type="none" w="med" len="med"/>
+                      <a:tailEnd type="none" w="med" len="med"/>
+                    </a:lnR>
+                    <a:lnT w="12700" cap="flat" cmpd="sng" algn="ctr">
+                      <a:solidFill>
+                        <a:schemeClr val="tx1"/>
+                      </a:solidFill>
+                      <a:prstDash val="solid"/>
+                      <a:round/>
+                      <a:headEnd type="none" w="med" len="med"/>
+                      <a:tailEnd type="none" w="med" len="med"/>
+                    </a:lnT>
+                    <a:lnB w="12700" cap="flat" cmpd="sng" algn="ctr">
+                      <a:solidFill>
+                        <a:schemeClr val="tx1"/>
+                      </a:solidFill>
+                      <a:prstDash val="solid"/>
+                      <a:round/>
+                      <a:headEnd type="none" w="med" len="med"/>
+                      <a:tailEnd type="none" w="med" len="med"/>
+                    </a:lnB>
+                    <a:lnTlToBr>
+                      <a:noFill/>
+                    </a:lnTlToBr>
+                    <a:lnBlToTr>
+                      <a:noFill/>
+                    </a:lnBlToTr>
+                    <a:noFill/>
+                  </a:tcPr>
                 </a:tc>
                 <a:tc>
                   <a:txBody>
                     <a:bodyPr/>
                     <a:lstStyle/>
                     <a:p>
-                      <a:pPr marL="0" marR="0" indent="0" algn="l" defTabSz="914400" rtl="0" eaLnBrk="1" fontAlgn="auto" latinLnBrk="0" hangingPunct="1">
+                      <a:pPr marL="0" marR="0" lvl="0" indent="0" algn="l" defTabSz="914400" rtl="0" eaLnBrk="1" fontAlgn="base" latinLnBrk="0" hangingPunct="1">
                         <a:lnSpc>
                           <a:spcPct val="100000"/>
                         </a:lnSpc>
                         <a:spcBef>
-                          <a:spcPts val="0"/>
+                          <a:spcPct val="0"/>
                         </a:spcBef>
                         <a:spcAft>
-                          <a:spcPts val="0"/>
+                          <a:spcPct val="0"/>
                         </a:spcAft>
                         <a:buClrTx/>
                         <a:buSzTx/>
                         <a:buFontTx/>
                         <a:buNone/>
                         <a:tabLst/>
-                        <a:defRPr/>
                       </a:pPr>
                       <a:r>
-                        <a:rPr lang="en-US" dirty="0" smtClean="0"/>
+                        <a:rPr kumimoji="0" lang="en-US" sz="1800" b="0" i="0" u="none" strike="noStrike" cap="none" normalizeH="0" baseline="0" smtClean="0">
+                          <a:ln>
+                            <a:noFill/>
+                          </a:ln>
+                          <a:solidFill>
+                            <a:schemeClr val="tx1"/>
+                          </a:solidFill>
+                          <a:effectLst/>
+                          <a:latin typeface="Calibri" pitchFamily="34" charset="0"/>
+                        </a:rPr>
                         <a:t>Analysis, Design, Model , Control, Testing, Documentation, </a:t>
                       </a:r>
                     </a:p>
                     <a:p>
-                      <a:endParaRPr lang="en-US" dirty="0"/>
-                    </a:p>
-                  </a:txBody>
-                  <a:tcPr/>
-                </a:tc>
-              </a:tr>
-              <a:tr h="694267">
-                <a:tc>
-                  <a:txBody>
-                    <a:bodyPr/>
-                    <a:lstStyle/>
-                    <a:p>
-                      <a:pPr marL="0" marR="0" indent="0" algn="l" defTabSz="914400" rtl="0" eaLnBrk="1" fontAlgn="auto" latinLnBrk="0" hangingPunct="1">
+                      <a:pPr marL="0" marR="0" lvl="0" indent="0" algn="l" defTabSz="914400" rtl="0" eaLnBrk="1" fontAlgn="base" latinLnBrk="0" hangingPunct="1">
                         <a:lnSpc>
                           <a:spcPct val="100000"/>
                         </a:lnSpc>
                         <a:spcBef>
-                          <a:spcPts val="0"/>
+                          <a:spcPct val="0"/>
                         </a:spcBef>
                         <a:spcAft>
-                          <a:spcPts val="0"/>
+                          <a:spcPct val="0"/>
                         </a:spcAft>
                         <a:buClrTx/>
                         <a:buSzTx/>
                         <a:buFontTx/>
                         <a:buNone/>
                         <a:tabLst/>
-                        <a:defRPr/>
+                      </a:pPr>
+                      <a:endParaRPr kumimoji="0" lang="en-US" sz="1800" b="0" i="0" u="none" strike="noStrike" cap="none" normalizeH="0" baseline="0" smtClean="0">
+                        <a:ln>
+                          <a:noFill/>
+                        </a:ln>
+                        <a:solidFill>
+                          <a:schemeClr val="tx1"/>
+                        </a:solidFill>
+                        <a:effectLst/>
+                        <a:latin typeface="Calibri" pitchFamily="34" charset="0"/>
+                      </a:endParaRPr>
+                    </a:p>
+                  </a:txBody>
+                  <a:tcPr horzOverflow="overflow">
+                    <a:lnL w="12700" cap="flat" cmpd="sng" algn="ctr">
+                      <a:solidFill>
+                        <a:schemeClr val="tx1"/>
+                      </a:solidFill>
+                      <a:prstDash val="solid"/>
+                      <a:round/>
+                      <a:headEnd type="none" w="med" len="med"/>
+                      <a:tailEnd type="none" w="med" len="med"/>
+                    </a:lnL>
+                    <a:lnR w="12700" cap="flat" cmpd="sng" algn="ctr">
+                      <a:solidFill>
+                        <a:schemeClr val="tx1"/>
+                      </a:solidFill>
+                      <a:prstDash val="solid"/>
+                      <a:round/>
+                      <a:headEnd type="none" w="med" len="med"/>
+                      <a:tailEnd type="none" w="med" len="med"/>
+                    </a:lnR>
+                    <a:lnT w="12700" cap="flat" cmpd="sng" algn="ctr">
+                      <a:solidFill>
+                        <a:schemeClr val="tx1"/>
+                      </a:solidFill>
+                      <a:prstDash val="solid"/>
+                      <a:round/>
+                      <a:headEnd type="none" w="med" len="med"/>
+                      <a:tailEnd type="none" w="med" len="med"/>
+                    </a:lnT>
+                    <a:lnB w="12700" cap="flat" cmpd="sng" algn="ctr">
+                      <a:solidFill>
+                        <a:schemeClr val="tx1"/>
+                      </a:solidFill>
+                      <a:prstDash val="solid"/>
+                      <a:round/>
+                      <a:headEnd type="none" w="med" len="med"/>
+                      <a:tailEnd type="none" w="med" len="med"/>
+                    </a:lnB>
+                    <a:lnTlToBr>
+                      <a:noFill/>
+                    </a:lnTlToBr>
+                    <a:lnBlToTr>
+                      <a:noFill/>
+                    </a:lnBlToTr>
+                    <a:noFill/>
+                  </a:tcPr>
+                </a:tc>
+              </a:tr>
+              <a:tr h="693738">
+                <a:tc>
+                  <a:txBody>
+                    <a:bodyPr/>
+                    <a:lstStyle/>
+                    <a:p>
+                      <a:pPr marL="0" marR="0" lvl="0" indent="0" algn="l" defTabSz="914400" rtl="0" eaLnBrk="1" fontAlgn="base" latinLnBrk="0" hangingPunct="1">
+                        <a:lnSpc>
+                          <a:spcPct val="100000"/>
+                        </a:lnSpc>
+                        <a:spcBef>
+                          <a:spcPct val="0"/>
+                        </a:spcBef>
+                        <a:spcAft>
+                          <a:spcPct val="0"/>
+                        </a:spcAft>
+                        <a:buClrTx/>
+                        <a:buSzTx/>
+                        <a:buFontTx/>
+                        <a:buNone/>
+                        <a:tabLst/>
                       </a:pPr>
                       <a:r>
-                        <a:rPr lang="en-US" sz="1800" b="1" dirty="0" smtClean="0"/>
+                        <a:rPr kumimoji="0" lang="en-US" sz="1800" b="1" i="0" u="none" strike="noStrike" cap="none" normalizeH="0" baseline="0" smtClean="0">
+                          <a:ln>
+                            <a:noFill/>
+                          </a:ln>
+                          <a:solidFill>
+                            <a:schemeClr val="tx1"/>
+                          </a:solidFill>
+                          <a:effectLst/>
+                          <a:latin typeface="Calibri" pitchFamily="34" charset="0"/>
+                        </a:rPr>
                         <a:t>Wai Yan Ko Ko</a:t>
                       </a:r>
                     </a:p>
                     <a:p>
-                      <a:endParaRPr lang="en-US" dirty="0"/>
+                      <a:pPr marL="0" marR="0" lvl="0" indent="0" algn="l" defTabSz="914400" rtl="0" eaLnBrk="1" fontAlgn="base" latinLnBrk="0" hangingPunct="1">
+                        <a:lnSpc>
+                          <a:spcPct val="100000"/>
+                        </a:lnSpc>
+                        <a:spcBef>
+                          <a:spcPct val="0"/>
+                        </a:spcBef>
+                        <a:spcAft>
+                          <a:spcPct val="0"/>
+                        </a:spcAft>
+                        <a:buClrTx/>
+                        <a:buSzTx/>
+                        <a:buFontTx/>
+                        <a:buNone/>
+                        <a:tabLst/>
+                      </a:pPr>
+                      <a:endParaRPr kumimoji="0" lang="en-US" sz="1800" b="0" i="0" u="none" strike="noStrike" cap="none" normalizeH="0" baseline="0" smtClean="0">
+                        <a:ln>
+                          <a:noFill/>
+                        </a:ln>
+                        <a:solidFill>
+                          <a:schemeClr val="tx1"/>
+                        </a:solidFill>
+                        <a:effectLst/>
+                        <a:latin typeface="Calibri" pitchFamily="34" charset="0"/>
+                      </a:endParaRPr>
                     </a:p>
                   </a:txBody>
-                  <a:tcPr/>
+                  <a:tcPr horzOverflow="overflow">
+                    <a:lnL w="12700" cap="flat" cmpd="sng" algn="ctr">
+                      <a:solidFill>
+                        <a:schemeClr val="tx1"/>
+                      </a:solidFill>
+                      <a:prstDash val="solid"/>
+                      <a:round/>
+                      <a:headEnd type="none" w="med" len="med"/>
+                      <a:tailEnd type="none" w="med" len="med"/>
+                    </a:lnL>
+                    <a:lnR w="12700" cap="flat" cmpd="sng" algn="ctr">
+                      <a:solidFill>
+                        <a:schemeClr val="tx1"/>
+                      </a:solidFill>
+                      <a:prstDash val="solid"/>
+                      <a:round/>
+                      <a:headEnd type="none" w="med" len="med"/>
+                      <a:tailEnd type="none" w="med" len="med"/>
+                    </a:lnR>
+                    <a:lnT w="12700" cap="flat" cmpd="sng" algn="ctr">
+                      <a:solidFill>
+                        <a:schemeClr val="tx1"/>
+                      </a:solidFill>
+                      <a:prstDash val="solid"/>
+                      <a:round/>
+                      <a:headEnd type="none" w="med" len="med"/>
+                      <a:tailEnd type="none" w="med" len="med"/>
+                    </a:lnT>
+                    <a:lnB w="12700" cap="flat" cmpd="sng" algn="ctr">
+                      <a:solidFill>
+                        <a:schemeClr val="tx1"/>
+                      </a:solidFill>
+                      <a:prstDash val="solid"/>
+                      <a:round/>
+                      <a:headEnd type="none" w="med" len="med"/>
+                      <a:tailEnd type="none" w="med" len="med"/>
+                    </a:lnB>
+                    <a:lnTlToBr>
+                      <a:noFill/>
+                    </a:lnTlToBr>
+                    <a:lnBlToTr>
+                      <a:noFill/>
+                    </a:lnBlToTr>
+                    <a:noFill/>
+                  </a:tcPr>
                 </a:tc>
                 <a:tc>
                   <a:txBody>
                     <a:bodyPr/>
                     <a:lstStyle/>
                     <a:p>
-                      <a:endParaRPr lang="en-US" dirty="0"/>
+                      <a:pPr marL="0" marR="0" lvl="0" indent="0" algn="l" defTabSz="914400" rtl="0" eaLnBrk="1" fontAlgn="base" latinLnBrk="0" hangingPunct="1">
+                        <a:lnSpc>
+                          <a:spcPct val="100000"/>
+                        </a:lnSpc>
+                        <a:spcBef>
+                          <a:spcPct val="0"/>
+                        </a:spcBef>
+                        <a:spcAft>
+                          <a:spcPct val="0"/>
+                        </a:spcAft>
+                        <a:buClrTx/>
+                        <a:buSzTx/>
+                        <a:buFontTx/>
+                        <a:buNone/>
+                        <a:tabLst/>
+                      </a:pPr>
+                      <a:endParaRPr kumimoji="0" lang="en-US" sz="1800" b="0" i="0" u="none" strike="noStrike" cap="none" normalizeH="0" baseline="0" smtClean="0">
+                        <a:ln>
+                          <a:noFill/>
+                        </a:ln>
+                        <a:solidFill>
+                          <a:schemeClr val="tx1"/>
+                        </a:solidFill>
+                        <a:effectLst/>
+                        <a:latin typeface="Calibri" pitchFamily="34" charset="0"/>
+                      </a:endParaRPr>
                     </a:p>
                   </a:txBody>
-                  <a:tcPr/>
+                  <a:tcPr horzOverflow="overflow">
+                    <a:lnL w="12700" cap="flat" cmpd="sng" algn="ctr">
+                      <a:solidFill>
+                        <a:schemeClr val="tx1"/>
+                      </a:solidFill>
+                      <a:prstDash val="solid"/>
+                      <a:round/>
+                      <a:headEnd type="none" w="med" len="med"/>
+                      <a:tailEnd type="none" w="med" len="med"/>
+                    </a:lnL>
+                    <a:lnR w="12700" cap="flat" cmpd="sng" algn="ctr">
+                      <a:solidFill>
+                        <a:schemeClr val="tx1"/>
+                      </a:solidFill>
+                      <a:prstDash val="solid"/>
+                      <a:round/>
+                      <a:headEnd type="none" w="med" len="med"/>
+                      <a:tailEnd type="none" w="med" len="med"/>
+                    </a:lnR>
+                    <a:lnT w="12700" cap="flat" cmpd="sng" algn="ctr">
+                      <a:solidFill>
+                        <a:schemeClr val="tx1"/>
+                      </a:solidFill>
+                      <a:prstDash val="solid"/>
+                      <a:round/>
+                      <a:headEnd type="none" w="med" len="med"/>
+                      <a:tailEnd type="none" w="med" len="med"/>
+                    </a:lnT>
+                    <a:lnB w="12700" cap="flat" cmpd="sng" algn="ctr">
+                      <a:solidFill>
+                        <a:schemeClr val="tx1"/>
+                      </a:solidFill>
+                      <a:prstDash val="solid"/>
+                      <a:round/>
+                      <a:headEnd type="none" w="med" len="med"/>
+                      <a:tailEnd type="none" w="med" len="med"/>
+                    </a:lnB>
+                    <a:lnTlToBr>
+                      <a:noFill/>
+                    </a:lnTlToBr>
+                    <a:lnBlToTr>
+                      <a:noFill/>
+                    </a:lnBlToTr>
+                    <a:noFill/>
+                  </a:tcPr>
                 </a:tc>
               </a:tr>
-              <a:tr h="541867">
+              <a:tr h="541338">
                 <a:tc>
                   <a:txBody>
                     <a:bodyPr/>
                     <a:lstStyle/>
                     <a:p>
+                      <a:pPr marL="0" marR="0" lvl="0" indent="0" algn="l" defTabSz="914400" rtl="0" eaLnBrk="1" fontAlgn="base" latinLnBrk="0" hangingPunct="1">
+                        <a:lnSpc>
+                          <a:spcPct val="100000"/>
+                        </a:lnSpc>
+                        <a:spcBef>
+                          <a:spcPct val="0"/>
+                        </a:spcBef>
+                        <a:spcAft>
+                          <a:spcPct val="0"/>
+                        </a:spcAft>
+                        <a:buClrTx/>
+                        <a:buSzTx/>
+                        <a:buFontTx/>
+                        <a:buNone/>
+                        <a:tabLst/>
+                      </a:pPr>
                       <a:r>
-                        <a:rPr lang="en-US" b="1" dirty="0" smtClean="0"/>
+                        <a:rPr kumimoji="0" lang="en-US" sz="1800" b="1" i="0" u="none" strike="noStrike" cap="none" normalizeH="0" baseline="0" smtClean="0">
+                          <a:ln>
+                            <a:noFill/>
+                          </a:ln>
+                          <a:solidFill>
+                            <a:schemeClr val="tx1"/>
+                          </a:solidFill>
+                          <a:effectLst/>
+                          <a:latin typeface="Calibri" pitchFamily="34" charset="0"/>
+                        </a:rPr>
                         <a:t>Zin Mar Twin</a:t>
                       </a:r>
-                      <a:endParaRPr lang="en-US" b="1" dirty="0"/>
                     </a:p>
                   </a:txBody>
-                  <a:tcPr/>
+                  <a:tcPr horzOverflow="overflow">
+                    <a:lnL w="12700" cap="flat" cmpd="sng" algn="ctr">
+                      <a:solidFill>
+                        <a:schemeClr val="tx1"/>
+                      </a:solidFill>
+                      <a:prstDash val="solid"/>
+                      <a:round/>
+                      <a:headEnd type="none" w="med" len="med"/>
+                      <a:tailEnd type="none" w="med" len="med"/>
+                    </a:lnL>
+                    <a:lnR w="12700" cap="flat" cmpd="sng" algn="ctr">
+                      <a:solidFill>
+                        <a:schemeClr val="tx1"/>
+                      </a:solidFill>
+                      <a:prstDash val="solid"/>
+                      <a:round/>
+                      <a:headEnd type="none" w="med" len="med"/>
+                      <a:tailEnd type="none" w="med" len="med"/>
+                    </a:lnR>
+                    <a:lnT w="12700" cap="flat" cmpd="sng" algn="ctr">
+                      <a:solidFill>
+                        <a:schemeClr val="tx1"/>
+                      </a:solidFill>
+                      <a:prstDash val="solid"/>
+                      <a:round/>
+                      <a:headEnd type="none" w="med" len="med"/>
+                      <a:tailEnd type="none" w="med" len="med"/>
+                    </a:lnT>
+                    <a:lnB w="12700" cap="flat" cmpd="sng" algn="ctr">
+                      <a:solidFill>
+                        <a:schemeClr val="tx1"/>
+                      </a:solidFill>
+                      <a:prstDash val="solid"/>
+                      <a:round/>
+                      <a:headEnd type="none" w="med" len="med"/>
+                      <a:tailEnd type="none" w="med" len="med"/>
+                    </a:lnB>
+                    <a:lnTlToBr>
+                      <a:noFill/>
+                    </a:lnTlToBr>
+                    <a:lnBlToTr>
+                      <a:noFill/>
+                    </a:lnBlToTr>
+                    <a:noFill/>
+                  </a:tcPr>
                 </a:tc>
                 <a:tc>
                   <a:txBody>
                     <a:bodyPr/>
                     <a:lstStyle/>
                     <a:p>
-                      <a:endParaRPr lang="en-US" dirty="0"/>
+                      <a:pPr marL="0" marR="0" lvl="0" indent="0" algn="l" defTabSz="914400" rtl="0" eaLnBrk="1" fontAlgn="base" latinLnBrk="0" hangingPunct="1">
+                        <a:lnSpc>
+                          <a:spcPct val="100000"/>
+                        </a:lnSpc>
+                        <a:spcBef>
+                          <a:spcPct val="0"/>
+                        </a:spcBef>
+                        <a:spcAft>
+                          <a:spcPct val="0"/>
+                        </a:spcAft>
+                        <a:buClrTx/>
+                        <a:buSzTx/>
+                        <a:buFontTx/>
+                        <a:buNone/>
+                        <a:tabLst/>
+                      </a:pPr>
+                      <a:endParaRPr kumimoji="0" lang="en-US" sz="1800" b="0" i="0" u="none" strike="noStrike" cap="none" normalizeH="0" baseline="0" smtClean="0">
+                        <a:ln>
+                          <a:noFill/>
+                        </a:ln>
+                        <a:solidFill>
+                          <a:schemeClr val="tx1"/>
+                        </a:solidFill>
+                        <a:effectLst/>
+                        <a:latin typeface="Calibri" pitchFamily="34" charset="0"/>
+                      </a:endParaRPr>
                     </a:p>
                   </a:txBody>
-                  <a:tcPr/>
+                  <a:tcPr horzOverflow="overflow">
+                    <a:lnL w="12700" cap="flat" cmpd="sng" algn="ctr">
+                      <a:solidFill>
+                        <a:schemeClr val="tx1"/>
+                      </a:solidFill>
+                      <a:prstDash val="solid"/>
+                      <a:round/>
+                      <a:headEnd type="none" w="med" len="med"/>
+                      <a:tailEnd type="none" w="med" len="med"/>
+                    </a:lnL>
+                    <a:lnR w="12700" cap="flat" cmpd="sng" algn="ctr">
+                      <a:solidFill>
+                        <a:schemeClr val="tx1"/>
+                      </a:solidFill>
+                      <a:prstDash val="solid"/>
+                      <a:round/>
+                      <a:headEnd type="none" w="med" len="med"/>
+                      <a:tailEnd type="none" w="med" len="med"/>
+                    </a:lnR>
+                    <a:lnT w="12700" cap="flat" cmpd="sng" algn="ctr">
+                      <a:solidFill>
+                        <a:schemeClr val="tx1"/>
+                      </a:solidFill>
+                      <a:prstDash val="solid"/>
+                      <a:round/>
+                      <a:headEnd type="none" w="med" len="med"/>
+                      <a:tailEnd type="none" w="med" len="med"/>
+                    </a:lnT>
+                    <a:lnB w="12700" cap="flat" cmpd="sng" algn="ctr">
+                      <a:solidFill>
+                        <a:schemeClr val="tx1"/>
+                      </a:solidFill>
+                      <a:prstDash val="solid"/>
+                      <a:round/>
+                      <a:headEnd type="none" w="med" len="med"/>
+                      <a:tailEnd type="none" w="med" len="med"/>
+                    </a:lnB>
+                    <a:lnTlToBr>
+                      <a:noFill/>
+                    </a:lnTlToBr>
+                    <a:lnBlToTr>
+                      <a:noFill/>
+                    </a:lnBlToTr>
+                    <a:noFill/>
+                  </a:tcPr>
                 </a:tc>
               </a:tr>
             </a:tbl>
@@ -4544,13 +6180,7 @@
           <p:nvPr/>
         </p:nvPicPr>
         <p:blipFill>
-          <a:blip r:embed="rId2" cstate="print">
-            <a:extLst>
-              <a:ext uri="{28A0092B-C50C-407E-A947-70E740481C1C}">
-                <a14:useLocalDpi xmlns:a14="http://schemas.microsoft.com/office/drawing/2010/main" val="0"/>
-              </a:ext>
-            </a:extLst>
-          </a:blip>
+          <a:blip r:embed="rId2"/>
           <a:srcRect/>
           <a:stretch>
             <a:fillRect/>
@@ -4575,44 +6205,17 @@
             </a:outerShdw>
           </a:effectLst>
           <a:extLst>
-            <a:ext uri="{909E8E84-426E-40DD-AFC4-6F175D3DCCD1}">
-              <a14:hiddenFill xmlns:a14="http://schemas.microsoft.com/office/drawing/2010/main">
-                <a:solidFill>
-                  <a:schemeClr val="accent1"/>
-                </a:solidFill>
-              </a14:hiddenFill>
-            </a:ext>
-            <a:ext uri="{91240B29-F687-4F45-9708-019B960494DF}">
-              <a14:hiddenLine xmlns:a14="http://schemas.microsoft.com/office/drawing/2010/main" w="9525">
-                <a:solidFill>
-                  <a:schemeClr val="tx1"/>
-                </a:solidFill>
-                <a:miter lim="800000"/>
-                <a:headEnd/>
-                <a:tailEnd/>
-              </a14:hiddenLine>
-            </a:ext>
+            <a:ext uri="{909E8E84-426E-40DD-AFC4-6F175D3DCCD1}"/>
+            <a:ext uri="{91240B29-F687-4F45-9708-019B960494DF}"/>
           </a:extLst>
         </p:spPr>
       </p:pic>
     </p:spTree>
-    <p:extLst>
-      <p:ext uri="{BB962C8B-B14F-4D97-AF65-F5344CB8AC3E}">
-        <p14:creationId xmlns:p14="http://schemas.microsoft.com/office/powerpoint/2010/main" val="3660150290"/>
-      </p:ext>
-    </p:extLst>
   </p:cSld>
   <p:clrMapOvr>
     <a:masterClrMapping/>
   </p:clrMapOvr>
-  <mc:AlternateContent xmlns:mc="http://schemas.openxmlformats.org/markup-compatibility/2006" xmlns:p14="http://schemas.microsoft.com/office/powerpoint/2010/main">
-    <mc:Choice Requires="p14">
-      <p:transition p14:dur="0"/>
-    </mc:Choice>
-    <mc:Fallback xmlns="">
-      <p:transition/>
-    </mc:Fallback>
-  </mc:AlternateContent>
+  <p:transition/>
   <p:timing>
     <p:tnLst>
       <p:par>
@@ -4657,9 +6260,17 @@
           </a:xfrm>
         </p:spPr>
         <p:txBody>
-          <a:bodyPr/>
+          <a:bodyPr rtlCol="0">
+            <a:normAutofit/>
+          </a:bodyPr>
           <a:lstStyle/>
           <a:p>
+            <a:pPr fontAlgn="auto">
+              <a:spcAft>
+                <a:spcPts val="0"/>
+              </a:spcAft>
+              <a:defRPr/>
+            </a:pPr>
             <a:r>
               <a:rPr lang="en-US" b="1" u="sng" dirty="0" smtClean="0">
                 <a:ln w="12700">
@@ -4718,57 +6329,121 @@
         </p:nvSpPr>
         <p:spPr>
           <a:xfrm>
-            <a:off x="1371600" y="1828800"/>
-            <a:ext cx="6400800" cy="3810000"/>
+            <a:off x="762000" y="1447800"/>
+            <a:ext cx="7848600" cy="4876800"/>
           </a:xfrm>
         </p:spPr>
         <p:txBody>
           <a:bodyPr/>
           <a:lstStyle/>
           <a:p>
-            <a:endParaRPr lang="en-US" dirty="0"/>
-          </a:p>
-        </p:txBody>
-      </p:sp>
-      <p:sp>
-        <p:nvSpPr>
-          <p:cNvPr id="4" name="Title 14"/>
+            <a:pPr algn="l"/>
+            <a:r>
+              <a:rPr lang="en-US" sz="2800" smtClean="0">
+                <a:solidFill>
+                  <a:schemeClr val="tx1"/>
+                </a:solidFill>
+              </a:rPr>
+              <a:t>Notify the user about the essential message</a:t>
+            </a:r>
+          </a:p>
+          <a:p>
+            <a:pPr algn="l"/>
+            <a:r>
+              <a:rPr lang="en-US" sz="2800" smtClean="0">
+                <a:solidFill>
+                  <a:schemeClr val="tx1"/>
+                </a:solidFill>
+              </a:rPr>
+              <a:t> </a:t>
+            </a:r>
+          </a:p>
+          <a:p>
+            <a:pPr algn="l"/>
+            <a:r>
+              <a:rPr lang="en-US" sz="2800" smtClean="0">
+                <a:solidFill>
+                  <a:schemeClr val="tx1"/>
+                </a:solidFill>
+              </a:rPr>
+              <a:t>Send Email</a:t>
+            </a:r>
+          </a:p>
+          <a:p>
+            <a:pPr algn="l"/>
+            <a:r>
+              <a:rPr lang="en-US" sz="2800" smtClean="0">
+                <a:solidFill>
+                  <a:schemeClr val="tx1"/>
+                </a:solidFill>
+              </a:rPr>
+              <a:t> </a:t>
+            </a:r>
+          </a:p>
+          <a:p>
+            <a:pPr algn="l"/>
+            <a:r>
+              <a:rPr lang="en-US" sz="2800" smtClean="0">
+                <a:solidFill>
+                  <a:schemeClr val="tx1"/>
+                </a:solidFill>
+              </a:rPr>
+              <a:t>Store Manager / supervisor can Blacklist Department </a:t>
+            </a:r>
+          </a:p>
+          <a:p>
+            <a:pPr algn="l"/>
+            <a:endParaRPr lang="en-US" sz="2800" smtClean="0">
+              <a:solidFill>
+                <a:schemeClr val="tx1"/>
+              </a:solidFill>
+            </a:endParaRPr>
+          </a:p>
+          <a:p>
+            <a:pPr algn="l"/>
+            <a:r>
+              <a:rPr lang="en-US" sz="2800" smtClean="0">
+                <a:solidFill>
+                  <a:schemeClr val="tx1"/>
+                </a:solidFill>
+              </a:rPr>
+              <a:t>Can show report in excel &amp; pdf</a:t>
+            </a:r>
+          </a:p>
+        </p:txBody>
+      </p:sp>
+      <p:sp>
+        <p:nvSpPr>
+          <p:cNvPr id="15363" name="Title 14"/>
           <p:cNvSpPr txBox="1">
             <a:spLocks/>
           </p:cNvSpPr>
           <p:nvPr/>
         </p:nvSpPr>
-        <p:spPr>
+        <p:spPr bwMode="auto">
           <a:xfrm>
-            <a:off x="2760785" y="266700"/>
+            <a:off x="2760663" y="266700"/>
             <a:ext cx="5029200" cy="609600"/>
           </a:xfrm>
           <a:prstGeom prst="rect">
             <a:avLst/>
           </a:prstGeom>
+          <a:noFill/>
+          <a:ln w="9525">
+            <a:noFill/>
+            <a:miter lim="800000"/>
+            <a:headEnd/>
+            <a:tailEnd/>
+          </a:ln>
         </p:spPr>
         <p:txBody>
-          <a:bodyPr vert="horz" lIns="91440" tIns="45720" rIns="91440" bIns="45720" rtlCol="0" anchor="ctr">
-            <a:normAutofit/>
-          </a:bodyPr>
-          <a:lstStyle>
-            <a:lvl1pPr algn="ctr" defTabSz="914400" rtl="0" eaLnBrk="1" latinLnBrk="0" hangingPunct="1">
-              <a:spcBef>
-                <a:spcPct val="0"/>
-              </a:spcBef>
-              <a:buNone/>
-              <a:defRPr sz="4400" kern="1200">
-                <a:solidFill>
-                  <a:schemeClr val="tx1"/>
-                </a:solidFill>
-                <a:latin typeface="+mj-lt"/>
-                <a:ea typeface="+mj-ea"/>
-                <a:cs typeface="+mj-cs"/>
-              </a:defRPr>
-            </a:lvl1pPr>
-          </a:lstStyle>
-          <a:p>
-            <a:endParaRPr lang="en-US" sz="2800" u="sng" dirty="0"/>
+          <a:bodyPr anchor="ctr"/>
+          <a:lstStyle/>
+          <a:p>
+            <a:pPr algn="ctr"/>
+            <a:endParaRPr lang="en-US" sz="2800" u="sng">
+              <a:latin typeface="Calibri" pitchFamily="34" charset="0"/>
+            </a:endParaRPr>
           </a:p>
         </p:txBody>
       </p:sp>
@@ -4781,13 +6456,7 @@
           <p:nvPr/>
         </p:nvPicPr>
         <p:blipFill>
-          <a:blip r:embed="rId2" cstate="print">
-            <a:extLst>
-              <a:ext uri="{28A0092B-C50C-407E-A947-70E740481C1C}">
-                <a14:useLocalDpi xmlns:a14="http://schemas.microsoft.com/office/drawing/2010/main" val="0"/>
-              </a:ext>
-            </a:extLst>
-          </a:blip>
+          <a:blip r:embed="rId2"/>
           <a:srcRect/>
           <a:stretch>
             <a:fillRect/>
@@ -4812,23 +6481,8 @@
             </a:outerShdw>
           </a:effectLst>
           <a:extLst>
-            <a:ext uri="{909E8E84-426E-40DD-AFC4-6F175D3DCCD1}">
-              <a14:hiddenFill xmlns:a14="http://schemas.microsoft.com/office/drawing/2010/main">
-                <a:solidFill>
-                  <a:schemeClr val="accent1"/>
-                </a:solidFill>
-              </a14:hiddenFill>
-            </a:ext>
-            <a:ext uri="{91240B29-F687-4F45-9708-019B960494DF}">
-              <a14:hiddenLine xmlns:a14="http://schemas.microsoft.com/office/drawing/2010/main" w="9525">
-                <a:solidFill>
-                  <a:schemeClr val="tx1"/>
-                </a:solidFill>
-                <a:miter lim="800000"/>
-                <a:headEnd/>
-                <a:tailEnd/>
-              </a14:hiddenLine>
-            </a:ext>
+            <a:ext uri="{909E8E84-426E-40DD-AFC4-6F175D3DCCD1}"/>
+            <a:ext uri="{91240B29-F687-4F45-9708-019B960494DF}"/>
           </a:extLst>
         </p:spPr>
       </p:pic>
@@ -4854,42 +6508,23 @@
           </a:ln>
           <a:effectLst/>
           <a:extLst>
-            <a:ext uri="{909E8E84-426E-40DD-AFC4-6F175D3DCCD1}">
-              <a14:hiddenFill xmlns:a14="http://schemas.microsoft.com/office/drawing/2010/main">
-                <a:solidFill>
-                  <a:schemeClr val="accent1"/>
-                </a:solidFill>
-              </a14:hiddenFill>
-            </a:ext>
-            <a:ext uri="{91240B29-F687-4F45-9708-019B960494DF}">
-              <a14:hiddenLine xmlns:a14="http://schemas.microsoft.com/office/drawing/2010/main" w="9525">
-                <a:solidFill>
-                  <a:schemeClr val="tx1"/>
-                </a:solidFill>
-                <a:miter lim="800000"/>
-                <a:headEnd/>
-                <a:tailEnd/>
-              </a14:hiddenLine>
-            </a:ext>
-            <a:ext uri="{AF507438-7753-43E0-B8FC-AC1667EBCBE1}">
-              <a14:hiddenEffects xmlns:a14="http://schemas.microsoft.com/office/drawing/2010/main">
-                <a:effectLst>
-                  <a:outerShdw dist="35921" dir="2700000" algn="ctr" rotWithShape="0">
-                    <a:schemeClr val="bg2"/>
-                  </a:outerShdw>
-                </a:effectLst>
-              </a14:hiddenEffects>
-            </a:ext>
+            <a:ext uri="{909E8E84-426E-40DD-AFC4-6F175D3DCCD1}"/>
+            <a:ext uri="{91240B29-F687-4F45-9708-019B960494DF}"/>
+            <a:ext uri="{AF507438-7753-43E0-B8FC-AC1667EBCBE1}"/>
           </a:extLst>
         </p:spPr>
         <p:txBody>
           <a:bodyPr/>
           <a:lstStyle/>
           <a:p>
-            <a:pPr marL="342900" indent="-342900">
+            <a:pPr marL="342900" indent="-342900" fontAlgn="auto">
               <a:spcBef>
                 <a:spcPct val="20000"/>
               </a:spcBef>
+              <a:spcAft>
+                <a:spcPts val="0"/>
+              </a:spcAft>
+              <a:defRPr/>
             </a:pPr>
             <a:r>
               <a:rPr lang="en-US" sz="2400" b="1" dirty="0">
@@ -4909,6 +6544,7 @@
                     </a:srgbClr>
                   </a:outerShdw>
                 </a:effectLst>
+                <a:latin typeface="+mn-lt"/>
               </a:rPr>
               <a:t>Team-9</a:t>
             </a:r>
@@ -4993,8 +6629,10 @@
       </p:cxnSp>
       <p:cxnSp>
         <p:nvCxnSpPr>
-          <p:cNvPr id="9" name="Straight Connector 8"/>
-          <p:cNvCxnSpPr/>
+          <p:cNvPr id="15368" name="Straight Connector 8"/>
+          <p:cNvCxnSpPr>
+            <a:cxnSpLocks noChangeShapeType="1"/>
+          </p:cNvCxnSpPr>
           <p:nvPr/>
         </p:nvCxnSpPr>
         <p:spPr bwMode="auto">
@@ -5005,36 +6643,23 @@
           <a:prstGeom prst="line">
             <a:avLst/>
           </a:prstGeom>
-          <a:solidFill>
-            <a:schemeClr val="accent1"/>
-          </a:solidFill>
-          <a:ln w="53975" cap="flat" cmpd="sng" algn="ctr">
+          <a:noFill/>
+          <a:ln w="53975" algn="ctr">
             <a:solidFill>
               <a:schemeClr val="accent2"/>
             </a:solidFill>
-            <a:prstDash val="solid"/>
             <a:round/>
-            <a:headEnd type="none" w="med" len="med"/>
-            <a:tailEnd type="none" w="med" len="med"/>
+            <a:headEnd/>
+            <a:tailEnd/>
           </a:ln>
-          <a:effectLst/>
-          <a:extLst>
-            <a:ext uri="{AF507438-7753-43E0-B8FC-AC1667EBCBE1}">
-              <a14:hiddenEffects xmlns:a14="http://schemas.microsoft.com/office/drawing/2010/main">
-                <a:effectLst>
-                  <a:outerShdw dist="35921" dir="2700000" algn="ctr" rotWithShape="0">
-                    <a:schemeClr val="bg2"/>
-                  </a:outerShdw>
-                </a:effectLst>
-              </a14:hiddenEffects>
-            </a:ext>
-          </a:extLst>
         </p:spPr>
       </p:cxnSp>
       <p:cxnSp>
         <p:nvCxnSpPr>
-          <p:cNvPr id="10" name="Straight Connector 9"/>
-          <p:cNvCxnSpPr/>
+          <p:cNvPr id="15369" name="Straight Connector 9"/>
+          <p:cNvCxnSpPr>
+            <a:cxnSpLocks noChangeShapeType="1"/>
+          </p:cNvCxnSpPr>
           <p:nvPr/>
         </p:nvCxnSpPr>
         <p:spPr bwMode="auto">
@@ -5045,38 +6670,18 @@
           <a:prstGeom prst="line">
             <a:avLst/>
           </a:prstGeom>
-          <a:solidFill>
-            <a:schemeClr val="accent1"/>
-          </a:solidFill>
-          <a:ln w="53975" cap="flat" cmpd="sng" algn="ctr">
+          <a:noFill/>
+          <a:ln w="53975" algn="ctr">
             <a:solidFill>
               <a:schemeClr val="tx2"/>
             </a:solidFill>
-            <a:prstDash val="solid"/>
             <a:round/>
-            <a:headEnd type="none" w="med" len="med"/>
-            <a:tailEnd type="none" w="med" len="med"/>
+            <a:headEnd/>
+            <a:tailEnd/>
           </a:ln>
-          <a:effectLst/>
-          <a:extLst>
-            <a:ext uri="{AF507438-7753-43E0-B8FC-AC1667EBCBE1}">
-              <a14:hiddenEffects xmlns:a14="http://schemas.microsoft.com/office/drawing/2010/main">
-                <a:effectLst>
-                  <a:outerShdw dist="35921" dir="2700000" algn="ctr" rotWithShape="0">
-                    <a:schemeClr val="bg2"/>
-                  </a:outerShdw>
-                </a:effectLst>
-              </a14:hiddenEffects>
-            </a:ext>
-          </a:extLst>
         </p:spPr>
       </p:cxnSp>
     </p:spTree>
-    <p:extLst>
-      <p:ext uri="{BB962C8B-B14F-4D97-AF65-F5344CB8AC3E}">
-        <p14:creationId xmlns:p14="http://schemas.microsoft.com/office/powerpoint/2010/main" val="472523714"/>
-      </p:ext>
-    </p:extLst>
   </p:cSld>
   <p:clrMapOvr>
     <a:masterClrMapping/>
@@ -5125,11 +6730,17 @@
           </a:xfrm>
         </p:spPr>
         <p:txBody>
-          <a:bodyPr>
+          <a:bodyPr rtlCol="0">
             <a:normAutofit/>
           </a:bodyPr>
           <a:lstStyle/>
           <a:p>
+            <a:pPr fontAlgn="auto">
+              <a:spcAft>
+                <a:spcPts val="0"/>
+              </a:spcAft>
+              <a:defRPr/>
+            </a:pPr>
             <a:r>
               <a:rPr lang="en-US" b="1" u="sng" dirty="0" smtClean="0">
                 <a:ln w="12700">
@@ -5169,27 +6780,147 @@
         </p:nvSpPr>
         <p:spPr>
           <a:xfrm>
-            <a:off x="1371600" y="1524000"/>
-            <a:ext cx="6400800" cy="4114800"/>
+            <a:off x="762000" y="1295400"/>
+            <a:ext cx="7772400" cy="4800600"/>
           </a:xfrm>
         </p:spPr>
         <p:txBody>
           <a:bodyPr/>
           <a:lstStyle/>
           <a:p>
-            <a:endParaRPr lang="en-US" dirty="0"/>
-          </a:p>
-        </p:txBody>
-      </p:sp>
-      <p:sp>
-        <p:nvSpPr>
-          <p:cNvPr id="4" name="Title 14"/>
+            <a:pPr algn="l">
+              <a:lnSpc>
+                <a:spcPct val="90000"/>
+              </a:lnSpc>
+            </a:pPr>
+            <a:r>
+              <a:rPr lang="en-US" sz="2000" smtClean="0">
+                <a:solidFill>
+                  <a:schemeClr val="tx1"/>
+                </a:solidFill>
+              </a:rPr>
+              <a:t>Can generate Item consumption report on the basis of department, employee, item, requisition, month, date &amp; year using multiple combinations</a:t>
+            </a:r>
+          </a:p>
+          <a:p>
+            <a:pPr algn="l">
+              <a:lnSpc>
+                <a:spcPct val="90000"/>
+              </a:lnSpc>
+            </a:pPr>
+            <a:endParaRPr lang="en-US" sz="2000" smtClean="0">
+              <a:solidFill>
+                <a:schemeClr val="tx1"/>
+              </a:solidFill>
+            </a:endParaRPr>
+          </a:p>
+          <a:p>
+            <a:pPr algn="l">
+              <a:lnSpc>
+                <a:spcPct val="90000"/>
+              </a:lnSpc>
+            </a:pPr>
+            <a:r>
+              <a:rPr lang="en-US" sz="2000" smtClean="0">
+                <a:solidFill>
+                  <a:schemeClr val="tx1"/>
+                </a:solidFill>
+              </a:rPr>
+              <a:t>Can View the archived Adjustment Voucher</a:t>
+            </a:r>
+          </a:p>
+          <a:p>
+            <a:pPr algn="l">
+              <a:lnSpc>
+                <a:spcPct val="90000"/>
+              </a:lnSpc>
+            </a:pPr>
+            <a:endParaRPr lang="en-US" sz="2000" smtClean="0">
+              <a:solidFill>
+                <a:schemeClr val="tx1"/>
+              </a:solidFill>
+            </a:endParaRPr>
+          </a:p>
+          <a:p>
+            <a:pPr algn="l">
+              <a:lnSpc>
+                <a:spcPct val="90000"/>
+              </a:lnSpc>
+            </a:pPr>
+            <a:r>
+              <a:rPr lang="en-US" sz="2000" smtClean="0">
+                <a:solidFill>
+                  <a:schemeClr val="tx1"/>
+                </a:solidFill>
+              </a:rPr>
+              <a:t>Keep track on stock levels &amp; notify clerk on low stock levels</a:t>
+            </a:r>
+          </a:p>
+          <a:p>
+            <a:pPr algn="l">
+              <a:lnSpc>
+                <a:spcPct val="90000"/>
+              </a:lnSpc>
+            </a:pPr>
+            <a:endParaRPr lang="en-US" sz="2000" smtClean="0">
+              <a:solidFill>
+                <a:schemeClr val="tx1"/>
+              </a:solidFill>
+            </a:endParaRPr>
+          </a:p>
+          <a:p>
+            <a:pPr algn="l">
+              <a:lnSpc>
+                <a:spcPct val="90000"/>
+              </a:lnSpc>
+            </a:pPr>
+            <a:r>
+              <a:rPr lang="en-US" sz="2000" smtClean="0">
+                <a:solidFill>
+                  <a:schemeClr val="tx1"/>
+                </a:solidFill>
+              </a:rPr>
+              <a:t>Representative  can keep track of the disbursement of the items  among the employees</a:t>
+            </a:r>
+          </a:p>
+          <a:p>
+            <a:pPr algn="l">
+              <a:lnSpc>
+                <a:spcPct val="90000"/>
+              </a:lnSpc>
+            </a:pPr>
+            <a:endParaRPr lang="en-US" sz="2000" smtClean="0">
+              <a:solidFill>
+                <a:schemeClr val="tx1"/>
+              </a:solidFill>
+            </a:endParaRPr>
+          </a:p>
+          <a:p>
+            <a:pPr algn="l">
+              <a:lnSpc>
+                <a:spcPct val="90000"/>
+              </a:lnSpc>
+            </a:pPr>
+            <a:r>
+              <a:rPr lang="en-US" sz="2000" smtClean="0">
+                <a:solidFill>
+                  <a:schemeClr val="tx1"/>
+                </a:solidFill>
+              </a:rPr>
+              <a:t>Clerk can   view the stock level of a particular item directly from the view stationery catalogue page</a:t>
+            </a:r>
+          </a:p>
+        </p:txBody>
+      </p:sp>
+      <p:sp>
+        <p:nvSpPr>
+          <p:cNvPr id="16387" name="Title 14"/>
           <p:cNvSpPr txBox="1">
             <a:spLocks/>
           </p:cNvSpPr>
           <p:nvPr/>
         </p:nvSpPr>
-        <p:spPr>
+        <p:spPr bwMode="auto">
           <a:xfrm>
             <a:off x="1295400" y="76200"/>
             <a:ext cx="5562600" cy="609600"/>
@@ -5197,29 +6928,22 @@
           <a:prstGeom prst="rect">
             <a:avLst/>
           </a:prstGeom>
+          <a:noFill/>
+          <a:ln w="9525">
+            <a:noFill/>
+            <a:miter lim="800000"/>
+            <a:headEnd/>
+            <a:tailEnd/>
+          </a:ln>
         </p:spPr>
         <p:txBody>
-          <a:bodyPr vert="horz" lIns="91440" tIns="45720" rIns="91440" bIns="45720" rtlCol="0" anchor="ctr">
-            <a:normAutofit/>
-          </a:bodyPr>
-          <a:lstStyle>
-            <a:lvl1pPr algn="ctr" defTabSz="914400" rtl="0" eaLnBrk="1" latinLnBrk="0" hangingPunct="1">
-              <a:spcBef>
-                <a:spcPct val="0"/>
-              </a:spcBef>
-              <a:buNone/>
-              <a:defRPr sz="4400" kern="1200">
-                <a:solidFill>
-                  <a:schemeClr val="tx1"/>
-                </a:solidFill>
-                <a:latin typeface="+mj-lt"/>
-                <a:ea typeface="+mj-ea"/>
-                <a:cs typeface="+mj-cs"/>
-              </a:defRPr>
-            </a:lvl1pPr>
-          </a:lstStyle>
-          <a:p>
-            <a:endParaRPr lang="en-US" sz="2800" u="sng" dirty="0"/>
+          <a:bodyPr anchor="ctr"/>
+          <a:lstStyle/>
+          <a:p>
+            <a:pPr algn="ctr"/>
+            <a:endParaRPr lang="en-US" sz="2800" u="sng">
+              <a:latin typeface="Calibri" pitchFamily="34" charset="0"/>
+            </a:endParaRPr>
           </a:p>
         </p:txBody>
       </p:sp>
@@ -5232,13 +6956,7 @@
           <p:nvPr/>
         </p:nvPicPr>
         <p:blipFill>
-          <a:blip r:embed="rId2" cstate="print">
-            <a:extLst>
-              <a:ext uri="{28A0092B-C50C-407E-A947-70E740481C1C}">
-                <a14:useLocalDpi xmlns:a14="http://schemas.microsoft.com/office/drawing/2010/main" val="0"/>
-              </a:ext>
-            </a:extLst>
-          </a:blip>
+          <a:blip r:embed="rId2"/>
           <a:srcRect/>
           <a:stretch>
             <a:fillRect/>
@@ -5263,23 +6981,8 @@
             </a:outerShdw>
           </a:effectLst>
           <a:extLst>
-            <a:ext uri="{909E8E84-426E-40DD-AFC4-6F175D3DCCD1}">
-              <a14:hiddenFill xmlns:a14="http://schemas.microsoft.com/office/drawing/2010/main">
-                <a:solidFill>
-                  <a:schemeClr val="accent1"/>
-                </a:solidFill>
-              </a14:hiddenFill>
-            </a:ext>
-            <a:ext uri="{91240B29-F687-4F45-9708-019B960494DF}">
-              <a14:hiddenLine xmlns:a14="http://schemas.microsoft.com/office/drawing/2010/main" w="9525">
-                <a:solidFill>
-                  <a:schemeClr val="tx1"/>
-                </a:solidFill>
-                <a:miter lim="800000"/>
-                <a:headEnd/>
-                <a:tailEnd/>
-              </a14:hiddenLine>
-            </a:ext>
+            <a:ext uri="{909E8E84-426E-40DD-AFC4-6F175D3DCCD1}"/>
+            <a:ext uri="{91240B29-F687-4F45-9708-019B960494DF}"/>
           </a:extLst>
         </p:spPr>
       </p:pic>
@@ -5305,42 +7008,23 @@
           </a:ln>
           <a:effectLst/>
           <a:extLst>
-            <a:ext uri="{909E8E84-426E-40DD-AFC4-6F175D3DCCD1}">
-              <a14:hiddenFill xmlns:a14="http://schemas.microsoft.com/office/drawing/2010/main">
-                <a:solidFill>
-                  <a:schemeClr val="accent1"/>
-                </a:solidFill>
-              </a14:hiddenFill>
-            </a:ext>
-            <a:ext uri="{91240B29-F687-4F45-9708-019B960494DF}">
-              <a14:hiddenLine xmlns:a14="http://schemas.microsoft.com/office/drawing/2010/main" w="9525">
-                <a:solidFill>
-                  <a:schemeClr val="tx1"/>
-                </a:solidFill>
-                <a:miter lim="800000"/>
-                <a:headEnd/>
-                <a:tailEnd/>
-              </a14:hiddenLine>
-            </a:ext>
-            <a:ext uri="{AF507438-7753-43E0-B8FC-AC1667EBCBE1}">
-              <a14:hiddenEffects xmlns:a14="http://schemas.microsoft.com/office/drawing/2010/main">
-                <a:effectLst>
-                  <a:outerShdw dist="35921" dir="2700000" algn="ctr" rotWithShape="0">
-                    <a:schemeClr val="bg2"/>
-                  </a:outerShdw>
-                </a:effectLst>
-              </a14:hiddenEffects>
-            </a:ext>
+            <a:ext uri="{909E8E84-426E-40DD-AFC4-6F175D3DCCD1}"/>
+            <a:ext uri="{91240B29-F687-4F45-9708-019B960494DF}"/>
+            <a:ext uri="{AF507438-7753-43E0-B8FC-AC1667EBCBE1}"/>
           </a:extLst>
         </p:spPr>
         <p:txBody>
           <a:bodyPr/>
           <a:lstStyle/>
           <a:p>
-            <a:pPr marL="342900" indent="-342900">
+            <a:pPr marL="342900" indent="-342900" fontAlgn="auto">
               <a:spcBef>
                 <a:spcPct val="20000"/>
               </a:spcBef>
+              <a:spcAft>
+                <a:spcPts val="0"/>
+              </a:spcAft>
+              <a:defRPr/>
             </a:pPr>
             <a:r>
               <a:rPr lang="en-US" sz="2400" b="1" dirty="0">
@@ -5360,6 +7044,7 @@
                     </a:srgbClr>
                   </a:outerShdw>
                 </a:effectLst>
+                <a:latin typeface="+mn-lt"/>
               </a:rPr>
               <a:t>Team-9</a:t>
             </a:r>
@@ -5444,8 +7129,10 @@
       </p:cxnSp>
       <p:cxnSp>
         <p:nvCxnSpPr>
-          <p:cNvPr id="9" name="Straight Connector 8"/>
-          <p:cNvCxnSpPr/>
+          <p:cNvPr id="16392" name="Straight Connector 8"/>
+          <p:cNvCxnSpPr>
+            <a:cxnSpLocks noChangeShapeType="1"/>
+          </p:cNvCxnSpPr>
           <p:nvPr/>
         </p:nvCxnSpPr>
         <p:spPr bwMode="auto">
@@ -5456,36 +7143,23 @@
           <a:prstGeom prst="line">
             <a:avLst/>
           </a:prstGeom>
-          <a:solidFill>
-            <a:schemeClr val="accent1"/>
-          </a:solidFill>
-          <a:ln w="53975" cap="flat" cmpd="sng" algn="ctr">
+          <a:noFill/>
+          <a:ln w="53975" algn="ctr">
             <a:solidFill>
               <a:schemeClr val="accent2"/>
             </a:solidFill>
-            <a:prstDash val="solid"/>
             <a:round/>
-            <a:headEnd type="none" w="med" len="med"/>
-            <a:tailEnd type="none" w="med" len="med"/>
+            <a:headEnd/>
+            <a:tailEnd/>
           </a:ln>
-          <a:effectLst/>
-          <a:extLst>
-            <a:ext uri="{AF507438-7753-43E0-B8FC-AC1667EBCBE1}">
-              <a14:hiddenEffects xmlns:a14="http://schemas.microsoft.com/office/drawing/2010/main">
-                <a:effectLst>
-                  <a:outerShdw dist="35921" dir="2700000" algn="ctr" rotWithShape="0">
-                    <a:schemeClr val="bg2"/>
-                  </a:outerShdw>
-                </a:effectLst>
-              </a14:hiddenEffects>
-            </a:ext>
-          </a:extLst>
         </p:spPr>
       </p:cxnSp>
       <p:cxnSp>
         <p:nvCxnSpPr>
-          <p:cNvPr id="10" name="Straight Connector 9"/>
-          <p:cNvCxnSpPr/>
+          <p:cNvPr id="16393" name="Straight Connector 9"/>
+          <p:cNvCxnSpPr>
+            <a:cxnSpLocks noChangeShapeType="1"/>
+          </p:cNvCxnSpPr>
           <p:nvPr/>
         </p:nvCxnSpPr>
         <p:spPr bwMode="auto">
@@ -5496,38 +7170,18 @@
           <a:prstGeom prst="line">
             <a:avLst/>
           </a:prstGeom>
-          <a:solidFill>
-            <a:schemeClr val="accent1"/>
-          </a:solidFill>
-          <a:ln w="53975" cap="flat" cmpd="sng" algn="ctr">
+          <a:noFill/>
+          <a:ln w="53975" algn="ctr">
             <a:solidFill>
               <a:schemeClr val="tx2"/>
             </a:solidFill>
-            <a:prstDash val="solid"/>
             <a:round/>
-            <a:headEnd type="none" w="med" len="med"/>
-            <a:tailEnd type="none" w="med" len="med"/>
+            <a:headEnd/>
+            <a:tailEnd/>
           </a:ln>
-          <a:effectLst/>
-          <a:extLst>
-            <a:ext uri="{AF507438-7753-43E0-B8FC-AC1667EBCBE1}">
-              <a14:hiddenEffects xmlns:a14="http://schemas.microsoft.com/office/drawing/2010/main">
-                <a:effectLst>
-                  <a:outerShdw dist="35921" dir="2700000" algn="ctr" rotWithShape="0">
-                    <a:schemeClr val="bg2"/>
-                  </a:outerShdw>
-                </a:effectLst>
-              </a14:hiddenEffects>
-            </a:ext>
-          </a:extLst>
         </p:spPr>
       </p:cxnSp>
     </p:spTree>
-    <p:extLst>
-      <p:ext uri="{BB962C8B-B14F-4D97-AF65-F5344CB8AC3E}">
-        <p14:creationId xmlns:p14="http://schemas.microsoft.com/office/powerpoint/2010/main" val="297113616"/>
-      </p:ext>
-    </p:extLst>
   </p:cSld>
   <p:clrMapOvr>
     <a:masterClrMapping/>
@@ -5571,9 +7225,17 @@
         </p:nvSpPr>
         <p:spPr/>
         <p:txBody>
-          <a:bodyPr/>
+          <a:bodyPr rtlCol="0">
+            <a:normAutofit/>
+          </a:bodyPr>
           <a:lstStyle/>
           <a:p>
+            <a:pPr fontAlgn="auto">
+              <a:spcAft>
+                <a:spcPts val="0"/>
+              </a:spcAft>
+              <a:defRPr/>
+            </a:pPr>
             <a:r>
               <a:rPr lang="en-US" dirty="0" smtClean="0">
                 <a:solidFill>
@@ -5658,22 +7320,32 @@
         </p:nvSpPr>
         <p:spPr/>
         <p:txBody>
-          <a:bodyPr/>
+          <a:bodyPr rtlCol="0">
+            <a:normAutofit/>
+          </a:bodyPr>
           <a:lstStyle/>
           <a:p>
+            <a:pPr fontAlgn="auto">
+              <a:spcAft>
+                <a:spcPts val="0"/>
+              </a:spcAft>
+              <a:buFont typeface="Arial" pitchFamily="34" charset="0"/>
+              <a:buNone/>
+              <a:defRPr/>
+            </a:pPr>
             <a:endParaRPr lang="en-US"/>
           </a:p>
         </p:txBody>
       </p:sp>
       <p:sp>
         <p:nvSpPr>
-          <p:cNvPr id="13" name="Title 14"/>
+          <p:cNvPr id="17411" name="Title 14"/>
           <p:cNvSpPr txBox="1">
             <a:spLocks/>
           </p:cNvSpPr>
           <p:nvPr/>
         </p:nvSpPr>
-        <p:spPr>
+        <p:spPr bwMode="auto">
           <a:xfrm>
             <a:off x="1295400" y="76200"/>
             <a:ext cx="5562600" cy="609600"/>
@@ -5681,29 +7353,22 @@
           <a:prstGeom prst="rect">
             <a:avLst/>
           </a:prstGeom>
+          <a:noFill/>
+          <a:ln w="9525">
+            <a:noFill/>
+            <a:miter lim="800000"/>
+            <a:headEnd/>
+            <a:tailEnd/>
+          </a:ln>
         </p:spPr>
         <p:txBody>
-          <a:bodyPr vert="horz" lIns="91440" tIns="45720" rIns="91440" bIns="45720" rtlCol="0" anchor="ctr">
-            <a:normAutofit/>
-          </a:bodyPr>
-          <a:lstStyle>
-            <a:lvl1pPr algn="ctr" defTabSz="914400" rtl="0" eaLnBrk="1" latinLnBrk="0" hangingPunct="1">
-              <a:spcBef>
-                <a:spcPct val="0"/>
-              </a:spcBef>
-              <a:buNone/>
-              <a:defRPr sz="4400" kern="1200">
-                <a:solidFill>
-                  <a:schemeClr val="tx1"/>
-                </a:solidFill>
-                <a:latin typeface="+mj-lt"/>
-                <a:ea typeface="+mj-ea"/>
-                <a:cs typeface="+mj-cs"/>
-              </a:defRPr>
-            </a:lvl1pPr>
-          </a:lstStyle>
-          <a:p>
-            <a:endParaRPr lang="en-US" sz="2800" u="sng" dirty="0"/>
+          <a:bodyPr anchor="ctr"/>
+          <a:lstStyle/>
+          <a:p>
+            <a:pPr algn="ctr"/>
+            <a:endParaRPr lang="en-US" sz="2800" u="sng">
+              <a:latin typeface="Calibri" pitchFamily="34" charset="0"/>
+            </a:endParaRPr>
           </a:p>
         </p:txBody>
       </p:sp>
@@ -5716,13 +7381,7 @@
           <p:nvPr/>
         </p:nvPicPr>
         <p:blipFill>
-          <a:blip r:embed="rId2" cstate="print">
-            <a:extLst>
-              <a:ext uri="{28A0092B-C50C-407E-A947-70E740481C1C}">
-                <a14:useLocalDpi xmlns:a14="http://schemas.microsoft.com/office/drawing/2010/main" val="0"/>
-              </a:ext>
-            </a:extLst>
-          </a:blip>
+          <a:blip r:embed="rId2"/>
           <a:srcRect/>
           <a:stretch>
             <a:fillRect/>
@@ -5747,23 +7406,8 @@
             </a:outerShdw>
           </a:effectLst>
           <a:extLst>
-            <a:ext uri="{909E8E84-426E-40DD-AFC4-6F175D3DCCD1}">
-              <a14:hiddenFill xmlns:a14="http://schemas.microsoft.com/office/drawing/2010/main">
-                <a:solidFill>
-                  <a:schemeClr val="accent1"/>
-                </a:solidFill>
-              </a14:hiddenFill>
-            </a:ext>
-            <a:ext uri="{91240B29-F687-4F45-9708-019B960494DF}">
-              <a14:hiddenLine xmlns:a14="http://schemas.microsoft.com/office/drawing/2010/main" w="9525">
-                <a:solidFill>
-                  <a:schemeClr val="tx1"/>
-                </a:solidFill>
-                <a:miter lim="800000"/>
-                <a:headEnd/>
-                <a:tailEnd/>
-              </a14:hiddenLine>
-            </a:ext>
+            <a:ext uri="{909E8E84-426E-40DD-AFC4-6F175D3DCCD1}"/>
+            <a:ext uri="{91240B29-F687-4F45-9708-019B960494DF}"/>
           </a:extLst>
         </p:spPr>
       </p:pic>
@@ -5789,42 +7433,23 @@
           </a:ln>
           <a:effectLst/>
           <a:extLst>
-            <a:ext uri="{909E8E84-426E-40DD-AFC4-6F175D3DCCD1}">
-              <a14:hiddenFill xmlns:a14="http://schemas.microsoft.com/office/drawing/2010/main">
-                <a:solidFill>
-                  <a:schemeClr val="accent1"/>
-                </a:solidFill>
-              </a14:hiddenFill>
-            </a:ext>
-            <a:ext uri="{91240B29-F687-4F45-9708-019B960494DF}">
-              <a14:hiddenLine xmlns:a14="http://schemas.microsoft.com/office/drawing/2010/main" w="9525">
-                <a:solidFill>
-                  <a:schemeClr val="tx1"/>
-                </a:solidFill>
-                <a:miter lim="800000"/>
-                <a:headEnd/>
-                <a:tailEnd/>
-              </a14:hiddenLine>
-            </a:ext>
-            <a:ext uri="{AF507438-7753-43E0-B8FC-AC1667EBCBE1}">
-              <a14:hiddenEffects xmlns:a14="http://schemas.microsoft.com/office/drawing/2010/main">
-                <a:effectLst>
-                  <a:outerShdw dist="35921" dir="2700000" algn="ctr" rotWithShape="0">
-                    <a:schemeClr val="bg2"/>
-                  </a:outerShdw>
-                </a:effectLst>
-              </a14:hiddenEffects>
-            </a:ext>
+            <a:ext uri="{909E8E84-426E-40DD-AFC4-6F175D3DCCD1}"/>
+            <a:ext uri="{91240B29-F687-4F45-9708-019B960494DF}"/>
+            <a:ext uri="{AF507438-7753-43E0-B8FC-AC1667EBCBE1}"/>
           </a:extLst>
         </p:spPr>
         <p:txBody>
           <a:bodyPr/>
           <a:lstStyle/>
           <a:p>
-            <a:pPr marL="342900" indent="-342900">
+            <a:pPr marL="342900" indent="-342900" fontAlgn="auto">
               <a:spcBef>
                 <a:spcPct val="20000"/>
               </a:spcBef>
+              <a:spcAft>
+                <a:spcPts val="0"/>
+              </a:spcAft>
+              <a:defRPr/>
             </a:pPr>
             <a:r>
               <a:rPr lang="en-US" sz="2400" b="1" dirty="0">
@@ -5844,6 +7469,7 @@
                     </a:srgbClr>
                   </a:outerShdw>
                 </a:effectLst>
+                <a:latin typeface="+mn-lt"/>
               </a:rPr>
               <a:t>Team-9</a:t>
             </a:r>
@@ -5928,8 +7554,10 @@
       </p:cxnSp>
       <p:cxnSp>
         <p:nvCxnSpPr>
-          <p:cNvPr id="18" name="Straight Connector 17"/>
-          <p:cNvCxnSpPr/>
+          <p:cNvPr id="17416" name="Straight Connector 17"/>
+          <p:cNvCxnSpPr>
+            <a:cxnSpLocks noChangeShapeType="1"/>
+          </p:cNvCxnSpPr>
           <p:nvPr/>
         </p:nvCxnSpPr>
         <p:spPr bwMode="auto">
@@ -5940,36 +7568,23 @@
           <a:prstGeom prst="line">
             <a:avLst/>
           </a:prstGeom>
-          <a:solidFill>
-            <a:schemeClr val="accent1"/>
-          </a:solidFill>
-          <a:ln w="53975" cap="flat" cmpd="sng" algn="ctr">
+          <a:noFill/>
+          <a:ln w="53975" algn="ctr">
             <a:solidFill>
               <a:schemeClr val="accent2"/>
             </a:solidFill>
-            <a:prstDash val="solid"/>
             <a:round/>
-            <a:headEnd type="none" w="med" len="med"/>
-            <a:tailEnd type="none" w="med" len="med"/>
+            <a:headEnd/>
+            <a:tailEnd/>
           </a:ln>
-          <a:effectLst/>
-          <a:extLst>
-            <a:ext uri="{AF507438-7753-43E0-B8FC-AC1667EBCBE1}">
-              <a14:hiddenEffects xmlns:a14="http://schemas.microsoft.com/office/drawing/2010/main">
-                <a:effectLst>
-                  <a:outerShdw dist="35921" dir="2700000" algn="ctr" rotWithShape="0">
-                    <a:schemeClr val="bg2"/>
-                  </a:outerShdw>
-                </a:effectLst>
-              </a14:hiddenEffects>
-            </a:ext>
-          </a:extLst>
         </p:spPr>
       </p:cxnSp>
       <p:cxnSp>
         <p:nvCxnSpPr>
-          <p:cNvPr id="19" name="Straight Connector 18"/>
-          <p:cNvCxnSpPr/>
+          <p:cNvPr id="17417" name="Straight Connector 18"/>
+          <p:cNvCxnSpPr>
+            <a:cxnSpLocks noChangeShapeType="1"/>
+          </p:cNvCxnSpPr>
           <p:nvPr/>
         </p:nvCxnSpPr>
         <p:spPr bwMode="auto">
@@ -5980,38 +7595,18 @@
           <a:prstGeom prst="line">
             <a:avLst/>
           </a:prstGeom>
-          <a:solidFill>
-            <a:schemeClr val="accent1"/>
-          </a:solidFill>
-          <a:ln w="53975" cap="flat" cmpd="sng" algn="ctr">
+          <a:noFill/>
+          <a:ln w="53975" algn="ctr">
             <a:solidFill>
               <a:schemeClr val="tx2"/>
             </a:solidFill>
-            <a:prstDash val="solid"/>
             <a:round/>
-            <a:headEnd type="none" w="med" len="med"/>
-            <a:tailEnd type="none" w="med" len="med"/>
+            <a:headEnd/>
+            <a:tailEnd/>
           </a:ln>
-          <a:effectLst/>
-          <a:extLst>
-            <a:ext uri="{AF507438-7753-43E0-B8FC-AC1667EBCBE1}">
-              <a14:hiddenEffects xmlns:a14="http://schemas.microsoft.com/office/drawing/2010/main">
-                <a:effectLst>
-                  <a:outerShdw dist="35921" dir="2700000" algn="ctr" rotWithShape="0">
-                    <a:schemeClr val="bg2"/>
-                  </a:outerShdw>
-                </a:effectLst>
-              </a14:hiddenEffects>
-            </a:ext>
-          </a:extLst>
         </p:spPr>
       </p:cxnSp>
     </p:spTree>
-    <p:extLst>
-      <p:ext uri="{BB962C8B-B14F-4D97-AF65-F5344CB8AC3E}">
-        <p14:creationId xmlns:p14="http://schemas.microsoft.com/office/powerpoint/2010/main" val="3534460720"/>
-      </p:ext>
-    </p:extLst>
   </p:cSld>
   <p:clrMapOvr>
     <a:masterClrMapping/>

--- a/others/Files/presentation/PresentationSlideADproject.pptx
+++ b/others/Files/presentation/PresentationSlideADproject.pptx
@@ -9,7 +9,8 @@
     <p:sldId id="256" r:id="rId3"/>
     <p:sldId id="258" r:id="rId4"/>
     <p:sldId id="259" r:id="rId5"/>
-    <p:sldId id="260" r:id="rId6"/>
+    <p:sldId id="262" r:id="rId6"/>
+    <p:sldId id="260" r:id="rId7"/>
   </p:sldIdLst>
   <p:sldSz cx="9144000" cy="6858000" type="screen4x3"/>
   <p:notesSz cx="6858000" cy="9144000"/>
@@ -3806,7 +3807,7 @@
           <p:nvPr/>
         </p:nvPicPr>
         <p:blipFill>
-          <a:blip r:embed="rId2"/>
+          <a:blip r:embed="rId2" cstate="print"/>
           <a:srcRect/>
           <a:stretch>
             <a:fillRect/>
@@ -4261,25 +4262,6 @@
               </a:rPr>
               <a:t>Team-9</a:t>
             </a:r>
-            <a:endParaRPr lang="en-US" sz="2800" b="1" dirty="0">
-              <a:ln w="12700">
-                <a:solidFill>
-                  <a:schemeClr val="tx2"/>
-                </a:solidFill>
-                <a:prstDash val="solid"/>
-              </a:ln>
-              <a:solidFill>
-                <a:schemeClr val="bg1"/>
-              </a:solidFill>
-              <a:effectLst>
-                <a:outerShdw blurRad="41275" dist="20320" dir="1800000" algn="tl" rotWithShape="0">
-                  <a:srgbClr val="000000">
-                    <a:alpha val="40000"/>
-                  </a:srgbClr>
-                </a:outerShdw>
-              </a:effectLst>
-              <a:latin typeface="+mn-lt"/>
-            </a:endParaRPr>
           </a:p>
         </p:txBody>
       </p:sp>
@@ -4423,7 +4405,7 @@
         </p:nvGraphicFramePr>
         <p:xfrm>
           <a:off x="381000" y="739775"/>
-          <a:ext cx="8621713" cy="6037263"/>
+          <a:ext cx="8621713" cy="6088698"/>
         </p:xfrm>
         <a:graphic>
           <a:graphicData uri="http://schemas.openxmlformats.org/drawingml/2006/table">
@@ -4433,7 +4415,7 @@
                 <a:gridCol w="2743200"/>
                 <a:gridCol w="5878513"/>
               </a:tblGrid>
-              <a:tr h="487363">
+              <a:tr h="479425">
                 <a:tc>
                   <a:txBody>
                     <a:bodyPr/>
@@ -4456,7 +4438,7 @@
                         <a:tabLst/>
                       </a:pPr>
                       <a:r>
-                        <a:rPr kumimoji="0" lang="en-US" sz="1800" b="1" i="0" u="none" strike="noStrike" cap="none" normalizeH="0" baseline="0" smtClean="0">
+                        <a:rPr kumimoji="0" lang="en-US" sz="1800" b="1" i="0" u="none" strike="noStrike" cap="none" normalizeH="0" baseline="0" dirty="0" smtClean="0">
                           <a:ln>
                             <a:noFill/>
                           </a:ln>
@@ -4466,8 +4448,31 @@
                           <a:effectLst/>
                           <a:latin typeface="Calibri" pitchFamily="34" charset="0"/>
                         </a:rPr>
-                        <a:t>Jin Cheng Cheng</a:t>
+                        <a:t>Jin Cheng </a:t>
                       </a:r>
+                      <a:r>
+                        <a:rPr kumimoji="0" lang="en-US" sz="1800" b="1" i="0" u="none" strike="noStrike" cap="none" normalizeH="0" baseline="0" dirty="0" err="1" smtClean="0">
+                          <a:ln>
+                            <a:noFill/>
+                          </a:ln>
+                          <a:solidFill>
+                            <a:schemeClr val="tx1"/>
+                          </a:solidFill>
+                          <a:effectLst/>
+                          <a:latin typeface="Calibri" pitchFamily="34" charset="0"/>
+                        </a:rPr>
+                        <a:t>Cheng</a:t>
+                      </a:r>
+                      <a:endParaRPr kumimoji="0" lang="en-US" sz="1800" b="1" i="0" u="none" strike="noStrike" cap="none" normalizeH="0" baseline="0" dirty="0" smtClean="0">
+                        <a:ln>
+                          <a:noFill/>
+                        </a:ln>
+                        <a:solidFill>
+                          <a:schemeClr val="tx1"/>
+                        </a:solidFill>
+                        <a:effectLst/>
+                        <a:latin typeface="Calibri" pitchFamily="34" charset="0"/>
+                      </a:endParaRPr>
                     </a:p>
                     <a:p>
                       <a:pPr marL="0" marR="0" lvl="0" indent="0" algn="l" defTabSz="914400" rtl="0" eaLnBrk="1" fontAlgn="base" latinLnBrk="0" hangingPunct="1">
@@ -4486,7 +4491,7 @@
                         <a:buNone/>
                         <a:tabLst/>
                       </a:pPr>
-                      <a:endParaRPr kumimoji="0" lang="en-US" sz="1800" b="0" i="0" u="none" strike="noStrike" cap="none" normalizeH="0" baseline="0" smtClean="0">
+                      <a:endParaRPr kumimoji="0" lang="en-US" sz="1800" b="0" i="0" u="none" strike="noStrike" cap="none" normalizeH="0" baseline="0" dirty="0" smtClean="0">
                         <a:ln>
                           <a:noFill/>
                         </a:ln>
@@ -4566,7 +4571,7 @@
                         <a:tabLst/>
                       </a:pPr>
                       <a:r>
-                        <a:rPr kumimoji="0" lang="en-US" sz="1800" b="0" i="0" u="none" strike="noStrike" cap="none" normalizeH="0" baseline="0" smtClean="0">
+                        <a:rPr kumimoji="0" lang="en-US" sz="1800" b="0" i="0" u="none" strike="noStrike" cap="none" normalizeH="0" baseline="0" dirty="0" smtClean="0">
                           <a:ln>
                             <a:noFill/>
                           </a:ln>
@@ -4627,7 +4632,7 @@
                   </a:tcPr>
                 </a:tc>
               </a:tr>
-              <a:tr h="693738">
+              <a:tr h="525145">
                 <a:tc>
                   <a:txBody>
                     <a:bodyPr/>
@@ -4759,7 +4764,20 @@
                         <a:buNone/>
                         <a:tabLst/>
                       </a:pPr>
-                      <a:endParaRPr kumimoji="0" lang="en-US" sz="1800" b="0" i="0" u="none" strike="noStrike" cap="none" normalizeH="0" baseline="0" smtClean="0">
+                      <a:r>
+                        <a:rPr kumimoji="0" lang="en-US" sz="1800" b="0" i="0" u="none" strike="noStrike" cap="none" normalizeH="0" baseline="0" dirty="0" smtClean="0">
+                          <a:ln>
+                            <a:noFill/>
+                          </a:ln>
+                          <a:solidFill>
+                            <a:schemeClr val="tx1"/>
+                          </a:solidFill>
+                          <a:effectLst/>
+                          <a:latin typeface="Calibri" pitchFamily="34" charset="0"/>
+                        </a:rPr>
+                        <a:t>UI Design, Controller interface, Reports</a:t>
+                      </a:r>
+                      <a:endParaRPr kumimoji="0" lang="en-US" sz="1800" b="0" i="0" u="none" strike="noStrike" cap="none" normalizeH="0" baseline="0" dirty="0" smtClean="0">
                         <a:ln>
                           <a:noFill/>
                         </a:ln>
@@ -4818,7 +4836,7 @@
                   </a:tcPr>
                 </a:tc>
               </a:tr>
-              <a:tr h="693738">
+              <a:tr h="517207">
                 <a:tc>
                   <a:txBody>
                     <a:bodyPr/>
@@ -5012,7 +5030,7 @@
                   </a:tcPr>
                 </a:tc>
               </a:tr>
-              <a:tr h="693738">
+              <a:tr h="509269">
                 <a:tc>
                   <a:txBody>
                     <a:bodyPr/>
@@ -5143,8 +5161,40 @@
                         <a:buFontTx/>
                         <a:buNone/>
                         <a:tabLst/>
+                        <a:defRPr/>
                       </a:pPr>
-                      <a:endParaRPr kumimoji="0" lang="en-US" sz="1800" b="0" i="0" u="none" strike="noStrike" cap="none" normalizeH="0" baseline="0" smtClean="0">
+                      <a:r>
+                        <a:rPr kumimoji="0" lang="en-US" sz="1800" b="0" i="0" u="none" strike="noStrike" cap="none" normalizeH="0" baseline="0" dirty="0" smtClean="0">
+                          <a:ln>
+                            <a:noFill/>
+                          </a:ln>
+                          <a:solidFill>
+                            <a:schemeClr val="tx1"/>
+                          </a:solidFill>
+                          <a:effectLst/>
+                          <a:latin typeface="Calibri" pitchFamily="34" charset="0"/>
+                        </a:rPr>
+                        <a:t>Analysis, Design, Model , Control, Testing, User Manual</a:t>
+                      </a:r>
+                    </a:p>
+                    <a:p>
+                      <a:pPr marL="0" marR="0" lvl="0" indent="0" algn="l" defTabSz="914400" rtl="0" eaLnBrk="1" fontAlgn="base" latinLnBrk="0" hangingPunct="1">
+                        <a:lnSpc>
+                          <a:spcPct val="100000"/>
+                        </a:lnSpc>
+                        <a:spcBef>
+                          <a:spcPct val="0"/>
+                        </a:spcBef>
+                        <a:spcAft>
+                          <a:spcPct val="0"/>
+                        </a:spcAft>
+                        <a:buClrTx/>
+                        <a:buSzTx/>
+                        <a:buFontTx/>
+                        <a:buNone/>
+                        <a:tabLst/>
+                      </a:pPr>
+                      <a:endParaRPr kumimoji="0" lang="en-US" sz="1800" b="0" i="0" u="none" strike="noStrike" cap="none" normalizeH="0" baseline="0" dirty="0" smtClean="0">
                         <a:ln>
                           <a:noFill/>
                         </a:ln>
@@ -5203,7 +5253,7 @@
                   </a:tcPr>
                 </a:tc>
               </a:tr>
-              <a:tr h="693738">
+              <a:tr h="478789">
                 <a:tc>
                   <a:txBody>
                     <a:bodyPr/>
@@ -5397,7 +5447,7 @@
                   </a:tcPr>
                 </a:tc>
               </a:tr>
-              <a:tr h="693738">
+              <a:tr h="372109">
                 <a:tc>
                   <a:txBody>
                     <a:bodyPr/>
@@ -5530,7 +5580,7 @@
                         <a:tabLst/>
                       </a:pPr>
                       <a:r>
-                        <a:rPr kumimoji="0" lang="en-US" sz="1800" b="0" i="0" u="none" strike="noStrike" cap="none" normalizeH="0" baseline="0" smtClean="0">
+                        <a:rPr kumimoji="0" lang="en-US" sz="1800" b="0" i="0" u="none" strike="noStrike" cap="none" normalizeH="0" baseline="0" dirty="0" smtClean="0">
                           <a:ln>
                             <a:noFill/>
                           </a:ln>
@@ -5591,7 +5641,7 @@
                   </a:tcPr>
                 </a:tc>
               </a:tr>
-              <a:tr h="693738">
+              <a:tr h="677545">
                 <a:tc>
                   <a:txBody>
                     <a:bodyPr/>
@@ -5724,7 +5774,7 @@
                         <a:tabLst/>
                       </a:pPr>
                       <a:r>
-                        <a:rPr kumimoji="0" lang="en-US" sz="1800" b="0" i="0" u="none" strike="noStrike" cap="none" normalizeH="0" baseline="0" smtClean="0">
+                        <a:rPr kumimoji="0" lang="en-US" sz="1800" b="0" i="0" u="none" strike="noStrike" cap="none" normalizeH="0" baseline="0" dirty="0" smtClean="0">
                           <a:ln>
                             <a:noFill/>
                           </a:ln>
@@ -5734,7 +5784,46 @@
                           <a:effectLst/>
                           <a:latin typeface="Calibri" pitchFamily="34" charset="0"/>
                         </a:rPr>
-                        <a:t>Analysis, Design, Model , Control, Testing, Documentation, </a:t>
+                        <a:t>Analysis, Design, Model , Control, Testing, </a:t>
+                      </a:r>
+                      <a:r>
+                        <a:rPr kumimoji="0" lang="en-US" sz="1800" b="0" i="0" u="none" strike="noStrike" cap="none" normalizeH="0" baseline="0" dirty="0" smtClean="0">
+                          <a:ln>
+                            <a:noFill/>
+                          </a:ln>
+                          <a:solidFill>
+                            <a:schemeClr val="tx1"/>
+                          </a:solidFill>
+                          <a:effectLst/>
+                          <a:latin typeface="Calibri" pitchFamily="34" charset="0"/>
+                        </a:rPr>
+                        <a:t>User </a:t>
+                      </a:r>
+                      <a:r>
+                        <a:rPr kumimoji="0" lang="en-US" sz="1800" b="0" i="0" u="none" strike="noStrike" cap="none" normalizeH="0" baseline="0" dirty="0" err="1" smtClean="0">
+                          <a:ln>
+                            <a:noFill/>
+                          </a:ln>
+                          <a:solidFill>
+                            <a:schemeClr val="tx1"/>
+                          </a:solidFill>
+                          <a:effectLst/>
+                          <a:latin typeface="Calibri" pitchFamily="34" charset="0"/>
+                        </a:rPr>
+                        <a:t>Manual,Documentation</a:t>
+                      </a:r>
+                      <a:r>
+                        <a:rPr kumimoji="0" lang="en-US" sz="1800" b="0" i="0" u="none" strike="noStrike" cap="none" normalizeH="0" baseline="0" dirty="0" smtClean="0">
+                          <a:ln>
+                            <a:noFill/>
+                          </a:ln>
+                          <a:solidFill>
+                            <a:schemeClr val="tx1"/>
+                          </a:solidFill>
+                          <a:effectLst/>
+                          <a:latin typeface="Calibri" pitchFamily="34" charset="0"/>
+                        </a:rPr>
+                        <a:t>, </a:t>
                       </a:r>
                     </a:p>
                     <a:p>
@@ -5754,7 +5843,7 @@
                         <a:buNone/>
                         <a:tabLst/>
                       </a:pPr>
-                      <a:endParaRPr kumimoji="0" lang="en-US" sz="1800" b="0" i="0" u="none" strike="noStrike" cap="none" normalizeH="0" baseline="0" smtClean="0">
+                      <a:endParaRPr kumimoji="0" lang="en-US" sz="1800" b="0" i="0" u="none" strike="noStrike" cap="none" normalizeH="0" baseline="0" dirty="0" smtClean="0">
                         <a:ln>
                           <a:noFill/>
                         </a:ln>
@@ -5945,7 +6034,20 @@
                         <a:buNone/>
                         <a:tabLst/>
                       </a:pPr>
-                      <a:endParaRPr kumimoji="0" lang="en-US" sz="1800" b="0" i="0" u="none" strike="noStrike" cap="none" normalizeH="0" baseline="0" smtClean="0">
+                      <a:r>
+                        <a:rPr kumimoji="0" lang="en-US" sz="1800" b="0" i="0" u="none" strike="noStrike" cap="none" normalizeH="0" baseline="0" dirty="0" smtClean="0">
+                          <a:ln>
+                            <a:noFill/>
+                          </a:ln>
+                          <a:solidFill>
+                            <a:schemeClr val="tx1"/>
+                          </a:solidFill>
+                          <a:effectLst/>
+                          <a:latin typeface="Calibri" pitchFamily="34" charset="0"/>
+                        </a:rPr>
+                        <a:t>Analysis and Design, UI Design, Connection with controller layer, testing, bug fixing</a:t>
+                      </a:r>
+                      <a:endParaRPr kumimoji="0" lang="en-US" sz="1800" b="0" i="0" u="none" strike="noStrike" cap="none" normalizeH="0" baseline="0" dirty="0" smtClean="0">
                         <a:ln>
                           <a:noFill/>
                         </a:ln>
@@ -6027,6 +6129,32 @@
                         <a:tabLst/>
                       </a:pPr>
                       <a:r>
+                        <a:rPr kumimoji="0" lang="en-US" sz="1800" b="1" i="0" u="none" strike="noStrike" cap="none" normalizeH="0" baseline="0" dirty="0" err="1" smtClean="0">
+                          <a:ln>
+                            <a:noFill/>
+                          </a:ln>
+                          <a:solidFill>
+                            <a:schemeClr val="tx1"/>
+                          </a:solidFill>
+                          <a:effectLst/>
+                          <a:latin typeface="Calibri" pitchFamily="34" charset="0"/>
+                        </a:rPr>
+                        <a:t>Zin</a:t>
+                      </a:r>
+                      <a:r>
+                        <a:rPr kumimoji="0" lang="en-US" sz="1800" b="1" i="0" u="none" strike="noStrike" cap="none" normalizeH="0" baseline="0" dirty="0" smtClean="0">
+                          <a:ln>
+                            <a:noFill/>
+                          </a:ln>
+                          <a:solidFill>
+                            <a:schemeClr val="tx1"/>
+                          </a:solidFill>
+                          <a:effectLst/>
+                          <a:latin typeface="Calibri" pitchFamily="34" charset="0"/>
+                        </a:rPr>
+                        <a:t> Mar </a:t>
+                      </a:r>
+                      <a:r>
                         <a:rPr kumimoji="0" lang="en-US" sz="1800" b="1" i="0" u="none" strike="noStrike" cap="none" normalizeH="0" baseline="0" smtClean="0">
                           <a:ln>
                             <a:noFill/>
@@ -6037,8 +6165,18 @@
                           <a:effectLst/>
                           <a:latin typeface="Calibri" pitchFamily="34" charset="0"/>
                         </a:rPr>
-                        <a:t>Zin Mar Twin</a:t>
+                        <a:t>Thwin</a:t>
                       </a:r>
+                      <a:endParaRPr kumimoji="0" lang="en-US" sz="1800" b="1" i="0" u="none" strike="noStrike" cap="none" normalizeH="0" baseline="0" dirty="0" smtClean="0">
+                        <a:ln>
+                          <a:noFill/>
+                        </a:ln>
+                        <a:solidFill>
+                          <a:schemeClr val="tx1"/>
+                        </a:solidFill>
+                        <a:effectLst/>
+                        <a:latin typeface="Calibri" pitchFamily="34" charset="0"/>
+                      </a:endParaRPr>
                     </a:p>
                   </a:txBody>
                   <a:tcPr horzOverflow="overflow">
@@ -6108,7 +6246,20 @@
                         <a:buNone/>
                         <a:tabLst/>
                       </a:pPr>
-                      <a:endParaRPr kumimoji="0" lang="en-US" sz="1800" b="0" i="0" u="none" strike="noStrike" cap="none" normalizeH="0" baseline="0" smtClean="0">
+                      <a:r>
+                        <a:rPr kumimoji="0" lang="en-US" sz="1800" b="0" i="0" u="none" strike="noStrike" cap="none" normalizeH="0" baseline="0" dirty="0" smtClean="0">
+                          <a:ln>
+                            <a:noFill/>
+                          </a:ln>
+                          <a:solidFill>
+                            <a:schemeClr val="tx1"/>
+                          </a:solidFill>
+                          <a:effectLst/>
+                          <a:latin typeface="Calibri" pitchFamily="34" charset="0"/>
+                        </a:rPr>
+                        <a:t>Analysis &amp; Design, Model, Control, , Connection with controller layer,</a:t>
+                      </a:r>
+                      <a:endParaRPr kumimoji="0" lang="en-US" sz="1800" b="0" i="0" u="none" strike="noStrike" cap="none" normalizeH="0" baseline="0" dirty="0" smtClean="0">
                         <a:ln>
                           <a:noFill/>
                         </a:ln>
@@ -6180,7 +6331,7 @@
           <p:nvPr/>
         </p:nvPicPr>
         <p:blipFill>
-          <a:blip r:embed="rId2"/>
+          <a:blip r:embed="rId2" cstate="print"/>
           <a:srcRect/>
           <a:stretch>
             <a:fillRect/>
@@ -6339,18 +6490,31 @@
           <a:p>
             <a:pPr algn="l"/>
             <a:r>
-              <a:rPr lang="en-US" sz="2800" smtClean="0">
+              <a:rPr lang="en-US" sz="2800" dirty="0" smtClean="0">
                 <a:solidFill>
                   <a:schemeClr val="tx1"/>
                 </a:solidFill>
               </a:rPr>
-              <a:t>Notify the user about the essential message</a:t>
-            </a:r>
+              <a:t>Notify the user about the essential </a:t>
+            </a:r>
+            <a:r>
+              <a:rPr lang="en-US" sz="2800" dirty="0" smtClean="0">
+                <a:solidFill>
+                  <a:schemeClr val="tx1"/>
+                </a:solidFill>
+              </a:rPr>
+              <a:t>message for approve &amp; reject requisitions.</a:t>
+            </a:r>
+            <a:endParaRPr lang="en-US" sz="2800" dirty="0" smtClean="0">
+              <a:solidFill>
+                <a:schemeClr val="tx1"/>
+              </a:solidFill>
+            </a:endParaRPr>
           </a:p>
           <a:p>
             <a:pPr algn="l"/>
             <a:r>
-              <a:rPr lang="en-US" sz="2800" smtClean="0">
+              <a:rPr lang="en-US" sz="2800" dirty="0" smtClean="0">
                 <a:solidFill>
                   <a:schemeClr val="tx1"/>
                 </a:solidFill>
@@ -6361,7 +6525,7 @@
           <a:p>
             <a:pPr algn="l"/>
             <a:r>
-              <a:rPr lang="en-US" sz="2800" smtClean="0">
+              <a:rPr lang="en-US" sz="2800" dirty="0" smtClean="0">
                 <a:solidFill>
                   <a:schemeClr val="tx1"/>
                 </a:solidFill>
@@ -6372,7 +6536,7 @@
           <a:p>
             <a:pPr algn="l"/>
             <a:r>
-              <a:rPr lang="en-US" sz="2800" smtClean="0">
+              <a:rPr lang="en-US" sz="2800" dirty="0" smtClean="0">
                 <a:solidFill>
                   <a:schemeClr val="tx1"/>
                 </a:solidFill>
@@ -6383,7 +6547,7 @@
           <a:p>
             <a:pPr algn="l"/>
             <a:r>
-              <a:rPr lang="en-US" sz="2800" smtClean="0">
+              <a:rPr lang="en-US" sz="2800" dirty="0" smtClean="0">
                 <a:solidFill>
                   <a:schemeClr val="tx1"/>
                 </a:solidFill>
@@ -6393,7 +6557,7 @@
           </a:p>
           <a:p>
             <a:pPr algn="l"/>
-            <a:endParaRPr lang="en-US" sz="2800" smtClean="0">
+            <a:endParaRPr lang="en-US" sz="2800" dirty="0" smtClean="0">
               <a:solidFill>
                 <a:schemeClr val="tx1"/>
               </a:solidFill>
@@ -6402,13 +6566,26 @@
           <a:p>
             <a:pPr algn="l"/>
             <a:r>
-              <a:rPr lang="en-US" sz="2800" smtClean="0">
+              <a:rPr lang="en-US" sz="2800" dirty="0" smtClean="0">
                 <a:solidFill>
                   <a:schemeClr val="tx1"/>
                 </a:solidFill>
               </a:rPr>
-              <a:t>Can show report in excel &amp; pdf</a:t>
-            </a:r>
+              <a:t>Can show report in excel &amp; </a:t>
+            </a:r>
+            <a:r>
+              <a:rPr lang="en-US" sz="2800" dirty="0" err="1" smtClean="0">
+                <a:solidFill>
+                  <a:schemeClr val="tx1"/>
+                </a:solidFill>
+              </a:rPr>
+              <a:t>pdf</a:t>
+            </a:r>
+            <a:endParaRPr lang="en-US" sz="2800" dirty="0" smtClean="0">
+              <a:solidFill>
+                <a:schemeClr val="tx1"/>
+              </a:solidFill>
+            </a:endParaRPr>
           </a:p>
         </p:txBody>
       </p:sp>
@@ -6456,7 +6633,7 @@
           <p:nvPr/>
         </p:nvPicPr>
         <p:blipFill>
-          <a:blip r:embed="rId2"/>
+          <a:blip r:embed="rId2" cstate="print"/>
           <a:srcRect/>
           <a:stretch>
             <a:fillRect/>
@@ -6762,7 +6939,7 @@
                   </a:outerShdw>
                 </a:effectLst>
               </a:rPr>
-              <a:t>Strength &amp; Limitation</a:t>
+              <a:t>Strength</a:t>
             </a:r>
             <a:endParaRPr lang="en-US" dirty="0"/>
           </a:p>
@@ -6794,7 +6971,7 @@
               </a:lnSpc>
             </a:pPr>
             <a:r>
-              <a:rPr lang="en-US" sz="2000" smtClean="0">
+              <a:rPr lang="en-US" sz="2400" dirty="0" smtClean="0">
                 <a:solidFill>
                   <a:schemeClr val="tx1"/>
                 </a:solidFill>
@@ -6808,7 +6985,7 @@
                 <a:spcPct val="90000"/>
               </a:lnSpc>
             </a:pPr>
-            <a:endParaRPr lang="en-US" sz="2000" smtClean="0">
+            <a:endParaRPr lang="en-US" sz="2400" dirty="0" smtClean="0">
               <a:solidFill>
                 <a:schemeClr val="tx1"/>
               </a:solidFill>
@@ -6821,12 +6998,20 @@
               </a:lnSpc>
             </a:pPr>
             <a:r>
-              <a:rPr lang="en-US" sz="2000" smtClean="0">
+              <a:rPr lang="en-US" sz="2400" dirty="0" smtClean="0">
                 <a:solidFill>
                   <a:schemeClr val="tx1"/>
                 </a:solidFill>
               </a:rPr>
-              <a:t>Can View the archived Adjustment Voucher</a:t>
+              <a:t>Can </a:t>
+            </a:r>
+            <a:r>
+              <a:rPr lang="en-US" sz="2400" dirty="0" smtClean="0">
+                <a:solidFill>
+                  <a:schemeClr val="tx1"/>
+                </a:solidFill>
+              </a:rPr>
+              <a:t>View the archived Adjustment Voucher</a:t>
             </a:r>
           </a:p>
           <a:p>
@@ -6835,7 +7020,7 @@
                 <a:spcPct val="90000"/>
               </a:lnSpc>
             </a:pPr>
-            <a:endParaRPr lang="en-US" sz="2000" smtClean="0">
+            <a:endParaRPr lang="en-US" sz="2400" dirty="0" smtClean="0">
               <a:solidFill>
                 <a:schemeClr val="tx1"/>
               </a:solidFill>
@@ -6848,7 +7033,7 @@
               </a:lnSpc>
             </a:pPr>
             <a:r>
-              <a:rPr lang="en-US" sz="2000" smtClean="0">
+              <a:rPr lang="en-US" sz="2400" dirty="0" smtClean="0">
                 <a:solidFill>
                   <a:schemeClr val="tx1"/>
                 </a:solidFill>
@@ -6862,7 +7047,7 @@
                 <a:spcPct val="90000"/>
               </a:lnSpc>
             </a:pPr>
-            <a:endParaRPr lang="en-US" sz="2000" smtClean="0">
+            <a:endParaRPr lang="en-US" sz="2400" dirty="0" smtClean="0">
               <a:solidFill>
                 <a:schemeClr val="tx1"/>
               </a:solidFill>
@@ -6875,7 +7060,7 @@
               </a:lnSpc>
             </a:pPr>
             <a:r>
-              <a:rPr lang="en-US" sz="2000" smtClean="0">
+              <a:rPr lang="en-US" sz="2400" dirty="0" smtClean="0">
                 <a:solidFill>
                   <a:schemeClr val="tx1"/>
                 </a:solidFill>
@@ -6889,7 +7074,7 @@
                 <a:spcPct val="90000"/>
               </a:lnSpc>
             </a:pPr>
-            <a:endParaRPr lang="en-US" sz="2000" smtClean="0">
+            <a:endParaRPr lang="en-US" sz="2400" dirty="0" smtClean="0">
               <a:solidFill>
                 <a:schemeClr val="tx1"/>
               </a:solidFill>
@@ -6902,7 +7087,7 @@
               </a:lnSpc>
             </a:pPr>
             <a:r>
-              <a:rPr lang="en-US" sz="2000" smtClean="0">
+              <a:rPr lang="en-US" sz="2400" dirty="0" smtClean="0">
                 <a:solidFill>
                   <a:schemeClr val="tx1"/>
                 </a:solidFill>
@@ -6956,7 +7141,7 @@
           <p:nvPr/>
         </p:nvPicPr>
         <p:blipFill>
-          <a:blip r:embed="rId2"/>
+          <a:blip r:embed="rId2" cstate="print"/>
           <a:srcRect/>
           <a:stretch>
             <a:fillRect/>
@@ -7223,6 +7408,513 @@
             <p:ph type="ctrTitle"/>
           </p:nvPr>
         </p:nvSpPr>
+        <p:spPr>
+          <a:xfrm>
+            <a:off x="656492" y="-76200"/>
+            <a:ext cx="7772400" cy="1066800"/>
+          </a:xfrm>
+        </p:spPr>
+        <p:txBody>
+          <a:bodyPr rtlCol="0">
+            <a:normAutofit/>
+          </a:bodyPr>
+          <a:lstStyle/>
+          <a:p>
+            <a:pPr fontAlgn="auto">
+              <a:spcAft>
+                <a:spcPts val="0"/>
+              </a:spcAft>
+              <a:defRPr/>
+            </a:pPr>
+            <a:r>
+              <a:rPr lang="en-US" b="1" u="sng" dirty="0" smtClean="0">
+                <a:ln w="12700">
+                  <a:solidFill>
+                    <a:schemeClr val="tx2">
+                      <a:satMod val="155000"/>
+                    </a:schemeClr>
+                  </a:solidFill>
+                  <a:prstDash val="solid"/>
+                </a:ln>
+                <a:solidFill>
+                  <a:schemeClr val="accent1"/>
+                </a:solidFill>
+                <a:effectLst>
+                  <a:outerShdw blurRad="41275" dist="20320" dir="1800000" algn="tl" rotWithShape="0">
+                    <a:srgbClr val="000000">
+                      <a:alpha val="40000"/>
+                    </a:srgbClr>
+                  </a:outerShdw>
+                </a:effectLst>
+              </a:rPr>
+              <a:t> Limitation</a:t>
+            </a:r>
+            <a:endParaRPr lang="en-US" dirty="0"/>
+          </a:p>
+        </p:txBody>
+      </p:sp>
+      <p:sp>
+        <p:nvSpPr>
+          <p:cNvPr id="3" name="Subtitle 2"/>
+          <p:cNvSpPr>
+            <a:spLocks noGrp="1"/>
+          </p:cNvSpPr>
+          <p:nvPr>
+            <p:ph type="subTitle" idx="1"/>
+          </p:nvPr>
+        </p:nvSpPr>
+        <p:spPr>
+          <a:xfrm>
+            <a:off x="762000" y="1295400"/>
+            <a:ext cx="7772400" cy="4800600"/>
+          </a:xfrm>
+        </p:spPr>
+        <p:txBody>
+          <a:bodyPr/>
+          <a:lstStyle/>
+          <a:p>
+            <a:pPr algn="l">
+              <a:lnSpc>
+                <a:spcPct val="90000"/>
+              </a:lnSpc>
+            </a:pPr>
+            <a:r>
+              <a:rPr lang="en-US" sz="2400" dirty="0" smtClean="0">
+                <a:solidFill>
+                  <a:schemeClr val="tx1"/>
+                </a:solidFill>
+              </a:rPr>
+              <a:t>Employee needs to submit another requisitions for unfulfilled items</a:t>
+            </a:r>
+          </a:p>
+          <a:p>
+            <a:pPr algn="l">
+              <a:lnSpc>
+                <a:spcPct val="90000"/>
+              </a:lnSpc>
+            </a:pPr>
+            <a:endParaRPr lang="en-US" sz="2400" dirty="0" smtClean="0">
+              <a:solidFill>
+                <a:schemeClr val="tx1"/>
+              </a:solidFill>
+            </a:endParaRPr>
+          </a:p>
+          <a:p>
+            <a:pPr algn="l">
+              <a:lnSpc>
+                <a:spcPct val="90000"/>
+              </a:lnSpc>
+            </a:pPr>
+            <a:r>
+              <a:rPr lang="en-US" sz="2400" dirty="0" smtClean="0">
+                <a:solidFill>
+                  <a:schemeClr val="tx1"/>
+                </a:solidFill>
+              </a:rPr>
+              <a:t>There is no sending </a:t>
+            </a:r>
+            <a:r>
+              <a:rPr lang="en-US" sz="2400" dirty="0" err="1" smtClean="0">
+                <a:solidFill>
+                  <a:schemeClr val="tx1"/>
+                </a:solidFill>
+              </a:rPr>
+              <a:t>sms</a:t>
+            </a:r>
+            <a:r>
+              <a:rPr lang="en-US" sz="2400" dirty="0" smtClean="0">
+                <a:solidFill>
+                  <a:schemeClr val="tx1"/>
+                </a:solidFill>
+              </a:rPr>
+              <a:t> function in the system</a:t>
+            </a:r>
+          </a:p>
+          <a:p>
+            <a:pPr algn="l">
+              <a:lnSpc>
+                <a:spcPct val="90000"/>
+              </a:lnSpc>
+            </a:pPr>
+            <a:endParaRPr lang="en-US" sz="2000" dirty="0" smtClean="0">
+              <a:solidFill>
+                <a:schemeClr val="tx1"/>
+              </a:solidFill>
+            </a:endParaRPr>
+          </a:p>
+          <a:p>
+            <a:pPr algn="l">
+              <a:lnSpc>
+                <a:spcPct val="90000"/>
+              </a:lnSpc>
+            </a:pPr>
+            <a:endParaRPr lang="en-US" sz="2000" dirty="0" smtClean="0">
+              <a:solidFill>
+                <a:schemeClr val="tx1"/>
+              </a:solidFill>
+            </a:endParaRPr>
+          </a:p>
+          <a:p>
+            <a:pPr algn="l">
+              <a:lnSpc>
+                <a:spcPct val="90000"/>
+              </a:lnSpc>
+            </a:pPr>
+            <a:endParaRPr lang="en-US" sz="2000" dirty="0" smtClean="0">
+              <a:solidFill>
+                <a:schemeClr val="tx1"/>
+              </a:solidFill>
+            </a:endParaRPr>
+          </a:p>
+          <a:p>
+            <a:pPr algn="l">
+              <a:lnSpc>
+                <a:spcPct val="90000"/>
+              </a:lnSpc>
+            </a:pPr>
+            <a:endParaRPr lang="en-US" sz="2000" dirty="0" smtClean="0">
+              <a:solidFill>
+                <a:schemeClr val="tx1"/>
+              </a:solidFill>
+            </a:endParaRPr>
+          </a:p>
+          <a:p>
+            <a:pPr algn="l">
+              <a:lnSpc>
+                <a:spcPct val="90000"/>
+              </a:lnSpc>
+            </a:pPr>
+            <a:endParaRPr lang="en-US" sz="2000" dirty="0" smtClean="0">
+              <a:solidFill>
+                <a:schemeClr val="tx1"/>
+              </a:solidFill>
+            </a:endParaRPr>
+          </a:p>
+          <a:p>
+            <a:pPr algn="l">
+              <a:lnSpc>
+                <a:spcPct val="90000"/>
+              </a:lnSpc>
+            </a:pPr>
+            <a:endParaRPr lang="en-US" sz="2000" dirty="0" smtClean="0">
+              <a:solidFill>
+                <a:schemeClr val="tx1"/>
+              </a:solidFill>
+            </a:endParaRPr>
+          </a:p>
+        </p:txBody>
+      </p:sp>
+      <p:sp>
+        <p:nvSpPr>
+          <p:cNvPr id="16387" name="Title 14"/>
+          <p:cNvSpPr txBox="1">
+            <a:spLocks/>
+          </p:cNvSpPr>
+          <p:nvPr/>
+        </p:nvSpPr>
+        <p:spPr bwMode="auto">
+          <a:xfrm>
+            <a:off x="1295400" y="76200"/>
+            <a:ext cx="5562600" cy="609600"/>
+          </a:xfrm>
+          <a:prstGeom prst="rect">
+            <a:avLst/>
+          </a:prstGeom>
+          <a:noFill/>
+          <a:ln w="9525">
+            <a:noFill/>
+            <a:miter lim="800000"/>
+            <a:headEnd/>
+            <a:tailEnd/>
+          </a:ln>
+        </p:spPr>
+        <p:txBody>
+          <a:bodyPr anchor="ctr"/>
+          <a:lstStyle/>
+          <a:p>
+            <a:pPr algn="ctr"/>
+            <a:endParaRPr lang="en-US" sz="2800" u="sng">
+              <a:latin typeface="Calibri" pitchFamily="34" charset="0"/>
+            </a:endParaRPr>
+          </a:p>
+        </p:txBody>
+      </p:sp>
+      <p:pic>
+        <p:nvPicPr>
+          <p:cNvPr id="5" name="Picture 6"/>
+          <p:cNvPicPr>
+            <a:picLocks noChangeAspect="1" noChangeArrowheads="1"/>
+          </p:cNvPicPr>
+          <p:nvPr/>
+        </p:nvPicPr>
+        <p:blipFill>
+          <a:blip r:embed="rId2" cstate="print"/>
+          <a:srcRect/>
+          <a:stretch>
+            <a:fillRect/>
+          </a:stretch>
+        </p:blipFill>
+        <p:spPr bwMode="auto">
+          <a:xfrm>
+            <a:off x="0" y="0"/>
+            <a:ext cx="1143000" cy="762000"/>
+          </a:xfrm>
+          <a:prstGeom prst="rect">
+            <a:avLst/>
+          </a:prstGeom>
+          <a:ln>
+            <a:noFill/>
+          </a:ln>
+          <a:effectLst>
+            <a:outerShdw blurRad="292100" dist="139700" dir="2700000" algn="tl" rotWithShape="0">
+              <a:srgbClr val="333333">
+                <a:alpha val="65000"/>
+              </a:srgbClr>
+            </a:outerShdw>
+          </a:effectLst>
+          <a:extLst>
+            <a:ext uri="{909E8E84-426E-40DD-AFC4-6F175D3DCCD1}"/>
+            <a:ext uri="{91240B29-F687-4F45-9708-019B960494DF}"/>
+          </a:extLst>
+        </p:spPr>
+      </p:pic>
+      <p:sp>
+        <p:nvSpPr>
+          <p:cNvPr id="6" name="Rectangle 6"/>
+          <p:cNvSpPr>
+            <a:spLocks noChangeArrowheads="1"/>
+          </p:cNvSpPr>
+          <p:nvPr/>
+        </p:nvSpPr>
+        <p:spPr bwMode="auto">
+          <a:xfrm>
+            <a:off x="7772400" y="152400"/>
+            <a:ext cx="1219200" cy="381000"/>
+          </a:xfrm>
+          <a:prstGeom prst="rect">
+            <a:avLst/>
+          </a:prstGeom>
+          <a:noFill/>
+          <a:ln>
+            <a:noFill/>
+          </a:ln>
+          <a:effectLst/>
+          <a:extLst>
+            <a:ext uri="{909E8E84-426E-40DD-AFC4-6F175D3DCCD1}"/>
+            <a:ext uri="{91240B29-F687-4F45-9708-019B960494DF}"/>
+            <a:ext uri="{AF507438-7753-43E0-B8FC-AC1667EBCBE1}"/>
+          </a:extLst>
+        </p:spPr>
+        <p:txBody>
+          <a:bodyPr/>
+          <a:lstStyle/>
+          <a:p>
+            <a:pPr marL="342900" indent="-342900" fontAlgn="auto">
+              <a:spcBef>
+                <a:spcPct val="20000"/>
+              </a:spcBef>
+              <a:spcAft>
+                <a:spcPts val="0"/>
+              </a:spcAft>
+              <a:defRPr/>
+            </a:pPr>
+            <a:r>
+              <a:rPr lang="en-US" sz="2400" b="1" dirty="0">
+                <a:ln w="12700">
+                  <a:solidFill>
+                    <a:schemeClr val="tx2"/>
+                  </a:solidFill>
+                  <a:prstDash val="solid"/>
+                </a:ln>
+                <a:solidFill>
+                  <a:schemeClr val="bg1"/>
+                </a:solidFill>
+                <a:effectLst>
+                  <a:outerShdw blurRad="41275" dist="20320" dir="1800000" algn="tl" rotWithShape="0">
+                    <a:srgbClr val="000000">
+                      <a:alpha val="40000"/>
+                    </a:srgbClr>
+                  </a:outerShdw>
+                </a:effectLst>
+                <a:latin typeface="+mn-lt"/>
+              </a:rPr>
+              <a:t>Team-9</a:t>
+            </a:r>
+          </a:p>
+        </p:txBody>
+      </p:sp>
+      <p:cxnSp>
+        <p:nvCxnSpPr>
+          <p:cNvPr id="7" name="Straight Connector 6"/>
+          <p:cNvCxnSpPr/>
+          <p:nvPr/>
+        </p:nvCxnSpPr>
+        <p:spPr bwMode="auto">
+          <a:xfrm>
+            <a:off x="1143000" y="76200"/>
+            <a:ext cx="7315200" cy="0"/>
+          </a:xfrm>
+          <a:prstGeom prst="line">
+            <a:avLst/>
+          </a:prstGeom>
+          <a:solidFill>
+            <a:schemeClr val="accent1"/>
+          </a:solidFill>
+          <a:ln w="63500" cap="flat" cmpd="sng" algn="ctr">
+            <a:solidFill>
+              <a:schemeClr val="accent2">
+                <a:alpha val="99000"/>
+              </a:schemeClr>
+            </a:solidFill>
+            <a:prstDash val="solid"/>
+            <a:round/>
+            <a:headEnd type="none" w="med" len="med"/>
+            <a:tailEnd type="none" w="med" len="med"/>
+          </a:ln>
+          <a:effectLst>
+            <a:outerShdw dist="35921" dir="2700000" algn="ctr" rotWithShape="0">
+              <a:schemeClr val="bg2">
+                <a:alpha val="65000"/>
+              </a:schemeClr>
+            </a:outerShdw>
+          </a:effectLst>
+          <a:extLst/>
+        </p:spPr>
+      </p:cxnSp>
+      <p:cxnSp>
+        <p:nvCxnSpPr>
+          <p:cNvPr id="8" name="Straight Connector 7"/>
+          <p:cNvCxnSpPr/>
+          <p:nvPr/>
+        </p:nvCxnSpPr>
+        <p:spPr bwMode="auto">
+          <a:xfrm>
+            <a:off x="1066800" y="152400"/>
+            <a:ext cx="6477000" cy="0"/>
+          </a:xfrm>
+          <a:prstGeom prst="line">
+            <a:avLst/>
+          </a:prstGeom>
+          <a:solidFill>
+            <a:schemeClr val="accent1"/>
+          </a:solidFill>
+          <a:ln w="63500" cap="flat" cmpd="sng" algn="ctr">
+            <a:solidFill>
+              <a:schemeClr val="tx2">
+                <a:alpha val="99000"/>
+              </a:schemeClr>
+            </a:solidFill>
+            <a:prstDash val="solid"/>
+            <a:round/>
+            <a:headEnd type="none" w="med" len="med"/>
+            <a:tailEnd type="none" w="med" len="med"/>
+          </a:ln>
+          <a:effectLst>
+            <a:outerShdw dist="35921" dir="2700000" algn="ctr" rotWithShape="0">
+              <a:schemeClr val="bg2">
+                <a:alpha val="65000"/>
+              </a:schemeClr>
+            </a:outerShdw>
+          </a:effectLst>
+          <a:extLst/>
+        </p:spPr>
+      </p:cxnSp>
+      <p:cxnSp>
+        <p:nvCxnSpPr>
+          <p:cNvPr id="16392" name="Straight Connector 8"/>
+          <p:cNvCxnSpPr>
+            <a:cxnSpLocks noChangeShapeType="1"/>
+          </p:cNvCxnSpPr>
+          <p:nvPr/>
+        </p:nvCxnSpPr>
+        <p:spPr bwMode="auto">
+          <a:xfrm>
+            <a:off x="76200" y="685800"/>
+            <a:ext cx="0" cy="5715000"/>
+          </a:xfrm>
+          <a:prstGeom prst="line">
+            <a:avLst/>
+          </a:prstGeom>
+          <a:noFill/>
+          <a:ln w="53975" algn="ctr">
+            <a:solidFill>
+              <a:schemeClr val="accent2"/>
+            </a:solidFill>
+            <a:round/>
+            <a:headEnd/>
+            <a:tailEnd/>
+          </a:ln>
+        </p:spPr>
+      </p:cxnSp>
+      <p:cxnSp>
+        <p:nvCxnSpPr>
+          <p:cNvPr id="16393" name="Straight Connector 9"/>
+          <p:cNvCxnSpPr>
+            <a:cxnSpLocks noChangeShapeType="1"/>
+          </p:cNvCxnSpPr>
+          <p:nvPr/>
+        </p:nvCxnSpPr>
+        <p:spPr bwMode="auto">
+          <a:xfrm>
+            <a:off x="152400" y="685800"/>
+            <a:ext cx="0" cy="5029200"/>
+          </a:xfrm>
+          <a:prstGeom prst="line">
+            <a:avLst/>
+          </a:prstGeom>
+          <a:noFill/>
+          <a:ln w="53975" algn="ctr">
+            <a:solidFill>
+              <a:schemeClr val="tx2"/>
+            </a:solidFill>
+            <a:round/>
+            <a:headEnd/>
+            <a:tailEnd/>
+          </a:ln>
+        </p:spPr>
+      </p:cxnSp>
+    </p:spTree>
+  </p:cSld>
+  <p:clrMapOvr>
+    <a:masterClrMapping/>
+  </p:clrMapOvr>
+  <p:timing>
+    <p:tnLst>
+      <p:par>
+        <p:cTn id="1" dur="indefinite" restart="never" nodeType="tmRoot"/>
+      </p:par>
+    </p:tnLst>
+  </p:timing>
+</p:sld>
+</file>
+
+<file path=ppt/slides/slide6.xml><?xml version="1.0" encoding="utf-8"?>
+<p:sld xmlns:a="http://schemas.openxmlformats.org/drawingml/2006/main" xmlns:r="http://schemas.openxmlformats.org/officeDocument/2006/relationships" xmlns:p="http://schemas.openxmlformats.org/presentationml/2006/main">
+  <p:cSld>
+    <p:spTree>
+      <p:nvGrpSpPr>
+        <p:cNvPr id="1" name=""/>
+        <p:cNvGrpSpPr/>
+        <p:nvPr/>
+      </p:nvGrpSpPr>
+      <p:grpSpPr>
+        <a:xfrm>
+          <a:off x="0" y="0"/>
+          <a:ext cx="0" cy="0"/>
+          <a:chOff x="0" y="0"/>
+          <a:chExt cx="0" cy="0"/>
+        </a:xfrm>
+      </p:grpSpPr>
+      <p:sp>
+        <p:nvSpPr>
+          <p:cNvPr id="2" name="Title 1"/>
+          <p:cNvSpPr>
+            <a:spLocks noGrp="1"/>
+          </p:cNvSpPr>
+          <p:nvPr>
+            <p:ph type="ctrTitle"/>
+          </p:nvPr>
+        </p:nvSpPr>
         <p:spPr/>
         <p:txBody>
           <a:bodyPr rtlCol="0">
@@ -7381,7 +8073,7 @@
           <p:nvPr/>
         </p:nvPicPr>
         <p:blipFill>
-          <a:blip r:embed="rId2"/>
+          <a:blip r:embed="rId2" cstate="print"/>
           <a:srcRect/>
           <a:stretch>
             <a:fillRect/>
